--- a/第7章-开源GIS项目实践-10课时/第7章-开源GIS项目应用实践.pptx
+++ b/第7章-开源GIS项目实践-10课时/第7章-开源GIS项目应用实践.pptx
@@ -6,25 +6,22 @@
     <p:sldMasterId id="2147484986" r:id="rId2"/>
   </p:sldMasterIdLst>
   <p:notesMasterIdLst>
-    <p:notesMasterId r:id="rId11"/>
+    <p:notesMasterId r:id="rId8"/>
   </p:notesMasterIdLst>
   <p:handoutMasterIdLst>
-    <p:handoutMasterId r:id="rId12"/>
+    <p:handoutMasterId r:id="rId9"/>
   </p:handoutMasterIdLst>
   <p:sldIdLst>
     <p:sldId id="2708" r:id="rId3"/>
-    <p:sldId id="2387" r:id="rId4"/>
-    <p:sldId id="2777" r:id="rId5"/>
-    <p:sldId id="2447" r:id="rId6"/>
-    <p:sldId id="2767" r:id="rId7"/>
-    <p:sldId id="2742" r:id="rId8"/>
-    <p:sldId id="2775" r:id="rId9"/>
-    <p:sldId id="2776" r:id="rId10"/>
+    <p:sldId id="2777" r:id="rId4"/>
+    <p:sldId id="2779" r:id="rId5"/>
+    <p:sldId id="2780" r:id="rId6"/>
+    <p:sldId id="2781" r:id="rId7"/>
   </p:sldIdLst>
   <p:sldSz cx="9144000" cy="6858000" type="screen4x3"/>
   <p:notesSz cx="7099300" cy="10234613"/>
   <p:custDataLst>
-    <p:tags r:id="rId13"/>
+    <p:tags r:id="rId10"/>
   </p:custDataLst>
   <p:defaultTextStyle>
     <a:defPPr>
@@ -7672,46 +7669,43 @@
           <a:bodyPr/>
           <a:lstStyle/>
           <a:p>
-            <a:endParaRPr lang="zh-CN" altLang="en-US" dirty="0"/>
-          </a:p>
-        </p:txBody>
-      </p:sp>
-      <p:sp>
-        <p:nvSpPr>
-          <p:cNvPr id="4" name="灯片编号占位符 3"/>
-          <p:cNvSpPr>
-            <a:spLocks noGrp="1"/>
-          </p:cNvSpPr>
-          <p:nvPr>
-            <p:ph type="sldNum" sz="quarter" idx="10"/>
-          </p:nvPr>
-        </p:nvSpPr>
-        <p:spPr/>
-        <p:txBody>
-          <a:bodyPr/>
-          <a:lstStyle/>
-          <a:p>
-            <a:fld id="{B77ECF62-1638-4DD4-9C28-B7A1E023F854}" type="slidenum">
-              <a:rPr lang="zh-CN" altLang="en-US" smtClean="0">
-                <a:solidFill>
-                  <a:prstClr val="black"/>
-                </a:solidFill>
-              </a:rPr>
-              <a:pPr/>
+            <a:r>
+              <a:rPr lang="en-US" altLang="zh-CN" dirty="0"/>
+              <a:t>1</a:t>
+            </a:r>
+            <a:r>
+              <a:rPr lang="zh-CN" altLang="en-US" dirty="0"/>
+              <a:t>、湖泊，国内湖泊，思政内容，不同类型，不同颜色，不同大学湖泊，培养美好中国自豪感、认同感。尽量选择不同湖泊。</a:t>
+            </a:r>
+            <a:endParaRPr lang="en-US" altLang="zh-CN" dirty="0"/>
+          </a:p>
+          <a:p>
+            <a:r>
+              <a:rPr lang="en-US" altLang="zh-CN" dirty="0"/>
               <a:t>2</a:t>
-            </a:fld>
-            <a:endParaRPr lang="zh-CN" altLang="en-US">
-              <a:solidFill>
-                <a:prstClr val="black"/>
-              </a:solidFill>
-            </a:endParaRPr>
+            </a:r>
+            <a:r>
+              <a:rPr lang="zh-CN" altLang="en-US" dirty="0"/>
+              <a:t>、考虑区域，不能太大，也能太小，专题地图有意义有价值。</a:t>
+            </a:r>
+            <a:endParaRPr lang="en-US" altLang="zh-CN" dirty="0"/>
+          </a:p>
+          <a:p>
+            <a:r>
+              <a:rPr lang="en-US" altLang="zh-CN" dirty="0"/>
+              <a:t>3</a:t>
+            </a:r>
+            <a:r>
+              <a:rPr lang="zh-CN" altLang="en-US" dirty="0"/>
+              <a:t>、提前报备。</a:t>
+            </a:r>
           </a:p>
         </p:txBody>
       </p:sp>
     </p:spTree>
     <p:extLst>
       <p:ext uri="{BB962C8B-B14F-4D97-AF65-F5344CB8AC3E}">
-        <p14:creationId xmlns:p14="http://schemas.microsoft.com/office/powerpoint/2010/main" val="2582552139"/>
+        <p14:creationId xmlns:p14="http://schemas.microsoft.com/office/powerpoint/2010/main" val="3910799444"/>
       </p:ext>
     </p:extLst>
   </p:cSld>
@@ -7765,14 +7759,41 @@
           <a:bodyPr/>
           <a:lstStyle/>
           <a:p>
-            <a:endParaRPr lang="zh-CN" altLang="en-US" dirty="0"/>
+            <a:r>
+              <a:rPr lang="zh-CN" altLang="en-US" dirty="0"/>
+              <a:t>最后两次课是</a:t>
+            </a:r>
+            <a:r>
+              <a:rPr lang="en-US" altLang="zh-CN" dirty="0"/>
+              <a:t>17</a:t>
+            </a:r>
+            <a:r>
+              <a:rPr lang="zh-CN" altLang="en-US" dirty="0"/>
+              <a:t>周</a:t>
+            </a:r>
+            <a:r>
+              <a:rPr lang="en-US" altLang="zh-CN" dirty="0"/>
+              <a:t>18</a:t>
+            </a:r>
+            <a:r>
+              <a:rPr lang="zh-CN" altLang="en-US" dirty="0"/>
+              <a:t>周。</a:t>
+            </a:r>
+            <a:r>
+              <a:rPr lang="en-US" altLang="zh-CN" dirty="0"/>
+              <a:t>12</a:t>
+            </a:r>
+            <a:r>
+              <a:rPr lang="zh-CN" altLang="en-US" dirty="0"/>
+              <a:t>月月底。</a:t>
+            </a:r>
           </a:p>
         </p:txBody>
       </p:sp>
     </p:spTree>
     <p:extLst>
       <p:ext uri="{BB962C8B-B14F-4D97-AF65-F5344CB8AC3E}">
-        <p14:creationId xmlns:p14="http://schemas.microsoft.com/office/powerpoint/2010/main" val="3910799444"/>
+        <p14:creationId xmlns:p14="http://schemas.microsoft.com/office/powerpoint/2010/main" val="2044165138"/>
       </p:ext>
     </p:extLst>
   </p:cSld>
@@ -7826,14 +7847,17 @@
           <a:bodyPr/>
           <a:lstStyle/>
           <a:p>
-            <a:endParaRPr lang="zh-CN" altLang="en-US"/>
+            <a:r>
+              <a:rPr lang="zh-CN" altLang="en-US" dirty="0"/>
+              <a:t>涉及遥感数据，在线地图开发中，可视化地理信息应通过遥感影像提取获得。</a:t>
+            </a:r>
           </a:p>
         </p:txBody>
       </p:sp>
     </p:spTree>
     <p:extLst>
       <p:ext uri="{BB962C8B-B14F-4D97-AF65-F5344CB8AC3E}">
-        <p14:creationId xmlns:p14="http://schemas.microsoft.com/office/powerpoint/2010/main" val="3047110815"/>
+        <p14:creationId xmlns:p14="http://schemas.microsoft.com/office/powerpoint/2010/main" val="2251288944"/>
       </p:ext>
     </p:extLst>
   </p:cSld>
@@ -7894,190 +7918,7 @@
     </p:spTree>
     <p:extLst>
       <p:ext uri="{BB962C8B-B14F-4D97-AF65-F5344CB8AC3E}">
-        <p14:creationId xmlns:p14="http://schemas.microsoft.com/office/powerpoint/2010/main" val="1320429033"/>
-      </p:ext>
-    </p:extLst>
-  </p:cSld>
-  <p:clrMapOvr>
-    <a:masterClrMapping/>
-  </p:clrMapOvr>
-</p:notes>
-</file>
-
-<file path=ppt/notesSlides/notesSlide6.xml><?xml version="1.0" encoding="utf-8"?>
-<p:notes xmlns:a="http://schemas.openxmlformats.org/drawingml/2006/main" xmlns:r="http://schemas.openxmlformats.org/officeDocument/2006/relationships" xmlns:p="http://schemas.openxmlformats.org/presentationml/2006/main">
-  <p:cSld>
-    <p:spTree>
-      <p:nvGrpSpPr>
-        <p:cNvPr id="1" name=""/>
-        <p:cNvGrpSpPr/>
-        <p:nvPr/>
-      </p:nvGrpSpPr>
-      <p:grpSpPr>
-        <a:xfrm>
-          <a:off x="0" y="0"/>
-          <a:ext cx="0" cy="0"/>
-          <a:chOff x="0" y="0"/>
-          <a:chExt cx="0" cy="0"/>
-        </a:xfrm>
-      </p:grpSpPr>
-      <p:sp>
-        <p:nvSpPr>
-          <p:cNvPr id="2" name="幻灯片图像占位符 1"/>
-          <p:cNvSpPr>
-            <a:spLocks noGrp="1" noRot="1" noChangeAspect="1"/>
-          </p:cNvSpPr>
-          <p:nvPr>
-            <p:ph type="sldImg"/>
-          </p:nvPr>
-        </p:nvSpPr>
-        <p:spPr/>
-      </p:sp>
-      <p:sp>
-        <p:nvSpPr>
-          <p:cNvPr id="3" name="备注占位符 2"/>
-          <p:cNvSpPr>
-            <a:spLocks noGrp="1"/>
-          </p:cNvSpPr>
-          <p:nvPr>
-            <p:ph type="body" idx="1"/>
-          </p:nvPr>
-        </p:nvSpPr>
-        <p:spPr/>
-        <p:txBody>
-          <a:bodyPr/>
-          <a:lstStyle/>
-          <a:p>
-            <a:endParaRPr lang="zh-CN" altLang="en-US"/>
-          </a:p>
-        </p:txBody>
-      </p:sp>
-    </p:spTree>
-    <p:extLst>
-      <p:ext uri="{BB962C8B-B14F-4D97-AF65-F5344CB8AC3E}">
-        <p14:creationId xmlns:p14="http://schemas.microsoft.com/office/powerpoint/2010/main" val="1449198926"/>
-      </p:ext>
-    </p:extLst>
-  </p:cSld>
-  <p:clrMapOvr>
-    <a:masterClrMapping/>
-  </p:clrMapOvr>
-</p:notes>
-</file>
-
-<file path=ppt/notesSlides/notesSlide7.xml><?xml version="1.0" encoding="utf-8"?>
-<p:notes xmlns:a="http://schemas.openxmlformats.org/drawingml/2006/main" xmlns:r="http://schemas.openxmlformats.org/officeDocument/2006/relationships" xmlns:p="http://schemas.openxmlformats.org/presentationml/2006/main">
-  <p:cSld>
-    <p:spTree>
-      <p:nvGrpSpPr>
-        <p:cNvPr id="1" name=""/>
-        <p:cNvGrpSpPr/>
-        <p:nvPr/>
-      </p:nvGrpSpPr>
-      <p:grpSpPr>
-        <a:xfrm>
-          <a:off x="0" y="0"/>
-          <a:ext cx="0" cy="0"/>
-          <a:chOff x="0" y="0"/>
-          <a:chExt cx="0" cy="0"/>
-        </a:xfrm>
-      </p:grpSpPr>
-      <p:sp>
-        <p:nvSpPr>
-          <p:cNvPr id="2" name="幻灯片图像占位符 1"/>
-          <p:cNvSpPr>
-            <a:spLocks noGrp="1" noRot="1" noChangeAspect="1"/>
-          </p:cNvSpPr>
-          <p:nvPr>
-            <p:ph type="sldImg"/>
-          </p:nvPr>
-        </p:nvSpPr>
-        <p:spPr/>
-      </p:sp>
-      <p:sp>
-        <p:nvSpPr>
-          <p:cNvPr id="3" name="备注占位符 2"/>
-          <p:cNvSpPr>
-            <a:spLocks noGrp="1"/>
-          </p:cNvSpPr>
-          <p:nvPr>
-            <p:ph type="body" idx="1"/>
-          </p:nvPr>
-        </p:nvSpPr>
-        <p:spPr/>
-        <p:txBody>
-          <a:bodyPr/>
-          <a:lstStyle/>
-          <a:p>
-            <a:endParaRPr lang="zh-CN" altLang="en-US"/>
-          </a:p>
-        </p:txBody>
-      </p:sp>
-    </p:spTree>
-    <p:extLst>
-      <p:ext uri="{BB962C8B-B14F-4D97-AF65-F5344CB8AC3E}">
-        <p14:creationId xmlns:p14="http://schemas.microsoft.com/office/powerpoint/2010/main" val="1143574109"/>
-      </p:ext>
-    </p:extLst>
-  </p:cSld>
-  <p:clrMapOvr>
-    <a:masterClrMapping/>
-  </p:clrMapOvr>
-</p:notes>
-</file>
-
-<file path=ppt/notesSlides/notesSlide8.xml><?xml version="1.0" encoding="utf-8"?>
-<p:notes xmlns:a="http://schemas.openxmlformats.org/drawingml/2006/main" xmlns:r="http://schemas.openxmlformats.org/officeDocument/2006/relationships" xmlns:p="http://schemas.openxmlformats.org/presentationml/2006/main">
-  <p:cSld>
-    <p:spTree>
-      <p:nvGrpSpPr>
-        <p:cNvPr id="1" name=""/>
-        <p:cNvGrpSpPr/>
-        <p:nvPr/>
-      </p:nvGrpSpPr>
-      <p:grpSpPr>
-        <a:xfrm>
-          <a:off x="0" y="0"/>
-          <a:ext cx="0" cy="0"/>
-          <a:chOff x="0" y="0"/>
-          <a:chExt cx="0" cy="0"/>
-        </a:xfrm>
-      </p:grpSpPr>
-      <p:sp>
-        <p:nvSpPr>
-          <p:cNvPr id="2" name="幻灯片图像占位符 1"/>
-          <p:cNvSpPr>
-            <a:spLocks noGrp="1" noRot="1" noChangeAspect="1"/>
-          </p:cNvSpPr>
-          <p:nvPr>
-            <p:ph type="sldImg"/>
-          </p:nvPr>
-        </p:nvSpPr>
-        <p:spPr/>
-      </p:sp>
-      <p:sp>
-        <p:nvSpPr>
-          <p:cNvPr id="3" name="备注占位符 2"/>
-          <p:cNvSpPr>
-            <a:spLocks noGrp="1"/>
-          </p:cNvSpPr>
-          <p:nvPr>
-            <p:ph type="body" idx="1"/>
-          </p:nvPr>
-        </p:nvSpPr>
-        <p:spPr/>
-        <p:txBody>
-          <a:bodyPr/>
-          <a:lstStyle/>
-          <a:p>
-            <a:endParaRPr lang="zh-CN" altLang="en-US" dirty="0"/>
-          </a:p>
-        </p:txBody>
-      </p:sp>
-    </p:spTree>
-    <p:extLst>
-      <p:ext uri="{BB962C8B-B14F-4D97-AF65-F5344CB8AC3E}">
-        <p14:creationId xmlns:p14="http://schemas.microsoft.com/office/powerpoint/2010/main" val="3519856589"/>
+        <p14:creationId xmlns:p14="http://schemas.microsoft.com/office/powerpoint/2010/main" val="282010404"/>
       </p:ext>
     </p:extLst>
   </p:cSld>
@@ -15831,7 +15672,7 @@
 </file>
 
 <file path=ppt/slides/slide2.xml><?xml version="1.0" encoding="utf-8"?>
-<p:sld xmlns:a="http://schemas.openxmlformats.org/drawingml/2006/main" xmlns:r="http://schemas.openxmlformats.org/officeDocument/2006/relationships" xmlns:p="http://schemas.openxmlformats.org/presentationml/2006/main" showMasterSp="0">
+<p:sld xmlns:a="http://schemas.openxmlformats.org/drawingml/2006/main" xmlns:r="http://schemas.openxmlformats.org/officeDocument/2006/relationships" xmlns:p="http://schemas.openxmlformats.org/presentationml/2006/main">
   <p:cSld>
     <p:spTree>
       <p:nvGrpSpPr>
@@ -15849,33 +15690,25 @@
       </p:grpSpPr>
       <p:sp>
         <p:nvSpPr>
-          <p:cNvPr id="6" name="矩形 5"/>
-          <p:cNvSpPr/>
-          <p:nvPr/>
+          <p:cNvPr id="3" name="标题 2"/>
+          <p:cNvSpPr>
+            <a:spLocks noGrp="1"/>
+          </p:cNvSpPr>
+          <p:nvPr>
+            <p:ph type="title"/>
+          </p:nvPr>
         </p:nvSpPr>
         <p:spPr>
           <a:xfrm>
-            <a:off x="29621" y="0"/>
-            <a:ext cx="1835696" cy="6858000"/>
+            <a:off x="0" y="8526"/>
+            <a:ext cx="9013371" cy="792162"/>
           </a:xfrm>
-          <a:prstGeom prst="rect">
-            <a:avLst/>
-          </a:prstGeom>
-          <a:solidFill>
-            <a:srgbClr val="0000CC"/>
-          </a:solidFill>
-          <a:ln w="9525">
-            <a:noFill/>
-            <a:miter lim="800000"/>
-            <a:headEnd/>
-            <a:tailEnd/>
-          </a:ln>
         </p:spPr>
         <p:txBody>
-          <a:bodyPr wrap="none" anchor="ctr"/>
+          <a:bodyPr/>
           <a:lstStyle/>
           <a:p>
-            <a:pPr eaLnBrk="1" fontAlgn="auto" hangingPunct="1">
+            <a:pPr algn="l" fontAlgn="auto">
               <a:spcBef>
                 <a:spcPts val="0"/>
               </a:spcBef>
@@ -15883,159 +15716,32 @@
                 <a:spcPts val="0"/>
               </a:spcAft>
             </a:pPr>
-            <a:endParaRPr lang="zh-CN" altLang="en-US">
-              <a:solidFill>
-                <a:prstClr val="black"/>
-              </a:solidFill>
-              <a:latin typeface="Calibri" pitchFamily="34" charset="0"/>
-            </a:endParaRPr>
+            <a:r>
+              <a:rPr lang="zh-CN" altLang="en-US" sz="3200" dirty="0">
+                <a:latin typeface="+mn-ea"/>
+              </a:rPr>
+              <a:t>实践项目选题</a:t>
+            </a:r>
+            <a:endParaRPr lang="zh-CN" altLang="en-US" sz="3200" dirty="0"/>
           </a:p>
         </p:txBody>
       </p:sp>
-      <p:grpSp>
-        <p:nvGrpSpPr>
-          <p:cNvPr id="3" name="Group 2">
+      <p:sp>
+        <p:nvSpPr>
+          <p:cNvPr id="10" name="TextBox 9">
             <a:extLst>
               <a:ext uri="{FF2B5EF4-FFF2-40B4-BE49-F238E27FC236}">
-                <a16:creationId xmlns:a16="http://schemas.microsoft.com/office/drawing/2014/main" id="{12ED16A1-79B8-7DB1-1CC1-250B051BAD58}"/>
+                <a16:creationId xmlns:a16="http://schemas.microsoft.com/office/drawing/2014/main" id="{2662A235-2CC3-749B-1A7D-D9E01F241A84}"/>
               </a:ext>
             </a:extLst>
           </p:cNvPr>
-          <p:cNvGrpSpPr/>
-          <p:nvPr/>
-        </p:nvGrpSpPr>
-        <p:grpSpPr>
-          <a:xfrm>
-            <a:off x="2061405" y="3978406"/>
-            <a:ext cx="6986003" cy="717998"/>
-            <a:chOff x="2121801" y="3511390"/>
-            <a:chExt cx="6323350" cy="576000"/>
-          </a:xfrm>
-        </p:grpSpPr>
-        <p:sp>
-          <p:nvSpPr>
-            <p:cNvPr id="13" name="椭圆 12"/>
-            <p:cNvSpPr/>
-            <p:nvPr/>
-          </p:nvSpPr>
-          <p:spPr>
-            <a:xfrm>
-              <a:off x="2121801" y="3511390"/>
-              <a:ext cx="655111" cy="576000"/>
-            </a:xfrm>
-            <a:prstGeom prst="ellipse">
-              <a:avLst/>
-            </a:prstGeom>
-            <a:solidFill>
-              <a:schemeClr val="tx1">
-                <a:lumMod val="95000"/>
-              </a:schemeClr>
-            </a:solidFill>
-            <a:ln w="19050">
-              <a:solidFill>
-                <a:schemeClr val="accent1"/>
-              </a:solidFill>
-            </a:ln>
-          </p:spPr>
-          <p:style>
-            <a:lnRef idx="2">
-              <a:schemeClr val="accent1">
-                <a:shade val="50000"/>
-              </a:schemeClr>
-            </a:lnRef>
-            <a:fillRef idx="1">
-              <a:schemeClr val="accent1"/>
-            </a:fillRef>
-            <a:effectRef idx="0">
-              <a:schemeClr val="accent1"/>
-            </a:effectRef>
-            <a:fontRef idx="minor">
-              <a:schemeClr val="lt1"/>
-            </a:fontRef>
-          </p:style>
-          <p:txBody>
-            <a:bodyPr rtlCol="0" anchor="ctr"/>
-            <a:lstStyle/>
-            <a:p>
-              <a:pPr algn="ctr" eaLnBrk="1" fontAlgn="auto" hangingPunct="1">
-                <a:spcBef>
-                  <a:spcPts val="0"/>
-                </a:spcBef>
-                <a:spcAft>
-                  <a:spcPts val="0"/>
-                </a:spcAft>
-              </a:pPr>
-              <a:r>
-                <a:rPr lang="zh-CN" altLang="en-US" sz="3200" b="1" dirty="0">
-                  <a:solidFill>
-                    <a:schemeClr val="accent1"/>
-                  </a:solidFill>
-                  <a:latin typeface="微软雅黑" pitchFamily="34" charset="-122"/>
-                  <a:ea typeface="微软雅黑" pitchFamily="34" charset="-122"/>
-                </a:rPr>
-                <a:t>二</a:t>
-              </a:r>
-            </a:p>
-          </p:txBody>
-        </p:sp>
-        <p:sp>
-          <p:nvSpPr>
-            <p:cNvPr id="14" name="矩形 13"/>
-            <p:cNvSpPr/>
-            <p:nvPr/>
-          </p:nvSpPr>
-          <p:spPr>
-            <a:xfrm>
-              <a:off x="2776909" y="3574467"/>
-              <a:ext cx="5668242" cy="469124"/>
-            </a:xfrm>
-            <a:prstGeom prst="rect">
-              <a:avLst/>
-            </a:prstGeom>
-          </p:spPr>
-          <p:txBody>
-            <a:bodyPr wrap="square" anchor="ctr">
-              <a:spAutoFit/>
-            </a:bodyPr>
-            <a:lstStyle/>
-            <a:p>
-              <a:pPr algn="l" fontAlgn="auto">
-                <a:spcBef>
-                  <a:spcPts val="0"/>
-                </a:spcBef>
-                <a:spcAft>
-                  <a:spcPts val="0"/>
-                </a:spcAft>
-              </a:pPr>
-              <a:r>
-                <a:rPr lang="zh-CN" altLang="en-US" sz="3200" b="1" dirty="0">
-                  <a:solidFill>
-                    <a:schemeClr val="tx1">
-                      <a:lumMod val="85000"/>
-                    </a:schemeClr>
-                  </a:solidFill>
-                  <a:highlight>
-                    <a:srgbClr val="FFFFFF"/>
-                  </a:highlight>
-                  <a:latin typeface="Arial"/>
-                  <a:ea typeface="微软雅黑"/>
-                </a:rPr>
-                <a:t>待定</a:t>
-              </a:r>
-            </a:p>
-          </p:txBody>
-        </p:sp>
-      </p:grpSp>
-      <p:sp>
-        <p:nvSpPr>
-          <p:cNvPr id="19" name="TextBox 18"/>
           <p:cNvSpPr txBox="1"/>
           <p:nvPr/>
         </p:nvSpPr>
         <p:spPr>
           <a:xfrm>
-            <a:off x="7172373" y="260648"/>
-            <a:ext cx="1608134" cy="923330"/>
+            <a:off x="612896" y="1416021"/>
+            <a:ext cx="7918208" cy="4190250"/>
           </a:xfrm>
           <a:prstGeom prst="rect">
             <a:avLst/>
@@ -16043,357 +15749,216 @@
           <a:noFill/>
         </p:spPr>
         <p:txBody>
-          <a:bodyPr wrap="none" rtlCol="0">
+          <a:bodyPr wrap="square">
             <a:spAutoFit/>
           </a:bodyPr>
           <a:lstStyle/>
           <a:p>
-            <a:pPr algn="r" eaLnBrk="1" fontAlgn="auto" hangingPunct="1">
-              <a:spcBef>
-                <a:spcPts val="0"/>
-              </a:spcBef>
-              <a:spcAft>
-                <a:spcPts val="0"/>
-              </a:spcAft>
+            <a:pPr algn="just">
+              <a:lnSpc>
+                <a:spcPct val="150000"/>
+              </a:lnSpc>
             </a:pPr>
             <a:r>
-              <a:rPr lang="zh-CN" altLang="en-US" sz="5400" b="1" dirty="0">
+              <a:rPr lang="zh-CN" altLang="en-US" sz="3200" b="1" dirty="0">
                 <a:solidFill>
-                  <a:schemeClr val="accent1"/>
+                  <a:srgbClr val="0070C0"/>
                 </a:solidFill>
+                <a:highlight>
+                  <a:srgbClr val="FFFFFF"/>
+                </a:highlight>
                 <a:latin typeface="Arial"/>
                 <a:ea typeface="微软雅黑"/>
               </a:rPr>
-              <a:t>目录</a:t>
-            </a:r>
-            <a:endParaRPr lang="en-US" altLang="zh-CN" sz="5400" b="1" dirty="0">
+              <a:t>一、开源</a:t>
+            </a:r>
+            <a:r>
+              <a:rPr lang="en-US" altLang="zh-CN" sz="3200" b="1" dirty="0">
+                <a:solidFill>
+                  <a:srgbClr val="0070C0"/>
+                </a:solidFill>
+                <a:highlight>
+                  <a:srgbClr val="FFFFFF"/>
+                </a:highlight>
+                <a:latin typeface="Arial"/>
+                <a:ea typeface="微软雅黑"/>
+              </a:rPr>
+              <a:t>GIS</a:t>
+            </a:r>
+            <a:r>
+              <a:rPr lang="zh-CN" altLang="en-US" sz="3200" b="1" dirty="0">
+                <a:solidFill>
+                  <a:srgbClr val="0070C0"/>
+                </a:solidFill>
+                <a:highlight>
+                  <a:srgbClr val="FFFFFF"/>
+                </a:highlight>
+                <a:latin typeface="Arial"/>
+                <a:ea typeface="微软雅黑"/>
+              </a:rPr>
+              <a:t>软件与数据支持的</a:t>
+            </a:r>
+            <a:r>
+              <a:rPr lang="en-US" altLang="zh-CN" sz="3200" b="1" dirty="0">
+                <a:solidFill>
+                  <a:srgbClr val="0070C0"/>
+                </a:solidFill>
+                <a:highlight>
+                  <a:srgbClr val="FFFFFF"/>
+                </a:highlight>
+                <a:latin typeface="Arial"/>
+                <a:ea typeface="微软雅黑"/>
+              </a:rPr>
+              <a:t>xx</a:t>
+            </a:r>
+            <a:r>
+              <a:rPr lang="zh-CN" altLang="en-US" sz="3200" b="1" dirty="0">
+                <a:solidFill>
+                  <a:srgbClr val="0070C0"/>
+                </a:solidFill>
+                <a:highlight>
+                  <a:srgbClr val="FFFFFF"/>
+                </a:highlight>
+                <a:latin typeface="Arial"/>
+                <a:ea typeface="微软雅黑"/>
+              </a:rPr>
+              <a:t>湖泊历史变化分析</a:t>
+            </a:r>
+          </a:p>
+          <a:p>
+            <a:pPr algn="just">
+              <a:lnSpc>
+                <a:spcPct val="150000"/>
+              </a:lnSpc>
+            </a:pPr>
+            <a:r>
+              <a:rPr lang="zh-CN" altLang="en-US" sz="3200" b="1" dirty="0">
+                <a:solidFill>
+                  <a:srgbClr val="0070C0"/>
+                </a:solidFill>
+                <a:highlight>
+                  <a:srgbClr val="FFFFFF"/>
+                </a:highlight>
+                <a:latin typeface="Arial"/>
+                <a:ea typeface="微软雅黑"/>
+              </a:rPr>
+              <a:t>二、开源</a:t>
+            </a:r>
+            <a:r>
+              <a:rPr lang="en-US" altLang="zh-CN" sz="3200" b="1" dirty="0">
+                <a:solidFill>
+                  <a:srgbClr val="0070C0"/>
+                </a:solidFill>
+                <a:highlight>
+                  <a:srgbClr val="FFFFFF"/>
+                </a:highlight>
+                <a:latin typeface="Arial"/>
+                <a:ea typeface="微软雅黑"/>
+              </a:rPr>
+              <a:t>GIS</a:t>
+            </a:r>
+            <a:r>
+              <a:rPr lang="zh-CN" altLang="en-US" sz="3200" b="1" dirty="0">
+                <a:solidFill>
+                  <a:srgbClr val="0070C0"/>
+                </a:solidFill>
+                <a:highlight>
+                  <a:srgbClr val="FFFFFF"/>
+                </a:highlight>
+                <a:latin typeface="Arial"/>
+                <a:ea typeface="微软雅黑"/>
+              </a:rPr>
+              <a:t>软件与数据支持的</a:t>
+            </a:r>
+            <a:r>
+              <a:rPr lang="en-US" altLang="zh-CN" sz="3200" b="1" dirty="0">
+                <a:solidFill>
+                  <a:srgbClr val="0070C0"/>
+                </a:solidFill>
+                <a:highlight>
+                  <a:srgbClr val="FFFFFF"/>
+                </a:highlight>
+                <a:latin typeface="Arial"/>
+                <a:ea typeface="微软雅黑"/>
+              </a:rPr>
+              <a:t>xx</a:t>
+            </a:r>
+            <a:r>
+              <a:rPr lang="zh-CN" altLang="en-US" sz="3200" b="1" dirty="0">
+                <a:solidFill>
+                  <a:srgbClr val="0070C0"/>
+                </a:solidFill>
+                <a:highlight>
+                  <a:srgbClr val="FFFFFF"/>
+                </a:highlight>
+                <a:latin typeface="Arial"/>
+                <a:ea typeface="微软雅黑"/>
+              </a:rPr>
+              <a:t>区域在线</a:t>
+            </a:r>
+            <a:r>
+              <a:rPr lang="en-US" altLang="zh-CN" sz="3200" b="1" dirty="0">
+                <a:solidFill>
+                  <a:srgbClr val="0070C0"/>
+                </a:solidFill>
+                <a:highlight>
+                  <a:srgbClr val="FFFFFF"/>
+                </a:highlight>
+                <a:latin typeface="Arial"/>
+                <a:ea typeface="微软雅黑"/>
+              </a:rPr>
+              <a:t>xx</a:t>
+            </a:r>
+            <a:r>
+              <a:rPr lang="zh-CN" altLang="en-US" sz="3200" b="1" dirty="0">
+                <a:solidFill>
+                  <a:srgbClr val="0070C0"/>
+                </a:solidFill>
+                <a:highlight>
+                  <a:srgbClr val="FFFFFF"/>
+                </a:highlight>
+                <a:latin typeface="Arial"/>
+                <a:ea typeface="微软雅黑"/>
+              </a:rPr>
+              <a:t>专题地图开发</a:t>
+            </a:r>
+          </a:p>
+          <a:p>
+            <a:pPr algn="just">
+              <a:lnSpc>
+                <a:spcPct val="150000"/>
+              </a:lnSpc>
+            </a:pPr>
+            <a:r>
+              <a:rPr lang="zh-CN" altLang="en-US" sz="3200" b="1" dirty="0">
+                <a:solidFill>
+                  <a:srgbClr val="0070C0"/>
+                </a:solidFill>
+                <a:highlight>
+                  <a:srgbClr val="FFFFFF"/>
+                </a:highlight>
+                <a:latin typeface="Arial"/>
+                <a:ea typeface="微软雅黑"/>
+              </a:rPr>
+              <a:t>三、自选题目</a:t>
+            </a:r>
+            <a:endParaRPr lang="en-US" altLang="zh-CN" sz="3200" b="1" dirty="0">
               <a:solidFill>
-                <a:schemeClr val="accent1"/>
+                <a:srgbClr val="0070C0"/>
               </a:solidFill>
+              <a:highlight>
+                <a:srgbClr val="FFFFFF"/>
+              </a:highlight>
               <a:latin typeface="Arial"/>
               <a:ea typeface="微软雅黑"/>
             </a:endParaRPr>
           </a:p>
         </p:txBody>
       </p:sp>
-      <p:grpSp>
-        <p:nvGrpSpPr>
-          <p:cNvPr id="2" name="Group 1">
-            <a:extLst>
-              <a:ext uri="{FF2B5EF4-FFF2-40B4-BE49-F238E27FC236}">
-                <a16:creationId xmlns:a16="http://schemas.microsoft.com/office/drawing/2014/main" id="{AFCAA61D-767A-24EA-9072-7425684288BB}"/>
-              </a:ext>
-            </a:extLst>
-          </p:cNvPr>
-          <p:cNvGrpSpPr/>
-          <p:nvPr/>
-        </p:nvGrpSpPr>
-        <p:grpSpPr>
-          <a:xfrm>
-            <a:off x="2061405" y="2523755"/>
-            <a:ext cx="6845154" cy="1077218"/>
-            <a:chOff x="2121802" y="1989849"/>
-            <a:chExt cx="5374906" cy="803544"/>
-          </a:xfrm>
-        </p:grpSpPr>
-        <p:sp>
-          <p:nvSpPr>
-            <p:cNvPr id="4" name="椭圆 9">
-              <a:extLst>
-                <a:ext uri="{FF2B5EF4-FFF2-40B4-BE49-F238E27FC236}">
-                  <a16:creationId xmlns:a16="http://schemas.microsoft.com/office/drawing/2014/main" id="{E22E439B-4B3F-A527-61D0-3ED55D24E856}"/>
-                </a:ext>
-              </a:extLst>
-            </p:cNvPr>
-            <p:cNvSpPr/>
-            <p:nvPr/>
-          </p:nvSpPr>
-          <p:spPr>
-            <a:xfrm>
-              <a:off x="2121802" y="2115450"/>
-              <a:ext cx="576000" cy="576000"/>
-            </a:xfrm>
-            <a:prstGeom prst="ellipse">
-              <a:avLst/>
-            </a:prstGeom>
-            <a:solidFill>
-              <a:schemeClr val="tx1">
-                <a:lumMod val="95000"/>
-              </a:schemeClr>
-            </a:solidFill>
-            <a:ln w="19050">
-              <a:solidFill>
-                <a:schemeClr val="accent1"/>
-              </a:solidFill>
-            </a:ln>
-          </p:spPr>
-          <p:style>
-            <a:lnRef idx="2">
-              <a:schemeClr val="accent1">
-                <a:shade val="50000"/>
-              </a:schemeClr>
-            </a:lnRef>
-            <a:fillRef idx="1">
-              <a:schemeClr val="accent1"/>
-            </a:fillRef>
-            <a:effectRef idx="0">
-              <a:schemeClr val="accent1"/>
-            </a:effectRef>
-            <a:fontRef idx="minor">
-              <a:schemeClr val="lt1"/>
-            </a:fontRef>
-          </p:style>
-          <p:txBody>
-            <a:bodyPr rtlCol="0" anchor="ctr"/>
-            <a:lstStyle/>
-            <a:p>
-              <a:pPr algn="ctr" eaLnBrk="1" fontAlgn="auto" hangingPunct="1">
-                <a:spcBef>
-                  <a:spcPts val="0"/>
-                </a:spcBef>
-                <a:spcAft>
-                  <a:spcPts val="0"/>
-                </a:spcAft>
-              </a:pPr>
-              <a:r>
-                <a:rPr lang="zh-CN" altLang="en-US" sz="3200" b="1" dirty="0">
-                  <a:solidFill>
-                    <a:schemeClr val="accent1"/>
-                  </a:solidFill>
-                  <a:latin typeface="微软雅黑" pitchFamily="34" charset="-122"/>
-                  <a:ea typeface="微软雅黑" pitchFamily="34" charset="-122"/>
-                </a:rPr>
-                <a:t>一</a:t>
-              </a:r>
-            </a:p>
-          </p:txBody>
-        </p:sp>
-        <p:sp>
-          <p:nvSpPr>
-            <p:cNvPr id="5" name="矩形 11">
-              <a:extLst>
-                <a:ext uri="{FF2B5EF4-FFF2-40B4-BE49-F238E27FC236}">
-                  <a16:creationId xmlns:a16="http://schemas.microsoft.com/office/drawing/2014/main" id="{494DAA55-5621-28DB-D255-E0EBB6C6477B}"/>
-                </a:ext>
-              </a:extLst>
-            </p:cNvPr>
-            <p:cNvSpPr/>
-            <p:nvPr/>
-          </p:nvSpPr>
-          <p:spPr>
-            <a:xfrm>
-              <a:off x="2697802" y="1989849"/>
-              <a:ext cx="4798906" cy="803544"/>
-            </a:xfrm>
-            <a:prstGeom prst="rect">
-              <a:avLst/>
-            </a:prstGeom>
-          </p:spPr>
-          <p:txBody>
-            <a:bodyPr wrap="square" anchor="ctr">
-              <a:spAutoFit/>
-            </a:bodyPr>
-            <a:lstStyle/>
-            <a:p>
-              <a:pPr algn="l" eaLnBrk="1" fontAlgn="auto" hangingPunct="1">
-                <a:spcBef>
-                  <a:spcPts val="0"/>
-                </a:spcBef>
-                <a:spcAft>
-                  <a:spcPts val="0"/>
-                </a:spcAft>
-              </a:pPr>
-              <a:r>
-                <a:rPr lang="zh-CN" altLang="en-US" sz="3200" b="1" dirty="0">
-                  <a:solidFill>
-                    <a:schemeClr val="accent1"/>
-                  </a:solidFill>
-                  <a:highlight>
-                    <a:srgbClr val="FFFFFF"/>
-                  </a:highlight>
-                  <a:latin typeface="Arial"/>
-                  <a:ea typeface="微软雅黑"/>
-                </a:rPr>
-                <a:t>开源软件与数据支持的</a:t>
-              </a:r>
-              <a:r>
-                <a:rPr lang="en-US" altLang="zh-CN" sz="3200" b="1" dirty="0">
-                  <a:solidFill>
-                    <a:schemeClr val="accent1"/>
-                  </a:solidFill>
-                  <a:highlight>
-                    <a:srgbClr val="FFFFFF"/>
-                  </a:highlight>
-                  <a:latin typeface="Arial"/>
-                  <a:ea typeface="微软雅黑"/>
-                </a:rPr>
-                <a:t>xx</a:t>
-              </a:r>
-              <a:r>
-                <a:rPr lang="zh-CN" altLang="en-US" sz="3200" b="1" dirty="0">
-                  <a:solidFill>
-                    <a:schemeClr val="accent1"/>
-                  </a:solidFill>
-                  <a:highlight>
-                    <a:srgbClr val="FFFFFF"/>
-                  </a:highlight>
-                  <a:latin typeface="Arial"/>
-                  <a:ea typeface="微软雅黑"/>
-                </a:rPr>
-                <a:t>湖泊历史变化分析</a:t>
-              </a:r>
-            </a:p>
-          </p:txBody>
-        </p:sp>
-      </p:grpSp>
-      <p:grpSp>
-        <p:nvGrpSpPr>
-          <p:cNvPr id="7" name="Group 6">
-            <a:extLst>
-              <a:ext uri="{FF2B5EF4-FFF2-40B4-BE49-F238E27FC236}">
-                <a16:creationId xmlns:a16="http://schemas.microsoft.com/office/drawing/2014/main" id="{73354DCB-F78A-C1B3-30A2-F6205882DE8F}"/>
-              </a:ext>
-            </a:extLst>
-          </p:cNvPr>
-          <p:cNvGrpSpPr/>
-          <p:nvPr/>
-        </p:nvGrpSpPr>
-        <p:grpSpPr>
-          <a:xfrm>
-            <a:off x="2061405" y="5078159"/>
-            <a:ext cx="6845154" cy="717998"/>
-            <a:chOff x="2121801" y="3511390"/>
-            <a:chExt cx="6113126" cy="576000"/>
-          </a:xfrm>
-        </p:grpSpPr>
-        <p:sp>
-          <p:nvSpPr>
-            <p:cNvPr id="8" name="椭圆 12">
-              <a:extLst>
-                <a:ext uri="{FF2B5EF4-FFF2-40B4-BE49-F238E27FC236}">
-                  <a16:creationId xmlns:a16="http://schemas.microsoft.com/office/drawing/2014/main" id="{1516F186-2C00-B7C4-59D3-8385C3D292B9}"/>
-                </a:ext>
-              </a:extLst>
-            </p:cNvPr>
-            <p:cNvSpPr/>
-            <p:nvPr/>
-          </p:nvSpPr>
-          <p:spPr>
-            <a:xfrm>
-              <a:off x="2121801" y="3511390"/>
-              <a:ext cx="655111" cy="576000"/>
-            </a:xfrm>
-            <a:prstGeom prst="ellipse">
-              <a:avLst/>
-            </a:prstGeom>
-            <a:solidFill>
-              <a:schemeClr val="tx1">
-                <a:lumMod val="95000"/>
-              </a:schemeClr>
-            </a:solidFill>
-            <a:ln w="19050">
-              <a:solidFill>
-                <a:schemeClr val="accent1"/>
-              </a:solidFill>
-            </a:ln>
-          </p:spPr>
-          <p:style>
-            <a:lnRef idx="2">
-              <a:schemeClr val="accent1">
-                <a:shade val="50000"/>
-              </a:schemeClr>
-            </a:lnRef>
-            <a:fillRef idx="1">
-              <a:schemeClr val="accent1"/>
-            </a:fillRef>
-            <a:effectRef idx="0">
-              <a:schemeClr val="accent1"/>
-            </a:effectRef>
-            <a:fontRef idx="minor">
-              <a:schemeClr val="lt1"/>
-            </a:fontRef>
-          </p:style>
-          <p:txBody>
-            <a:bodyPr rtlCol="0" anchor="ctr"/>
-            <a:lstStyle/>
-            <a:p>
-              <a:pPr algn="ctr" eaLnBrk="1" fontAlgn="auto" hangingPunct="1">
-                <a:spcBef>
-                  <a:spcPts val="0"/>
-                </a:spcBef>
-                <a:spcAft>
-                  <a:spcPts val="0"/>
-                </a:spcAft>
-              </a:pPr>
-              <a:r>
-                <a:rPr lang="zh-CN" altLang="en-US" sz="3200" b="1" dirty="0">
-                  <a:solidFill>
-                    <a:schemeClr val="accent1"/>
-                  </a:solidFill>
-                  <a:latin typeface="微软雅黑" pitchFamily="34" charset="-122"/>
-                  <a:ea typeface="微软雅黑" pitchFamily="34" charset="-122"/>
-                </a:rPr>
-                <a:t>三</a:t>
-              </a:r>
-            </a:p>
-          </p:txBody>
-        </p:sp>
-        <p:sp>
-          <p:nvSpPr>
-            <p:cNvPr id="9" name="矩形 13">
-              <a:extLst>
-                <a:ext uri="{FF2B5EF4-FFF2-40B4-BE49-F238E27FC236}">
-                  <a16:creationId xmlns:a16="http://schemas.microsoft.com/office/drawing/2014/main" id="{73E2A01B-D1C8-1E91-3B2F-DE6591ADC93C}"/>
-                </a:ext>
-              </a:extLst>
-            </p:cNvPr>
-            <p:cNvSpPr/>
-            <p:nvPr/>
-          </p:nvSpPr>
-          <p:spPr>
-            <a:xfrm>
-              <a:off x="2776910" y="3574467"/>
-              <a:ext cx="5458017" cy="469124"/>
-            </a:xfrm>
-            <a:prstGeom prst="rect">
-              <a:avLst/>
-            </a:prstGeom>
-          </p:spPr>
-          <p:txBody>
-            <a:bodyPr wrap="square" anchor="ctr">
-              <a:spAutoFit/>
-            </a:bodyPr>
-            <a:lstStyle/>
-            <a:p>
-              <a:pPr algn="l" fontAlgn="auto">
-                <a:spcBef>
-                  <a:spcPts val="0"/>
-                </a:spcBef>
-                <a:spcAft>
-                  <a:spcPts val="0"/>
-                </a:spcAft>
-              </a:pPr>
-              <a:r>
-                <a:rPr lang="zh-CN" altLang="en-US" sz="3200" b="1" dirty="0">
-                  <a:solidFill>
-                    <a:schemeClr val="accent1"/>
-                  </a:solidFill>
-                  <a:highlight>
-                    <a:srgbClr val="FFFFFF"/>
-                  </a:highlight>
-                  <a:latin typeface="Arial"/>
-                  <a:ea typeface="微软雅黑"/>
-                </a:rPr>
-                <a:t>自选题目</a:t>
-              </a:r>
-            </a:p>
-          </p:txBody>
-        </p:sp>
-      </p:grpSp>
     </p:spTree>
     <p:extLst>
       <p:ext uri="{BB962C8B-B14F-4D97-AF65-F5344CB8AC3E}">
-        <p14:creationId xmlns:p14="http://schemas.microsoft.com/office/powerpoint/2010/main" val="1576120367"/>
+        <p14:creationId xmlns:p14="http://schemas.microsoft.com/office/powerpoint/2010/main" val="3929622803"/>
       </p:ext>
     </p:extLst>
   </p:cSld>
@@ -16455,7 +16020,7 @@
               <a:rPr lang="zh-CN" altLang="en-US" sz="3200" dirty="0">
                 <a:latin typeface="+mn-ea"/>
               </a:rPr>
-              <a:t>开发实践要求</a:t>
+              <a:t>实践项目要求</a:t>
             </a:r>
             <a:endParaRPr lang="zh-CN" altLang="en-US" sz="3200" dirty="0"/>
           </a:p>
@@ -16475,8 +16040,8 @@
         </p:nvSpPr>
         <p:spPr>
           <a:xfrm>
-            <a:off x="493326" y="1081169"/>
-            <a:ext cx="8378083" cy="4782207"/>
+            <a:off x="382958" y="950212"/>
+            <a:ext cx="8378083" cy="5757795"/>
           </a:xfrm>
           <a:prstGeom prst="rect">
             <a:avLst/>
@@ -16495,7 +16060,31 @@
               </a:lnSpc>
             </a:pPr>
             <a:r>
-              <a:rPr lang="en-US" altLang="zh-CN" dirty="0">
+              <a:rPr lang="zh-CN" altLang="en-US" sz="3200" b="1" dirty="0">
+                <a:solidFill>
+                  <a:srgbClr val="333333"/>
+                </a:solidFill>
+                <a:latin typeface="+mn-ea"/>
+                <a:ea typeface="+mn-ea"/>
+              </a:rPr>
+              <a:t>提交成果要求：</a:t>
+            </a:r>
+            <a:endParaRPr lang="en-US" altLang="zh-CN" sz="3200" b="1" dirty="0">
+              <a:solidFill>
+                <a:srgbClr val="333333"/>
+              </a:solidFill>
+              <a:latin typeface="+mn-ea"/>
+              <a:ea typeface="+mn-ea"/>
+            </a:endParaRPr>
+          </a:p>
+          <a:p>
+            <a:pPr algn="just">
+              <a:lnSpc>
+                <a:spcPct val="200000"/>
+              </a:lnSpc>
+            </a:pPr>
+            <a:r>
+              <a:rPr lang="en-US" altLang="zh-CN" sz="2600" u="sng" dirty="0">
                 <a:solidFill>
                   <a:srgbClr val="333333"/>
                 </a:solidFill>
@@ -16505,46 +16094,46 @@
               <a:t>1. </a:t>
             </a:r>
             <a:r>
-              <a:rPr lang="zh-CN" altLang="en-US" dirty="0">
+              <a:rPr lang="zh-CN" altLang="en-US" sz="2600" u="sng" dirty="0">
                 <a:solidFill>
                   <a:srgbClr val="333333"/>
                 </a:solidFill>
                 <a:latin typeface="+mn-ea"/>
                 <a:ea typeface="+mn-ea"/>
               </a:rPr>
-              <a:t>以小组为单位完成，推荐使用</a:t>
-            </a:r>
-            <a:r>
-              <a:rPr lang="en-US" altLang="zh-CN" dirty="0">
+              <a:t>技术（源代码</a:t>
+            </a:r>
+            <a:r>
+              <a:rPr lang="en-US" altLang="zh-CN" sz="2600" u="sng" dirty="0">
                 <a:solidFill>
                   <a:srgbClr val="333333"/>
                 </a:solidFill>
                 <a:latin typeface="+mn-ea"/>
                 <a:ea typeface="+mn-ea"/>
               </a:rPr>
-              <a:t>git/</a:t>
-            </a:r>
-            <a:r>
-              <a:rPr lang="en-US" altLang="zh-CN" dirty="0" err="1">
+              <a:t>/</a:t>
+            </a:r>
+            <a:r>
+              <a:rPr lang="zh-CN" altLang="en-US" sz="2600" u="sng" dirty="0">
                 <a:solidFill>
                   <a:srgbClr val="333333"/>
                 </a:solidFill>
                 <a:latin typeface="+mn-ea"/>
                 <a:ea typeface="+mn-ea"/>
               </a:rPr>
-              <a:t>github</a:t>
-            </a:r>
-            <a:r>
-              <a:rPr lang="zh-CN" altLang="en-US" dirty="0">
+              <a:t>软件操作）说明文档</a:t>
+            </a:r>
+            <a:r>
+              <a:rPr lang="zh-CN" altLang="en-US" sz="2600" dirty="0">
                 <a:solidFill>
                   <a:srgbClr val="333333"/>
                 </a:solidFill>
                 <a:latin typeface="+mn-ea"/>
                 <a:ea typeface="+mn-ea"/>
               </a:rPr>
-              <a:t>工具协同完成。</a:t>
-            </a:r>
-            <a:endParaRPr lang="en-US" altLang="zh-CN" dirty="0">
+              <a:t>。包含具体由哪位成员完成信息。</a:t>
+            </a:r>
+            <a:endParaRPr lang="en-US" altLang="zh-CN" sz="2600" dirty="0">
               <a:solidFill>
                 <a:srgbClr val="333333"/>
               </a:solidFill>
@@ -16559,7 +16148,7 @@
               </a:lnSpc>
             </a:pPr>
             <a:r>
-              <a:rPr lang="en-US" altLang="zh-CN" dirty="0">
+              <a:rPr lang="en-US" altLang="zh-CN" sz="2600" u="sng" dirty="0">
                 <a:solidFill>
                   <a:srgbClr val="333333"/>
                 </a:solidFill>
@@ -16569,107 +16158,17 @@
               <a:t>2. </a:t>
             </a:r>
             <a:r>
-              <a:rPr lang="zh-CN" altLang="en-US" dirty="0">
+              <a:rPr lang="zh-CN" altLang="en-US" sz="2600" u="sng" dirty="0">
                 <a:solidFill>
                   <a:srgbClr val="333333"/>
                 </a:solidFill>
                 <a:latin typeface="+mn-ea"/>
                 <a:ea typeface="+mn-ea"/>
               </a:rPr>
-              <a:t>需提交</a:t>
-            </a:r>
-            <a:r>
-              <a:rPr lang="zh-CN" altLang="en-US" u="sng" dirty="0">
-                <a:solidFill>
-                  <a:srgbClr val="333333"/>
-                </a:solidFill>
-                <a:latin typeface="+mn-ea"/>
-                <a:ea typeface="+mn-ea"/>
-              </a:rPr>
-              <a:t>开发实践课程报告（</a:t>
-            </a:r>
-            <a:r>
-              <a:rPr lang="en-US" altLang="zh-CN" u="sng" dirty="0">
-                <a:solidFill>
-                  <a:srgbClr val="333333"/>
-                </a:solidFill>
-                <a:latin typeface="+mn-ea"/>
-                <a:ea typeface="+mn-ea"/>
-              </a:rPr>
-              <a:t>markdown</a:t>
-            </a:r>
-            <a:r>
-              <a:rPr lang="zh-CN" altLang="en-US" u="sng" dirty="0">
-                <a:solidFill>
-                  <a:srgbClr val="333333"/>
-                </a:solidFill>
-                <a:latin typeface="+mn-ea"/>
-                <a:ea typeface="+mn-ea"/>
-              </a:rPr>
-              <a:t>格式）</a:t>
-            </a:r>
-            <a:r>
-              <a:rPr lang="zh-CN" altLang="en-US" dirty="0">
-                <a:solidFill>
-                  <a:srgbClr val="333333"/>
-                </a:solidFill>
-                <a:latin typeface="+mn-ea"/>
-                <a:ea typeface="+mn-ea"/>
-              </a:rPr>
-              <a:t>，课程报告包括两部分</a:t>
-            </a:r>
-            <a:r>
-              <a:rPr lang="en-US" altLang="zh-CN" dirty="0">
-                <a:solidFill>
-                  <a:srgbClr val="333333"/>
-                </a:solidFill>
-                <a:latin typeface="+mn-ea"/>
-                <a:ea typeface="+mn-ea"/>
-              </a:rPr>
-              <a:t>1</a:t>
-            </a:r>
-            <a:r>
-              <a:rPr lang="zh-CN" altLang="en-US" dirty="0">
-                <a:solidFill>
-                  <a:srgbClr val="333333"/>
-                </a:solidFill>
-                <a:latin typeface="+mn-ea"/>
-                <a:ea typeface="+mn-ea"/>
-              </a:rPr>
-              <a:t>）简要介绍实验数据、步骤、结果、以及相关结论。</a:t>
-            </a:r>
-            <a:r>
-              <a:rPr lang="en-US" altLang="zh-CN" dirty="0">
-                <a:solidFill>
-                  <a:srgbClr val="333333"/>
-                </a:solidFill>
-                <a:latin typeface="+mn-ea"/>
-                <a:ea typeface="+mn-ea"/>
-              </a:rPr>
-              <a:t>2</a:t>
-            </a:r>
-            <a:r>
-              <a:rPr lang="zh-CN" altLang="en-US" dirty="0">
-                <a:solidFill>
-                  <a:srgbClr val="333333"/>
-                </a:solidFill>
-                <a:latin typeface="+mn-ea"/>
-                <a:ea typeface="+mn-ea"/>
-              </a:rPr>
-              <a:t>）实验细节包括软件操作流程及源代码。</a:t>
-            </a:r>
-            <a:r>
-              <a:rPr lang="zh-CN" altLang="en-US" u="sng" dirty="0">
-                <a:solidFill>
-                  <a:srgbClr val="333333"/>
-                </a:solidFill>
-                <a:latin typeface="+mn-ea"/>
-                <a:ea typeface="+mn-ea"/>
-              </a:rPr>
-              <a:t>实验细节部分应标注具体由哪位小组成员完成</a:t>
-            </a:r>
-            <a:r>
-              <a:rPr lang="zh-CN" altLang="en-US" dirty="0">
+              <a:t>论文形式实验报告</a:t>
+            </a:r>
+            <a:r>
+              <a:rPr lang="zh-CN" altLang="en-US" sz="2600" dirty="0">
                 <a:solidFill>
                   <a:srgbClr val="333333"/>
                 </a:solidFill>
@@ -16678,7 +16177,7 @@
               </a:rPr>
               <a:t>。</a:t>
             </a:r>
-            <a:endParaRPr lang="en-US" altLang="zh-CN" dirty="0">
+            <a:endParaRPr lang="en-US" altLang="zh-CN" sz="2600" dirty="0">
               <a:solidFill>
                 <a:srgbClr val="333333"/>
               </a:solidFill>
@@ -16693,7 +16192,7 @@
               </a:lnSpc>
             </a:pPr>
             <a:r>
-              <a:rPr lang="en-US" altLang="zh-CN" dirty="0">
+              <a:rPr lang="en-US" altLang="zh-CN" sz="2600" u="sng" dirty="0">
                 <a:solidFill>
                   <a:srgbClr val="333333"/>
                 </a:solidFill>
@@ -16703,17 +16202,17 @@
               <a:t>3. </a:t>
             </a:r>
             <a:r>
-              <a:rPr lang="zh-CN" altLang="en-US" dirty="0">
+              <a:rPr lang="zh-CN" altLang="en-US" sz="2600" u="sng" dirty="0">
                 <a:solidFill>
                   <a:srgbClr val="333333"/>
                 </a:solidFill>
                 <a:latin typeface="+mn-ea"/>
                 <a:ea typeface="+mn-ea"/>
               </a:rPr>
-              <a:t>小组对开发实践进行</a:t>
-            </a:r>
-            <a:r>
-              <a:rPr lang="en-US" altLang="zh-CN" u="sng" dirty="0">
+              <a:t>成果</a:t>
+            </a:r>
+            <a:r>
+              <a:rPr lang="en-US" altLang="zh-CN" sz="2600" u="sng" dirty="0">
                 <a:solidFill>
                   <a:srgbClr val="333333"/>
                 </a:solidFill>
@@ -16723,26 +16222,26 @@
               <a:t>ppt</a:t>
             </a:r>
             <a:r>
-              <a:rPr lang="zh-CN" altLang="en-US" u="sng" dirty="0">
+              <a:rPr lang="zh-CN" altLang="en-US" sz="2600" u="sng" dirty="0">
                 <a:solidFill>
                   <a:srgbClr val="333333"/>
                 </a:solidFill>
                 <a:latin typeface="+mn-ea"/>
                 <a:ea typeface="+mn-ea"/>
               </a:rPr>
-              <a:t>总结汇报</a:t>
-            </a:r>
-            <a:r>
-              <a:rPr lang="zh-CN" altLang="en-US" dirty="0">
+              <a:t>汇报</a:t>
+            </a:r>
+            <a:r>
+              <a:rPr lang="zh-CN" altLang="en-US" sz="2600" dirty="0">
                 <a:solidFill>
                   <a:srgbClr val="333333"/>
                 </a:solidFill>
                 <a:latin typeface="+mn-ea"/>
                 <a:ea typeface="+mn-ea"/>
               </a:rPr>
-              <a:t>。</a:t>
-            </a:r>
-            <a:endParaRPr lang="en-US" altLang="zh-CN" dirty="0">
+              <a:t>（最后两次课）。</a:t>
+            </a:r>
+            <a:endParaRPr lang="en-US" altLang="zh-CN" sz="2600" dirty="0">
               <a:solidFill>
                 <a:srgbClr val="333333"/>
               </a:solidFill>
@@ -16750,12 +16249,26 @@
               <a:ea typeface="+mn-ea"/>
             </a:endParaRPr>
           </a:p>
+          <a:p>
+            <a:pPr algn="just">
+              <a:lnSpc>
+                <a:spcPct val="200000"/>
+              </a:lnSpc>
+            </a:pPr>
+            <a:endParaRPr lang="en-US" altLang="zh-CN" sz="2600" dirty="0">
+              <a:solidFill>
+                <a:srgbClr val="333333"/>
+              </a:solidFill>
+              <a:latin typeface="+mn-ea"/>
+              <a:ea typeface="+mn-ea"/>
+            </a:endParaRPr>
+          </a:p>
         </p:txBody>
       </p:sp>
     </p:spTree>
     <p:extLst>
       <p:ext uri="{BB962C8B-B14F-4D97-AF65-F5344CB8AC3E}">
-        <p14:creationId xmlns:p14="http://schemas.microsoft.com/office/powerpoint/2010/main" val="3929622803"/>
+        <p14:creationId xmlns:p14="http://schemas.microsoft.com/office/powerpoint/2010/main" val="84020069"/>
       </p:ext>
     </p:extLst>
   </p:cSld>
@@ -16787,61 +16300,22 @@
       </p:grpSpPr>
       <p:sp>
         <p:nvSpPr>
-          <p:cNvPr id="3" name="矩形 2"/>
-          <p:cNvSpPr/>
-          <p:nvPr/>
+          <p:cNvPr id="3" name="标题 2"/>
+          <p:cNvSpPr>
+            <a:spLocks noGrp="1"/>
+          </p:cNvSpPr>
+          <p:nvPr>
+            <p:ph type="title"/>
+          </p:nvPr>
         </p:nvSpPr>
         <p:spPr>
           <a:xfrm>
-            <a:off x="16933" y="3471863"/>
-            <a:ext cx="9144000" cy="1543050"/>
+            <a:off x="0" y="8526"/>
+            <a:ext cx="9013371" cy="792162"/>
           </a:xfrm>
-          <a:prstGeom prst="rect">
-            <a:avLst/>
-          </a:prstGeom>
-          <a:solidFill>
-            <a:schemeClr val="accent1"/>
-          </a:solidFill>
-          <a:ln>
-            <a:noFill/>
-          </a:ln>
         </p:spPr>
         <p:txBody>
-          <a:bodyPr wrap="square" lIns="0" rtlCol="0" anchor="ctr">
-            <a:noAutofit/>
-          </a:bodyPr>
-          <a:lstStyle/>
-          <a:p>
-            <a:pPr algn="l"/>
-            <a:endParaRPr lang="zh-CN" altLang="en-US" b="1">
-              <a:solidFill>
-                <a:srgbClr val="FF0000"/>
-              </a:solidFill>
-              <a:latin typeface="微软雅黑" pitchFamily="34" charset="-122"/>
-              <a:ea typeface="微软雅黑" pitchFamily="34" charset="-122"/>
-            </a:endParaRPr>
-          </a:p>
-        </p:txBody>
-      </p:sp>
-      <p:sp>
-        <p:nvSpPr>
-          <p:cNvPr id="7" name="矩形 6"/>
-          <p:cNvSpPr/>
-          <p:nvPr/>
-        </p:nvSpPr>
-        <p:spPr>
-          <a:xfrm>
-            <a:off x="41976" y="3662832"/>
-            <a:ext cx="9118957" cy="1200329"/>
-          </a:xfrm>
-          <a:prstGeom prst="rect">
-            <a:avLst/>
-          </a:prstGeom>
-        </p:spPr>
-        <p:txBody>
-          <a:bodyPr wrap="square">
-            <a:spAutoFit/>
-          </a:bodyPr>
+          <a:bodyPr/>
           <a:lstStyle/>
           <a:p>
             <a:pPr algn="l" fontAlgn="auto">
@@ -16853,91 +16327,129 @@
               </a:spcAft>
             </a:pPr>
             <a:r>
-              <a:rPr lang="zh-CN" altLang="en-US" sz="3600" b="1" dirty="0">
-                <a:latin typeface="微软雅黑" pitchFamily="34" charset="-122"/>
-                <a:ea typeface="微软雅黑" pitchFamily="34" charset="-122"/>
+              <a:rPr lang="zh-CN" altLang="en-US" sz="3200" dirty="0">
+                <a:latin typeface="+mn-ea"/>
               </a:rPr>
-              <a:t>一、开源软件与数据支持的</a:t>
-            </a:r>
-            <a:r>
-              <a:rPr lang="en-US" altLang="zh-CN" sz="3600" b="1" dirty="0">
-                <a:latin typeface="微软雅黑" pitchFamily="34" charset="-122"/>
-                <a:ea typeface="微软雅黑" pitchFamily="34" charset="-122"/>
-              </a:rPr>
-              <a:t>xx</a:t>
-            </a:r>
-            <a:r>
-              <a:rPr lang="zh-CN" altLang="en-US" sz="3600" b="1" dirty="0">
-                <a:latin typeface="微软雅黑" pitchFamily="34" charset="-122"/>
-                <a:ea typeface="微软雅黑" pitchFamily="34" charset="-122"/>
-              </a:rPr>
-              <a:t>湖泊历史变化    </a:t>
-            </a:r>
-            <a:endParaRPr lang="en-US" altLang="zh-CN" sz="3600" b="1" dirty="0">
-              <a:latin typeface="微软雅黑" pitchFamily="34" charset="-122"/>
-              <a:ea typeface="微软雅黑" pitchFamily="34" charset="-122"/>
-            </a:endParaRPr>
-          </a:p>
-          <a:p>
-            <a:pPr algn="l" fontAlgn="auto">
-              <a:spcBef>
-                <a:spcPts val="0"/>
-              </a:spcBef>
-              <a:spcAft>
-                <a:spcPts val="0"/>
-              </a:spcAft>
-            </a:pPr>
-            <a:r>
-              <a:rPr lang="en-US" altLang="zh-CN" sz="3600" b="1" dirty="0">
-                <a:latin typeface="微软雅黑" pitchFamily="34" charset="-122"/>
-                <a:ea typeface="微软雅黑" pitchFamily="34" charset="-122"/>
-              </a:rPr>
-              <a:t>       </a:t>
-            </a:r>
-            <a:r>
-              <a:rPr lang="zh-CN" altLang="en-US" sz="3600" b="1" dirty="0">
-                <a:latin typeface="微软雅黑" pitchFamily="34" charset="-122"/>
-                <a:ea typeface="微软雅黑" pitchFamily="34" charset="-122"/>
-              </a:rPr>
-              <a:t>分析</a:t>
-            </a:r>
+              <a:t>实践项目要求</a:t>
+            </a:r>
+            <a:endParaRPr lang="zh-CN" altLang="en-US" sz="3200" dirty="0"/>
           </a:p>
         </p:txBody>
       </p:sp>
       <p:sp>
         <p:nvSpPr>
-          <p:cNvPr id="8" name="矩形 7"/>
-          <p:cNvSpPr/>
+          <p:cNvPr id="10" name="TextBox 9">
+            <a:extLst>
+              <a:ext uri="{FF2B5EF4-FFF2-40B4-BE49-F238E27FC236}">
+                <a16:creationId xmlns:a16="http://schemas.microsoft.com/office/drawing/2014/main" id="{2662A235-2CC3-749B-1A7D-D9E01F241A84}"/>
+              </a:ext>
+            </a:extLst>
+          </p:cNvPr>
+          <p:cNvSpPr txBox="1"/>
           <p:nvPr/>
         </p:nvSpPr>
         <p:spPr>
           <a:xfrm>
-            <a:off x="0" y="5014912"/>
-            <a:ext cx="9144000" cy="72000"/>
+            <a:off x="382958" y="950212"/>
+            <a:ext cx="8378083" cy="3957302"/>
           </a:xfrm>
           <a:prstGeom prst="rect">
             <a:avLst/>
           </a:prstGeom>
-          <a:solidFill>
-            <a:schemeClr val="tx1">
-              <a:lumMod val="75000"/>
-            </a:schemeClr>
-          </a:solidFill>
-          <a:effectLst/>
+          <a:noFill/>
         </p:spPr>
         <p:txBody>
-          <a:bodyPr wrap="square" lIns="0" rtlCol="0" anchor="ctr">
-            <a:noAutofit/>
+          <a:bodyPr wrap="square">
+            <a:spAutoFit/>
           </a:bodyPr>
           <a:lstStyle/>
           <a:p>
-            <a:pPr algn="l"/>
-            <a:endParaRPr lang="zh-CN" altLang="en-US" b="1">
+            <a:pPr algn="just">
+              <a:lnSpc>
+                <a:spcPct val="200000"/>
+              </a:lnSpc>
+            </a:pPr>
+            <a:r>
+              <a:rPr lang="zh-CN" altLang="en-US" sz="3200" b="1" dirty="0">
+                <a:solidFill>
+                  <a:srgbClr val="333333"/>
+                </a:solidFill>
+                <a:latin typeface="+mn-ea"/>
+                <a:ea typeface="+mn-ea"/>
+              </a:rPr>
+              <a:t>实践项目内容要求：</a:t>
+            </a:r>
+            <a:endParaRPr lang="en-US" altLang="zh-CN" sz="3200" b="1" dirty="0">
               <a:solidFill>
-                <a:srgbClr val="FF0000"/>
+                <a:srgbClr val="333333"/>
               </a:solidFill>
-              <a:latin typeface="微软雅黑" pitchFamily="34" charset="-122"/>
-              <a:ea typeface="微软雅黑" pitchFamily="34" charset="-122"/>
+              <a:latin typeface="+mn-ea"/>
+              <a:ea typeface="+mn-ea"/>
+            </a:endParaRPr>
+          </a:p>
+          <a:p>
+            <a:pPr marL="514350" indent="-514350" algn="just">
+              <a:lnSpc>
+                <a:spcPct val="200000"/>
+              </a:lnSpc>
+              <a:buAutoNum type="arabicPeriod"/>
+            </a:pPr>
+            <a:r>
+              <a:rPr lang="zh-CN" altLang="en-US" sz="2600" dirty="0">
+                <a:solidFill>
+                  <a:srgbClr val="333333"/>
+                </a:solidFill>
+                <a:latin typeface="+mn-ea"/>
+                <a:ea typeface="+mn-ea"/>
+              </a:rPr>
+              <a:t>涉及数据及软件需为开源数据及软件。</a:t>
+            </a:r>
+            <a:endParaRPr lang="en-US" altLang="zh-CN" sz="2600" dirty="0">
+              <a:solidFill>
+                <a:srgbClr val="333333"/>
+              </a:solidFill>
+              <a:latin typeface="+mn-ea"/>
+              <a:ea typeface="+mn-ea"/>
+            </a:endParaRPr>
+          </a:p>
+          <a:p>
+            <a:pPr marL="514350" indent="-514350" algn="just">
+              <a:lnSpc>
+                <a:spcPct val="200000"/>
+              </a:lnSpc>
+              <a:buAutoNum type="arabicPeriod"/>
+            </a:pPr>
+            <a:r>
+              <a:rPr lang="zh-CN" altLang="en-US" sz="2600" dirty="0">
+                <a:solidFill>
+                  <a:srgbClr val="333333"/>
+                </a:solidFill>
+                <a:latin typeface="+mn-ea"/>
+                <a:ea typeface="+mn-ea"/>
+              </a:rPr>
+              <a:t>数据涉及矢量数据及遥感栅格数据。</a:t>
+            </a:r>
+            <a:endParaRPr lang="en-US" altLang="zh-CN" sz="2600" dirty="0">
+              <a:solidFill>
+                <a:srgbClr val="333333"/>
+              </a:solidFill>
+              <a:latin typeface="+mn-ea"/>
+              <a:ea typeface="+mn-ea"/>
+            </a:endParaRPr>
+          </a:p>
+          <a:p>
+            <a:pPr marL="514350" indent="-514350" algn="just">
+              <a:lnSpc>
+                <a:spcPct val="200000"/>
+              </a:lnSpc>
+              <a:buAutoNum type="arabicPeriod"/>
+            </a:pPr>
+            <a:endParaRPr lang="en-US" altLang="zh-CN" sz="2600" dirty="0">
+              <a:solidFill>
+                <a:srgbClr val="333333"/>
+              </a:solidFill>
+              <a:latin typeface="+mn-ea"/>
+              <a:ea typeface="+mn-ea"/>
             </a:endParaRPr>
           </a:p>
         </p:txBody>
@@ -16945,7 +16457,7 @@
     </p:spTree>
     <p:extLst>
       <p:ext uri="{BB962C8B-B14F-4D97-AF65-F5344CB8AC3E}">
-        <p14:creationId xmlns:p14="http://schemas.microsoft.com/office/powerpoint/2010/main" val="2415901206"/>
+        <p14:creationId xmlns:p14="http://schemas.microsoft.com/office/powerpoint/2010/main" val="424262264"/>
       </p:ext>
     </p:extLst>
   </p:cSld>
@@ -17007,83 +16519,9 @@
               <a:rPr lang="zh-CN" altLang="en-US" sz="3200" dirty="0">
                 <a:latin typeface="+mn-ea"/>
               </a:rPr>
-              <a:t>一、</a:t>
-            </a:r>
-            <a:r>
-              <a:rPr lang="zh-CN" altLang="en-US" sz="3200" b="1" dirty="0">
-                <a:latin typeface="微软雅黑" pitchFamily="34" charset="-122"/>
-                <a:ea typeface="微软雅黑" pitchFamily="34" charset="-122"/>
-              </a:rPr>
-              <a:t>开源软件与数据支持的</a:t>
-            </a:r>
-            <a:r>
-              <a:rPr lang="en-US" altLang="zh-CN" sz="3200" b="1" dirty="0">
-                <a:latin typeface="微软雅黑" pitchFamily="34" charset="-122"/>
-                <a:ea typeface="微软雅黑" pitchFamily="34" charset="-122"/>
-              </a:rPr>
-              <a:t>xx</a:t>
-            </a:r>
-            <a:r>
-              <a:rPr lang="zh-CN" altLang="en-US" sz="3200" b="1" dirty="0">
-                <a:latin typeface="微软雅黑" pitchFamily="34" charset="-122"/>
-                <a:ea typeface="微软雅黑" pitchFamily="34" charset="-122"/>
-              </a:rPr>
-              <a:t>湖泊历史变化分析</a:t>
+              <a:t>实践项目要求</a:t>
             </a:r>
             <a:endParaRPr lang="zh-CN" altLang="en-US" sz="3200" dirty="0"/>
-          </a:p>
-        </p:txBody>
-      </p:sp>
-      <p:sp>
-        <p:nvSpPr>
-          <p:cNvPr id="2" name="TextBox 1">
-            <a:extLst>
-              <a:ext uri="{FF2B5EF4-FFF2-40B4-BE49-F238E27FC236}">
-                <a16:creationId xmlns:a16="http://schemas.microsoft.com/office/drawing/2014/main" id="{631AADB6-C88A-D817-4683-FC087E4E240F}"/>
-              </a:ext>
-            </a:extLst>
-          </p:cNvPr>
-          <p:cNvSpPr txBox="1"/>
-          <p:nvPr/>
-        </p:nvSpPr>
-        <p:spPr>
-          <a:xfrm>
-            <a:off x="448251" y="903348"/>
-            <a:ext cx="8378083" cy="662489"/>
-          </a:xfrm>
-          <a:prstGeom prst="rect">
-            <a:avLst/>
-          </a:prstGeom>
-          <a:noFill/>
-        </p:spPr>
-        <p:txBody>
-          <a:bodyPr wrap="square" rtlCol="0">
-            <a:spAutoFit/>
-          </a:bodyPr>
-          <a:lstStyle/>
-          <a:p>
-            <a:pPr algn="just">
-              <a:lnSpc>
-                <a:spcPct val="150000"/>
-              </a:lnSpc>
-            </a:pPr>
-            <a:r>
-              <a:rPr lang="zh-CN" altLang="en-US" sz="2800" b="1" dirty="0">
-                <a:solidFill>
-                  <a:srgbClr val="333333"/>
-                </a:solidFill>
-                <a:latin typeface="+mn-ea"/>
-                <a:ea typeface="+mn-ea"/>
-              </a:rPr>
-              <a:t>实验方案设计</a:t>
-            </a:r>
-            <a:endParaRPr lang="en-US" altLang="zh-CN" sz="2800" b="1" dirty="0">
-              <a:solidFill>
-                <a:srgbClr val="333333"/>
-              </a:solidFill>
-              <a:latin typeface="+mn-ea"/>
-              <a:ea typeface="+mn-ea"/>
-            </a:endParaRPr>
           </a:p>
         </p:txBody>
       </p:sp>
@@ -17101,8 +16539,8 @@
         </p:nvSpPr>
         <p:spPr>
           <a:xfrm>
-            <a:off x="448250" y="1626457"/>
-            <a:ext cx="8378083" cy="4539641"/>
+            <a:off x="382958" y="950212"/>
+            <a:ext cx="8378083" cy="4757521"/>
           </a:xfrm>
           <a:prstGeom prst="rect">
             <a:avLst/>
@@ -17117,259 +16555,56 @@
           <a:p>
             <a:pPr algn="just">
               <a:lnSpc>
-                <a:spcPct val="150000"/>
+                <a:spcPct val="200000"/>
               </a:lnSpc>
             </a:pPr>
             <a:r>
-              <a:rPr lang="en-US" altLang="zh-CN" dirty="0">
+              <a:rPr lang="zh-CN" altLang="en-US" sz="3200" b="1" dirty="0">
                 <a:solidFill>
                   <a:srgbClr val="333333"/>
                 </a:solidFill>
                 <a:latin typeface="+mn-ea"/>
                 <a:ea typeface="+mn-ea"/>
               </a:rPr>
-              <a:t>1</a:t>
-            </a:r>
-            <a:r>
-              <a:rPr lang="zh-CN" altLang="en-US" dirty="0">
+              <a:t>实践项目评分标准：</a:t>
+            </a:r>
+            <a:endParaRPr lang="en-US" altLang="zh-CN" sz="3200" b="1" dirty="0">
+              <a:solidFill>
+                <a:srgbClr val="333333"/>
+              </a:solidFill>
+              <a:latin typeface="+mn-ea"/>
+              <a:ea typeface="+mn-ea"/>
+            </a:endParaRPr>
+          </a:p>
+          <a:p>
+            <a:pPr marL="514350" indent="-514350" algn="just">
+              <a:lnSpc>
+                <a:spcPct val="200000"/>
+              </a:lnSpc>
+              <a:buAutoNum type="arabicPeriod"/>
+            </a:pPr>
+            <a:r>
+              <a:rPr lang="zh-CN" altLang="en-US" sz="2600" u="sng" dirty="0">
                 <a:solidFill>
                   <a:srgbClr val="333333"/>
                 </a:solidFill>
                 <a:latin typeface="+mn-ea"/>
                 <a:ea typeface="+mn-ea"/>
               </a:rPr>
-              <a:t>、获取长时间序列</a:t>
-            </a:r>
-            <a:r>
-              <a:rPr lang="en-US" altLang="zh-CN" dirty="0">
+              <a:t>总分</a:t>
+            </a:r>
+            <a:r>
+              <a:rPr lang="en-US" altLang="zh-CN" sz="2600" u="sng" dirty="0">
                 <a:solidFill>
                   <a:srgbClr val="333333"/>
                 </a:solidFill>
                 <a:latin typeface="+mn-ea"/>
                 <a:ea typeface="+mn-ea"/>
               </a:rPr>
-              <a:t>xx</a:t>
-            </a:r>
-            <a:r>
-              <a:rPr lang="zh-CN" altLang="en-US" dirty="0">
-                <a:solidFill>
-                  <a:srgbClr val="333333"/>
-                </a:solidFill>
-                <a:latin typeface="+mn-ea"/>
-                <a:ea typeface="+mn-ea"/>
-              </a:rPr>
-              <a:t>湖泊遥感影像数据、矢量数据等。</a:t>
-            </a:r>
-            <a:endParaRPr lang="en-US" altLang="zh-CN" dirty="0">
-              <a:solidFill>
-                <a:srgbClr val="333333"/>
-              </a:solidFill>
-              <a:latin typeface="+mn-ea"/>
-              <a:ea typeface="+mn-ea"/>
-            </a:endParaRPr>
-          </a:p>
-          <a:p>
-            <a:pPr algn="just">
-              <a:lnSpc>
-                <a:spcPct val="150000"/>
-              </a:lnSpc>
-            </a:pPr>
-            <a:r>
-              <a:rPr lang="zh-CN" altLang="en-US" sz="1800" dirty="0">
-                <a:solidFill>
-                  <a:srgbClr val="333333"/>
-                </a:solidFill>
-                <a:latin typeface="+mn-ea"/>
-                <a:ea typeface="+mn-ea"/>
-              </a:rPr>
-              <a:t>   如选用</a:t>
-            </a:r>
-            <a:r>
-              <a:rPr lang="en-US" altLang="zh-CN" sz="1800" dirty="0">
-                <a:solidFill>
-                  <a:srgbClr val="333333"/>
-                </a:solidFill>
-                <a:latin typeface="+mn-ea"/>
-                <a:ea typeface="+mn-ea"/>
-              </a:rPr>
-              <a:t>2000</a:t>
-            </a:r>
-            <a:r>
-              <a:rPr lang="zh-CN" altLang="en-US" sz="1800" dirty="0">
-                <a:solidFill>
-                  <a:srgbClr val="333333"/>
-                </a:solidFill>
-                <a:latin typeface="+mn-ea"/>
-                <a:ea typeface="+mn-ea"/>
-              </a:rPr>
-              <a:t>、</a:t>
-            </a:r>
-            <a:r>
-              <a:rPr lang="en-US" altLang="zh-CN" sz="1800" dirty="0">
-                <a:solidFill>
-                  <a:srgbClr val="333333"/>
-                </a:solidFill>
-                <a:latin typeface="+mn-ea"/>
-                <a:ea typeface="+mn-ea"/>
-              </a:rPr>
-              <a:t>2005</a:t>
-            </a:r>
-            <a:r>
-              <a:rPr lang="zh-CN" altLang="en-US" sz="1800" dirty="0">
-                <a:solidFill>
-                  <a:srgbClr val="333333"/>
-                </a:solidFill>
-                <a:latin typeface="+mn-ea"/>
-                <a:ea typeface="+mn-ea"/>
-              </a:rPr>
-              <a:t>、</a:t>
-            </a:r>
-            <a:r>
-              <a:rPr lang="en-US" altLang="zh-CN" sz="1800" dirty="0">
-                <a:solidFill>
-                  <a:srgbClr val="333333"/>
-                </a:solidFill>
-                <a:latin typeface="+mn-ea"/>
-                <a:ea typeface="+mn-ea"/>
-              </a:rPr>
-              <a:t>2010</a:t>
-            </a:r>
-            <a:r>
-              <a:rPr lang="zh-CN" altLang="en-US" sz="1800" dirty="0">
-                <a:solidFill>
-                  <a:srgbClr val="333333"/>
-                </a:solidFill>
-                <a:latin typeface="+mn-ea"/>
-                <a:ea typeface="+mn-ea"/>
-              </a:rPr>
-              <a:t>、</a:t>
-            </a:r>
-            <a:r>
-              <a:rPr lang="en-US" altLang="zh-CN" sz="1800" dirty="0">
-                <a:solidFill>
-                  <a:srgbClr val="333333"/>
-                </a:solidFill>
-                <a:latin typeface="+mn-ea"/>
-                <a:ea typeface="+mn-ea"/>
-              </a:rPr>
-              <a:t>2015</a:t>
-            </a:r>
-            <a:r>
-              <a:rPr lang="zh-CN" altLang="en-US" sz="1800" dirty="0">
-                <a:solidFill>
-                  <a:srgbClr val="333333"/>
-                </a:solidFill>
-                <a:latin typeface="+mn-ea"/>
-                <a:ea typeface="+mn-ea"/>
-              </a:rPr>
-              <a:t>、</a:t>
-            </a:r>
-            <a:r>
-              <a:rPr lang="en-US" altLang="zh-CN" sz="1800" dirty="0">
-                <a:solidFill>
-                  <a:srgbClr val="333333"/>
-                </a:solidFill>
-                <a:latin typeface="+mn-ea"/>
-                <a:ea typeface="+mn-ea"/>
-              </a:rPr>
-              <a:t>2020</a:t>
-            </a:r>
-            <a:r>
-              <a:rPr lang="zh-CN" altLang="en-US" sz="1800" dirty="0">
-                <a:solidFill>
-                  <a:srgbClr val="333333"/>
-                </a:solidFill>
-                <a:latin typeface="+mn-ea"/>
-                <a:ea typeface="+mn-ea"/>
-              </a:rPr>
-              <a:t>年</a:t>
-            </a:r>
-            <a:r>
-              <a:rPr lang="en-US" altLang="zh-CN" sz="1800" dirty="0">
-                <a:solidFill>
-                  <a:srgbClr val="333333"/>
-                </a:solidFill>
-                <a:latin typeface="+mn-ea"/>
-                <a:ea typeface="+mn-ea"/>
-              </a:rPr>
-              <a:t>Landsat</a:t>
-            </a:r>
-            <a:r>
-              <a:rPr lang="zh-CN" altLang="en-US" sz="1800" dirty="0">
-                <a:solidFill>
-                  <a:srgbClr val="333333"/>
-                </a:solidFill>
-                <a:latin typeface="+mn-ea"/>
-                <a:ea typeface="+mn-ea"/>
-              </a:rPr>
-              <a:t>系列影像或</a:t>
-            </a:r>
-            <a:r>
-              <a:rPr lang="en-US" altLang="zh-CN" sz="1800" dirty="0">
-                <a:solidFill>
-                  <a:srgbClr val="333333"/>
-                </a:solidFill>
-                <a:latin typeface="+mn-ea"/>
-                <a:ea typeface="+mn-ea"/>
-              </a:rPr>
-              <a:t>Sentinel-2</a:t>
-            </a:r>
-            <a:r>
-              <a:rPr lang="zh-CN" altLang="en-US" sz="1800" dirty="0">
-                <a:solidFill>
-                  <a:srgbClr val="333333"/>
-                </a:solidFill>
-                <a:latin typeface="+mn-ea"/>
-                <a:ea typeface="+mn-ea"/>
-              </a:rPr>
-              <a:t>影像等。</a:t>
-            </a:r>
-            <a:endParaRPr lang="en-US" altLang="zh-CN" sz="1800" dirty="0">
-              <a:solidFill>
-                <a:srgbClr val="333333"/>
-              </a:solidFill>
-              <a:latin typeface="+mn-ea"/>
-              <a:ea typeface="+mn-ea"/>
-            </a:endParaRPr>
-          </a:p>
-          <a:p>
-            <a:pPr algn="just">
-              <a:lnSpc>
-                <a:spcPct val="150000"/>
-              </a:lnSpc>
-            </a:pPr>
-            <a:r>
-              <a:rPr lang="en-US" altLang="zh-CN" dirty="0">
-                <a:solidFill>
-                  <a:srgbClr val="333333"/>
-                </a:solidFill>
-                <a:latin typeface="+mn-ea"/>
-                <a:ea typeface="+mn-ea"/>
-              </a:rPr>
-              <a:t>2</a:t>
-            </a:r>
-            <a:r>
-              <a:rPr lang="zh-CN" altLang="en-US" dirty="0">
-                <a:solidFill>
-                  <a:srgbClr val="333333"/>
-                </a:solidFill>
-                <a:latin typeface="+mn-ea"/>
-                <a:ea typeface="+mn-ea"/>
-              </a:rPr>
-              <a:t>、遥感影像及矢量数据</a:t>
-            </a:r>
-            <a:r>
-              <a:rPr lang="en-US" dirty="0" err="1">
-                <a:solidFill>
-                  <a:srgbClr val="333333"/>
-                </a:solidFill>
-                <a:latin typeface="+mn-ea"/>
-                <a:ea typeface="+mn-ea"/>
-              </a:rPr>
-              <a:t>处理</a:t>
-            </a:r>
-            <a:r>
-              <a:rPr lang="zh-CN" altLang="en-US" dirty="0">
+              <a:t>40</a:t>
+            </a:r>
+            <a:r>
+              <a:rPr lang="zh-CN" altLang="en-US" sz="2600" dirty="0">
                 <a:solidFill>
                   <a:srgbClr val="333333"/>
                 </a:solidFill>
@@ -17378,7 +16613,7 @@
               </a:rPr>
               <a:t>；</a:t>
             </a:r>
-            <a:endParaRPr lang="en-US" altLang="zh-CN" dirty="0">
+            <a:endParaRPr lang="en-US" altLang="zh-CN" sz="2600" dirty="0">
               <a:solidFill>
                 <a:srgbClr val="333333"/>
               </a:solidFill>
@@ -17387,42 +16622,53 @@
             </a:endParaRPr>
           </a:p>
           <a:p>
-            <a:pPr algn="just">
+            <a:pPr marL="514350" indent="-514350" algn="just">
               <a:lnSpc>
-                <a:spcPct val="150000"/>
+                <a:spcPct val="200000"/>
               </a:lnSpc>
+              <a:buAutoNum type="arabicPeriod"/>
             </a:pPr>
             <a:r>
-              <a:rPr lang="zh-CN" altLang="en-US" sz="1800" dirty="0">
+              <a:rPr lang="zh-CN" altLang="en-US" sz="2600" u="sng" dirty="0">
                 <a:solidFill>
                   <a:srgbClr val="333333"/>
                 </a:solidFill>
                 <a:latin typeface="+mn-ea"/>
                 <a:ea typeface="+mn-ea"/>
               </a:rPr>
-              <a:t>   影像拼接、裁剪、投影转换、水体信息提取（指数法</a:t>
-            </a:r>
-            <a:r>
-              <a:rPr lang="en-US" altLang="zh-CN" sz="1800" dirty="0">
+              <a:t>实践项目整体分</a:t>
+            </a:r>
+            <a:r>
+              <a:rPr lang="zh-CN" altLang="en-US" sz="2600" dirty="0">
                 <a:solidFill>
                   <a:srgbClr val="333333"/>
                 </a:solidFill>
                 <a:latin typeface="+mn-ea"/>
                 <a:ea typeface="+mn-ea"/>
               </a:rPr>
-              <a:t>/</a:t>
-            </a:r>
-            <a:r>
-              <a:rPr lang="zh-CN" altLang="en-US" sz="1800" dirty="0">
+              <a:t>（</a:t>
+            </a:r>
+            <a:r>
+              <a:rPr lang="en-US" altLang="zh-CN" sz="2600" dirty="0">
                 <a:solidFill>
                   <a:srgbClr val="333333"/>
                 </a:solidFill>
                 <a:latin typeface="+mn-ea"/>
                 <a:ea typeface="+mn-ea"/>
               </a:rPr>
-              <a:t>机器学习法等）、矢量编辑等。</a:t>
-            </a:r>
-            <a:endParaRPr lang="en-US" sz="1800" dirty="0">
+              <a:t>ppt</a:t>
+            </a:r>
+            <a:r>
+              <a:rPr lang="zh-CN" altLang="en-US" sz="2600" dirty="0">
+                <a:solidFill>
+                  <a:srgbClr val="333333"/>
+                </a:solidFill>
+                <a:latin typeface="+mn-ea"/>
+                <a:ea typeface="+mn-ea"/>
+              </a:rPr>
+              <a:t>汇报，实验报告、技术说明文档）；</a:t>
+            </a:r>
+            <a:endParaRPr lang="en-US" altLang="zh-CN" sz="2600" dirty="0">
               <a:solidFill>
                 <a:srgbClr val="333333"/>
               </a:solidFill>
@@ -17431,52 +16677,33 @@
             </a:endParaRPr>
           </a:p>
           <a:p>
-            <a:pPr algn="just">
+            <a:pPr marL="514350" indent="-514350" algn="just">
               <a:lnSpc>
-                <a:spcPct val="150000"/>
+                <a:spcPct val="200000"/>
               </a:lnSpc>
+              <a:buAutoNum type="arabicPeriod"/>
             </a:pPr>
             <a:r>
-              <a:rPr lang="en-US" altLang="zh-CN" dirty="0">
+              <a:rPr lang="zh-CN" altLang="en-US" sz="2600" u="sng" dirty="0">
                 <a:solidFill>
                   <a:srgbClr val="333333"/>
                 </a:solidFill>
                 <a:latin typeface="+mn-ea"/>
                 <a:ea typeface="+mn-ea"/>
               </a:rPr>
-              <a:t>3</a:t>
-            </a:r>
-            <a:r>
-              <a:rPr lang="zh-CN" altLang="en-US" dirty="0">
+              <a:t>个人分</a:t>
+            </a:r>
+            <a:r>
+              <a:rPr lang="zh-CN" altLang="en-US" sz="2600" dirty="0">
                 <a:solidFill>
                   <a:srgbClr val="333333"/>
                 </a:solidFill>
                 <a:latin typeface="+mn-ea"/>
                 <a:ea typeface="+mn-ea"/>
               </a:rPr>
-              <a:t>、</a:t>
-            </a:r>
-            <a:r>
-              <a:rPr lang="en-US" altLang="zh-CN" dirty="0">
-                <a:solidFill>
-                  <a:srgbClr val="333333"/>
-                </a:solidFill>
-                <a:latin typeface="+mn-ea"/>
-                <a:ea typeface="+mn-ea"/>
-              </a:rPr>
-              <a:t>xx</a:t>
-            </a:r>
-            <a:r>
-              <a:rPr lang="zh-CN" altLang="en-US" dirty="0">
-                <a:solidFill>
-                  <a:srgbClr val="333333"/>
-                </a:solidFill>
-                <a:latin typeface="+mn-ea"/>
-                <a:ea typeface="+mn-ea"/>
-              </a:rPr>
-              <a:t>湖泊信息提取及历史变化分析。</a:t>
-            </a:r>
-            <a:endParaRPr lang="en-US" altLang="zh-CN" dirty="0">
+              <a:t>，根据成员具体工作量进行加分或减分。</a:t>
+            </a:r>
+            <a:endParaRPr lang="en-US" altLang="zh-CN" sz="2600" dirty="0">
               <a:solidFill>
                 <a:srgbClr val="333333"/>
               </a:solidFill>
@@ -17484,647 +16711,12 @@
               <a:ea typeface="+mn-ea"/>
             </a:endParaRPr>
           </a:p>
-          <a:p>
-            <a:pPr algn="just">
-              <a:lnSpc>
-                <a:spcPct val="150000"/>
-              </a:lnSpc>
-            </a:pPr>
-            <a:r>
-              <a:rPr lang="zh-CN" altLang="en-US" sz="1800" dirty="0">
-                <a:solidFill>
-                  <a:srgbClr val="333333"/>
-                </a:solidFill>
-                <a:latin typeface="+mn-ea"/>
-                <a:ea typeface="+mn-ea"/>
-              </a:rPr>
-              <a:t>   </a:t>
-            </a:r>
-            <a:r>
-              <a:rPr lang="en-CN" sz="1800" dirty="0">
-                <a:solidFill>
-                  <a:srgbClr val="333333"/>
-                </a:solidFill>
-                <a:latin typeface="+mn-ea"/>
-                <a:ea typeface="+mn-ea"/>
-              </a:rPr>
-              <a:t>专题地图制作</a:t>
-            </a:r>
-            <a:r>
-              <a:rPr lang="zh-CN" altLang="en-US" sz="1800" dirty="0">
-                <a:solidFill>
-                  <a:srgbClr val="333333"/>
-                </a:solidFill>
-                <a:latin typeface="+mn-ea"/>
-                <a:ea typeface="+mn-ea"/>
-              </a:rPr>
-              <a:t>、统计分析、区域调研归因分析等。</a:t>
-            </a:r>
-            <a:endParaRPr lang="en-CN" sz="1800" dirty="0">
-              <a:solidFill>
-                <a:srgbClr val="333333"/>
-              </a:solidFill>
-              <a:latin typeface="+mn-ea"/>
-              <a:ea typeface="+mn-ea"/>
-            </a:endParaRPr>
-          </a:p>
         </p:txBody>
       </p:sp>
     </p:spTree>
     <p:extLst>
       <p:ext uri="{BB962C8B-B14F-4D97-AF65-F5344CB8AC3E}">
-        <p14:creationId xmlns:p14="http://schemas.microsoft.com/office/powerpoint/2010/main" val="1803588456"/>
-      </p:ext>
-    </p:extLst>
-  </p:cSld>
-  <p:clrMapOvr>
-    <a:masterClrMapping/>
-  </p:clrMapOvr>
-  <p:transition>
-    <p:fade/>
-  </p:transition>
-</p:sld>
-</file>
-
-<file path=ppt/slides/slide6.xml><?xml version="1.0" encoding="utf-8"?>
-<p:sld xmlns:a="http://schemas.openxmlformats.org/drawingml/2006/main" xmlns:r="http://schemas.openxmlformats.org/officeDocument/2006/relationships" xmlns:p="http://schemas.openxmlformats.org/presentationml/2006/main">
-  <p:cSld>
-    <p:spTree>
-      <p:nvGrpSpPr>
-        <p:cNvPr id="1" name=""/>
-        <p:cNvGrpSpPr/>
-        <p:nvPr/>
-      </p:nvGrpSpPr>
-      <p:grpSpPr>
-        <a:xfrm>
-          <a:off x="0" y="0"/>
-          <a:ext cx="0" cy="0"/>
-          <a:chOff x="0" y="0"/>
-          <a:chExt cx="0" cy="0"/>
-        </a:xfrm>
-      </p:grpSpPr>
-      <p:sp>
-        <p:nvSpPr>
-          <p:cNvPr id="3" name="矩形 2"/>
-          <p:cNvSpPr/>
-          <p:nvPr/>
-        </p:nvSpPr>
-        <p:spPr>
-          <a:xfrm>
-            <a:off x="16933" y="3471863"/>
-            <a:ext cx="9144000" cy="1543050"/>
-          </a:xfrm>
-          <a:prstGeom prst="rect">
-            <a:avLst/>
-          </a:prstGeom>
-          <a:solidFill>
-            <a:schemeClr val="accent1"/>
-          </a:solidFill>
-          <a:ln>
-            <a:noFill/>
-          </a:ln>
-        </p:spPr>
-        <p:txBody>
-          <a:bodyPr wrap="square" lIns="0" rtlCol="0" anchor="ctr">
-            <a:noAutofit/>
-          </a:bodyPr>
-          <a:lstStyle/>
-          <a:p>
-            <a:pPr algn="l"/>
-            <a:endParaRPr lang="zh-CN" altLang="en-US" b="1">
-              <a:solidFill>
-                <a:srgbClr val="FF0000"/>
-              </a:solidFill>
-              <a:latin typeface="微软雅黑" pitchFamily="34" charset="-122"/>
-              <a:ea typeface="微软雅黑" pitchFamily="34" charset="-122"/>
-            </a:endParaRPr>
-          </a:p>
-        </p:txBody>
-      </p:sp>
-      <p:sp>
-        <p:nvSpPr>
-          <p:cNvPr id="7" name="矩形 6"/>
-          <p:cNvSpPr/>
-          <p:nvPr/>
-        </p:nvSpPr>
-        <p:spPr>
-          <a:xfrm>
-            <a:off x="26167" y="3714352"/>
-            <a:ext cx="9144000" cy="646331"/>
-          </a:xfrm>
-          <a:prstGeom prst="rect">
-            <a:avLst/>
-          </a:prstGeom>
-        </p:spPr>
-        <p:txBody>
-          <a:bodyPr wrap="square">
-            <a:spAutoFit/>
-          </a:bodyPr>
-          <a:lstStyle/>
-          <a:p>
-            <a:pPr algn="l" fontAlgn="auto">
-              <a:spcBef>
-                <a:spcPts val="0"/>
-              </a:spcBef>
-              <a:spcAft>
-                <a:spcPts val="0"/>
-              </a:spcAft>
-            </a:pPr>
-            <a:r>
-              <a:rPr lang="zh-CN" altLang="en-US" sz="3600" b="1" dirty="0">
-                <a:latin typeface="微软雅黑" pitchFamily="34" charset="-122"/>
-                <a:ea typeface="微软雅黑" pitchFamily="34" charset="-122"/>
-              </a:rPr>
-              <a:t>二、待定</a:t>
-            </a:r>
-          </a:p>
-        </p:txBody>
-      </p:sp>
-      <p:sp>
-        <p:nvSpPr>
-          <p:cNvPr id="8" name="矩形 7"/>
-          <p:cNvSpPr/>
-          <p:nvPr/>
-        </p:nvSpPr>
-        <p:spPr>
-          <a:xfrm>
-            <a:off x="0" y="5014912"/>
-            <a:ext cx="9144000" cy="72000"/>
-          </a:xfrm>
-          <a:prstGeom prst="rect">
-            <a:avLst/>
-          </a:prstGeom>
-          <a:solidFill>
-            <a:schemeClr val="tx1">
-              <a:lumMod val="75000"/>
-            </a:schemeClr>
-          </a:solidFill>
-          <a:effectLst/>
-        </p:spPr>
-        <p:txBody>
-          <a:bodyPr wrap="square" lIns="0" rtlCol="0" anchor="ctr">
-            <a:noAutofit/>
-          </a:bodyPr>
-          <a:lstStyle/>
-          <a:p>
-            <a:pPr algn="l"/>
-            <a:endParaRPr lang="zh-CN" altLang="en-US" b="1">
-              <a:solidFill>
-                <a:srgbClr val="FF0000"/>
-              </a:solidFill>
-              <a:latin typeface="微软雅黑" pitchFamily="34" charset="-122"/>
-              <a:ea typeface="微软雅黑" pitchFamily="34" charset="-122"/>
-            </a:endParaRPr>
-          </a:p>
-        </p:txBody>
-      </p:sp>
-    </p:spTree>
-    <p:extLst>
-      <p:ext uri="{BB962C8B-B14F-4D97-AF65-F5344CB8AC3E}">
-        <p14:creationId xmlns:p14="http://schemas.microsoft.com/office/powerpoint/2010/main" val="393940605"/>
-      </p:ext>
-    </p:extLst>
-  </p:cSld>
-  <p:clrMapOvr>
-    <a:masterClrMapping/>
-  </p:clrMapOvr>
-  <p:transition>
-    <p:fade/>
-  </p:transition>
-</p:sld>
-</file>
-
-<file path=ppt/slides/slide7.xml><?xml version="1.0" encoding="utf-8"?>
-<p:sld xmlns:a="http://schemas.openxmlformats.org/drawingml/2006/main" xmlns:r="http://schemas.openxmlformats.org/officeDocument/2006/relationships" xmlns:p="http://schemas.openxmlformats.org/presentationml/2006/main">
-  <p:cSld>
-    <p:spTree>
-      <p:nvGrpSpPr>
-        <p:cNvPr id="1" name=""/>
-        <p:cNvGrpSpPr/>
-        <p:nvPr/>
-      </p:nvGrpSpPr>
-      <p:grpSpPr>
-        <a:xfrm>
-          <a:off x="0" y="0"/>
-          <a:ext cx="0" cy="0"/>
-          <a:chOff x="0" y="0"/>
-          <a:chExt cx="0" cy="0"/>
-        </a:xfrm>
-      </p:grpSpPr>
-      <p:sp>
-        <p:nvSpPr>
-          <p:cNvPr id="3" name="矩形 2"/>
-          <p:cNvSpPr/>
-          <p:nvPr/>
-        </p:nvSpPr>
-        <p:spPr>
-          <a:xfrm>
-            <a:off x="16933" y="3471863"/>
-            <a:ext cx="9144000" cy="1543050"/>
-          </a:xfrm>
-          <a:prstGeom prst="rect">
-            <a:avLst/>
-          </a:prstGeom>
-          <a:solidFill>
-            <a:schemeClr val="accent1"/>
-          </a:solidFill>
-          <a:ln>
-            <a:noFill/>
-          </a:ln>
-        </p:spPr>
-        <p:txBody>
-          <a:bodyPr wrap="square" lIns="0" rtlCol="0" anchor="ctr">
-            <a:noAutofit/>
-          </a:bodyPr>
-          <a:lstStyle/>
-          <a:p>
-            <a:pPr algn="l"/>
-            <a:endParaRPr lang="zh-CN" altLang="en-US" b="1">
-              <a:solidFill>
-                <a:srgbClr val="FF0000"/>
-              </a:solidFill>
-              <a:latin typeface="微软雅黑" pitchFamily="34" charset="-122"/>
-              <a:ea typeface="微软雅黑" pitchFamily="34" charset="-122"/>
-            </a:endParaRPr>
-          </a:p>
-        </p:txBody>
-      </p:sp>
-      <p:sp>
-        <p:nvSpPr>
-          <p:cNvPr id="7" name="矩形 6"/>
-          <p:cNvSpPr/>
-          <p:nvPr/>
-        </p:nvSpPr>
-        <p:spPr>
-          <a:xfrm>
-            <a:off x="26167" y="3868892"/>
-            <a:ext cx="9144000" cy="646331"/>
-          </a:xfrm>
-          <a:prstGeom prst="rect">
-            <a:avLst/>
-          </a:prstGeom>
-        </p:spPr>
-        <p:txBody>
-          <a:bodyPr wrap="square">
-            <a:spAutoFit/>
-          </a:bodyPr>
-          <a:lstStyle/>
-          <a:p>
-            <a:pPr algn="l" fontAlgn="auto">
-              <a:spcBef>
-                <a:spcPts val="0"/>
-              </a:spcBef>
-              <a:spcAft>
-                <a:spcPts val="0"/>
-              </a:spcAft>
-            </a:pPr>
-            <a:r>
-              <a:rPr lang="zh-CN" altLang="en-US" sz="3600" b="1" dirty="0">
-                <a:latin typeface="微软雅黑" pitchFamily="34" charset="-122"/>
-                <a:ea typeface="微软雅黑" pitchFamily="34" charset="-122"/>
-              </a:rPr>
-              <a:t>三、自选题目</a:t>
-            </a:r>
-          </a:p>
-        </p:txBody>
-      </p:sp>
-      <p:sp>
-        <p:nvSpPr>
-          <p:cNvPr id="8" name="矩形 7"/>
-          <p:cNvSpPr/>
-          <p:nvPr/>
-        </p:nvSpPr>
-        <p:spPr>
-          <a:xfrm>
-            <a:off x="0" y="5014912"/>
-            <a:ext cx="9144000" cy="72000"/>
-          </a:xfrm>
-          <a:prstGeom prst="rect">
-            <a:avLst/>
-          </a:prstGeom>
-          <a:solidFill>
-            <a:schemeClr val="tx1">
-              <a:lumMod val="75000"/>
-            </a:schemeClr>
-          </a:solidFill>
-          <a:effectLst/>
-        </p:spPr>
-        <p:txBody>
-          <a:bodyPr wrap="square" lIns="0" rtlCol="0" anchor="ctr">
-            <a:noAutofit/>
-          </a:bodyPr>
-          <a:lstStyle/>
-          <a:p>
-            <a:pPr algn="l"/>
-            <a:endParaRPr lang="zh-CN" altLang="en-US" b="1">
-              <a:solidFill>
-                <a:srgbClr val="FF0000"/>
-              </a:solidFill>
-              <a:latin typeface="微软雅黑" pitchFamily="34" charset="-122"/>
-              <a:ea typeface="微软雅黑" pitchFamily="34" charset="-122"/>
-            </a:endParaRPr>
-          </a:p>
-        </p:txBody>
-      </p:sp>
-    </p:spTree>
-    <p:extLst>
-      <p:ext uri="{BB962C8B-B14F-4D97-AF65-F5344CB8AC3E}">
-        <p14:creationId xmlns:p14="http://schemas.microsoft.com/office/powerpoint/2010/main" val="1219141430"/>
-      </p:ext>
-    </p:extLst>
-  </p:cSld>
-  <p:clrMapOvr>
-    <a:masterClrMapping/>
-  </p:clrMapOvr>
-  <p:transition>
-    <p:fade/>
-  </p:transition>
-</p:sld>
-</file>
-
-<file path=ppt/slides/slide8.xml><?xml version="1.0" encoding="utf-8"?>
-<p:sld xmlns:a="http://schemas.openxmlformats.org/drawingml/2006/main" xmlns:r="http://schemas.openxmlformats.org/officeDocument/2006/relationships" xmlns:p="http://schemas.openxmlformats.org/presentationml/2006/main">
-  <p:cSld>
-    <p:spTree>
-      <p:nvGrpSpPr>
-        <p:cNvPr id="1" name=""/>
-        <p:cNvGrpSpPr/>
-        <p:nvPr/>
-      </p:nvGrpSpPr>
-      <p:grpSpPr>
-        <a:xfrm>
-          <a:off x="0" y="0"/>
-          <a:ext cx="0" cy="0"/>
-          <a:chOff x="0" y="0"/>
-          <a:chExt cx="0" cy="0"/>
-        </a:xfrm>
-      </p:grpSpPr>
-      <p:sp>
-        <p:nvSpPr>
-          <p:cNvPr id="3" name="标题 2"/>
-          <p:cNvSpPr>
-            <a:spLocks noGrp="1"/>
-          </p:cNvSpPr>
-          <p:nvPr>
-            <p:ph type="title"/>
-          </p:nvPr>
-        </p:nvSpPr>
-        <p:spPr>
-          <a:xfrm>
-            <a:off x="0" y="8526"/>
-            <a:ext cx="9013371" cy="792162"/>
-          </a:xfrm>
-        </p:spPr>
-        <p:txBody>
-          <a:bodyPr/>
-          <a:lstStyle/>
-          <a:p>
-            <a:r>
-              <a:rPr lang="zh-CN" altLang="en-US" dirty="0">
-                <a:latin typeface="+mn-ea"/>
-              </a:rPr>
-              <a:t>二、自选题目</a:t>
-            </a:r>
-            <a:endParaRPr lang="zh-CN" altLang="en-US" dirty="0"/>
-          </a:p>
-        </p:txBody>
-      </p:sp>
-      <p:sp>
-        <p:nvSpPr>
-          <p:cNvPr id="2" name="TextBox 1">
-            <a:extLst>
-              <a:ext uri="{FF2B5EF4-FFF2-40B4-BE49-F238E27FC236}">
-                <a16:creationId xmlns:a16="http://schemas.microsoft.com/office/drawing/2014/main" id="{631AADB6-C88A-D817-4683-FC087E4E240F}"/>
-              </a:ext>
-            </a:extLst>
-          </p:cNvPr>
-          <p:cNvSpPr txBox="1"/>
-          <p:nvPr/>
-        </p:nvSpPr>
-        <p:spPr>
-          <a:xfrm>
-            <a:off x="448251" y="800784"/>
-            <a:ext cx="8378083" cy="662489"/>
-          </a:xfrm>
-          <a:prstGeom prst="rect">
-            <a:avLst/>
-          </a:prstGeom>
-          <a:noFill/>
-        </p:spPr>
-        <p:txBody>
-          <a:bodyPr wrap="square" rtlCol="0">
-            <a:spAutoFit/>
-          </a:bodyPr>
-          <a:lstStyle/>
-          <a:p>
-            <a:pPr algn="just">
-              <a:lnSpc>
-                <a:spcPct val="150000"/>
-              </a:lnSpc>
-            </a:pPr>
-            <a:r>
-              <a:rPr lang="zh-CN" altLang="en-US" sz="2800" b="1" dirty="0">
-                <a:solidFill>
-                  <a:srgbClr val="333333"/>
-                </a:solidFill>
-                <a:latin typeface="+mn-ea"/>
-                <a:ea typeface="+mn-ea"/>
-              </a:rPr>
-              <a:t>自选题目要求</a:t>
-            </a:r>
-            <a:endParaRPr lang="en-US" altLang="zh-CN" sz="2800" b="1" dirty="0">
-              <a:solidFill>
-                <a:srgbClr val="333333"/>
-              </a:solidFill>
-              <a:latin typeface="+mn-ea"/>
-              <a:ea typeface="+mn-ea"/>
-            </a:endParaRPr>
-          </a:p>
-        </p:txBody>
-      </p:sp>
-      <p:sp>
-        <p:nvSpPr>
-          <p:cNvPr id="10" name="TextBox 9">
-            <a:extLst>
-              <a:ext uri="{FF2B5EF4-FFF2-40B4-BE49-F238E27FC236}">
-                <a16:creationId xmlns:a16="http://schemas.microsoft.com/office/drawing/2014/main" id="{2662A235-2CC3-749B-1A7D-D9E01F241A84}"/>
-              </a:ext>
-            </a:extLst>
-          </p:cNvPr>
-          <p:cNvSpPr txBox="1"/>
-          <p:nvPr/>
-        </p:nvSpPr>
-        <p:spPr>
-          <a:xfrm>
-            <a:off x="262245" y="1469484"/>
-            <a:ext cx="8695705" cy="4089709"/>
-          </a:xfrm>
-          <a:prstGeom prst="rect">
-            <a:avLst/>
-          </a:prstGeom>
-          <a:noFill/>
-        </p:spPr>
-        <p:txBody>
-          <a:bodyPr wrap="square">
-            <a:spAutoFit/>
-          </a:bodyPr>
-          <a:lstStyle/>
-          <a:p>
-            <a:pPr algn="just">
-              <a:lnSpc>
-                <a:spcPct val="150000"/>
-              </a:lnSpc>
-            </a:pPr>
-            <a:r>
-              <a:rPr lang="en-US" altLang="zh-CN" dirty="0">
-                <a:solidFill>
-                  <a:srgbClr val="333333"/>
-                </a:solidFill>
-                <a:latin typeface="+mn-ea"/>
-                <a:ea typeface="+mn-ea"/>
-              </a:rPr>
-              <a:t>1</a:t>
-            </a:r>
-            <a:r>
-              <a:rPr lang="zh-CN" altLang="en-US" dirty="0">
-                <a:solidFill>
-                  <a:srgbClr val="333333"/>
-                </a:solidFill>
-                <a:latin typeface="+mn-ea"/>
-                <a:ea typeface="+mn-ea"/>
-              </a:rPr>
-              <a:t>、具有科学价值</a:t>
-            </a:r>
-            <a:r>
-              <a:rPr lang="en-US" altLang="zh-CN" dirty="0">
-                <a:solidFill>
-                  <a:srgbClr val="333333"/>
-                </a:solidFill>
-                <a:latin typeface="+mn-ea"/>
-                <a:ea typeface="+mn-ea"/>
-              </a:rPr>
-              <a:t>/</a:t>
-            </a:r>
-            <a:r>
-              <a:rPr lang="zh-CN" altLang="en-US" dirty="0">
-                <a:solidFill>
-                  <a:srgbClr val="333333"/>
-                </a:solidFill>
-                <a:latin typeface="+mn-ea"/>
-                <a:ea typeface="+mn-ea"/>
-              </a:rPr>
-              <a:t>应用价值</a:t>
-            </a:r>
-            <a:r>
-              <a:rPr lang="en-US" altLang="zh-CN" dirty="0">
-                <a:solidFill>
-                  <a:srgbClr val="333333"/>
-                </a:solidFill>
-                <a:latin typeface="+mn-ea"/>
-                <a:ea typeface="+mn-ea"/>
-              </a:rPr>
-              <a:t>/</a:t>
-            </a:r>
-            <a:r>
-              <a:rPr lang="zh-CN" altLang="en-US" dirty="0">
-                <a:solidFill>
-                  <a:srgbClr val="333333"/>
-                </a:solidFill>
-                <a:latin typeface="+mn-ea"/>
-                <a:ea typeface="+mn-ea"/>
-              </a:rPr>
-              <a:t>有趣。</a:t>
-            </a:r>
-            <a:endParaRPr lang="en-US" altLang="zh-CN" dirty="0">
-              <a:solidFill>
-                <a:srgbClr val="333333"/>
-              </a:solidFill>
-              <a:latin typeface="+mn-ea"/>
-              <a:ea typeface="+mn-ea"/>
-            </a:endParaRPr>
-          </a:p>
-          <a:p>
-            <a:pPr algn="just">
-              <a:lnSpc>
-                <a:spcPct val="150000"/>
-              </a:lnSpc>
-            </a:pPr>
-            <a:r>
-              <a:rPr lang="en-US" altLang="zh-CN" dirty="0">
-                <a:solidFill>
-                  <a:srgbClr val="333333"/>
-                </a:solidFill>
-                <a:latin typeface="+mn-ea"/>
-                <a:ea typeface="+mn-ea"/>
-              </a:rPr>
-              <a:t>2</a:t>
-            </a:r>
-            <a:r>
-              <a:rPr lang="zh-CN" altLang="en-US" dirty="0">
-                <a:solidFill>
-                  <a:srgbClr val="333333"/>
-                </a:solidFill>
-                <a:latin typeface="+mn-ea"/>
-                <a:ea typeface="+mn-ea"/>
-              </a:rPr>
-              <a:t>、涉及栅格数据处理、矢量数据处理、地理信息可视化分析等。所有实验操作均基于开源软件和开源数据实现。</a:t>
-            </a:r>
-            <a:endParaRPr lang="en-US" altLang="zh-CN" dirty="0">
-              <a:solidFill>
-                <a:srgbClr val="333333"/>
-              </a:solidFill>
-              <a:latin typeface="+mn-ea"/>
-              <a:ea typeface="+mn-ea"/>
-            </a:endParaRPr>
-          </a:p>
-          <a:p>
-            <a:pPr algn="just">
-              <a:lnSpc>
-                <a:spcPct val="150000"/>
-              </a:lnSpc>
-            </a:pPr>
-            <a:endParaRPr lang="en-US" altLang="zh-CN" dirty="0">
-              <a:solidFill>
-                <a:srgbClr val="333333"/>
-              </a:solidFill>
-              <a:latin typeface="+mn-ea"/>
-              <a:ea typeface="+mn-ea"/>
-            </a:endParaRPr>
-          </a:p>
-          <a:p>
-            <a:pPr algn="just">
-              <a:lnSpc>
-                <a:spcPct val="150000"/>
-              </a:lnSpc>
-            </a:pPr>
-            <a:endParaRPr lang="en-US" altLang="zh-CN" dirty="0">
-              <a:solidFill>
-                <a:srgbClr val="333333"/>
-              </a:solidFill>
-              <a:latin typeface="+mn-ea"/>
-              <a:ea typeface="+mn-ea"/>
-            </a:endParaRPr>
-          </a:p>
-          <a:p>
-            <a:pPr algn="just">
-              <a:lnSpc>
-                <a:spcPct val="150000"/>
-              </a:lnSpc>
-            </a:pPr>
-            <a:endParaRPr lang="en-US" altLang="zh-CN" dirty="0">
-              <a:solidFill>
-                <a:srgbClr val="333333"/>
-              </a:solidFill>
-              <a:latin typeface="+mn-ea"/>
-              <a:ea typeface="+mn-ea"/>
-            </a:endParaRPr>
-          </a:p>
-        </p:txBody>
-      </p:sp>
-    </p:spTree>
-    <p:extLst>
-      <p:ext uri="{BB962C8B-B14F-4D97-AF65-F5344CB8AC3E}">
-        <p14:creationId xmlns:p14="http://schemas.microsoft.com/office/powerpoint/2010/main" val="2904304982"/>
+        <p14:creationId xmlns:p14="http://schemas.microsoft.com/office/powerpoint/2010/main" val="2655415959"/>
       </p:ext>
     </p:extLst>
   </p:cSld>

--- a/第7章-开源GIS项目实践-10课时/第7章-开源GIS项目应用实践.pptx
+++ b/第7章-开源GIS项目实践-10课时/第7章-开源GIS项目应用实践.pptx
@@ -6,22 +6,23 @@
     <p:sldMasterId id="2147484986" r:id="rId2"/>
   </p:sldMasterIdLst>
   <p:notesMasterIdLst>
-    <p:notesMasterId r:id="rId8"/>
+    <p:notesMasterId r:id="rId9"/>
   </p:notesMasterIdLst>
   <p:handoutMasterIdLst>
-    <p:handoutMasterId r:id="rId9"/>
+    <p:handoutMasterId r:id="rId10"/>
   </p:handoutMasterIdLst>
   <p:sldIdLst>
     <p:sldId id="2708" r:id="rId3"/>
-    <p:sldId id="2777" r:id="rId4"/>
-    <p:sldId id="2779" r:id="rId5"/>
-    <p:sldId id="2780" r:id="rId6"/>
-    <p:sldId id="2781" r:id="rId7"/>
+    <p:sldId id="2782" r:id="rId4"/>
+    <p:sldId id="2777" r:id="rId5"/>
+    <p:sldId id="2779" r:id="rId6"/>
+    <p:sldId id="2780" r:id="rId7"/>
+    <p:sldId id="2781" r:id="rId8"/>
   </p:sldIdLst>
   <p:sldSz cx="9144000" cy="6858000" type="screen4x3"/>
   <p:notesSz cx="7099300" cy="10234613"/>
   <p:custDataLst>
-    <p:tags r:id="rId10"/>
+    <p:tags r:id="rId11"/>
   </p:custDataLst>
   <p:defaultTextStyle>
     <a:defPPr>
@@ -2473,6 +2474,226 @@
     </pc:docChg>
   </pc:docChgLst>
   <pc:docChgLst>
+    <pc:chgData name="Xin Luo" userId="82312ee5779919a4" providerId="LiveId" clId="{7C35D78A-E8DF-394E-816A-D2222F18F092}"/>
+    <pc:docChg chg="delSld modSld">
+      <pc:chgData name="Xin Luo" userId="82312ee5779919a4" providerId="LiveId" clId="{7C35D78A-E8DF-394E-816A-D2222F18F092}" dt="2022-11-28T03:56:42.353" v="21" actId="2696"/>
+      <pc:docMkLst>
+        <pc:docMk/>
+      </pc:docMkLst>
+      <pc:sldChg chg="del">
+        <pc:chgData name="Xin Luo" userId="82312ee5779919a4" providerId="LiveId" clId="{7C35D78A-E8DF-394E-816A-D2222F18F092}" dt="2022-11-28T03:56:38.106" v="20" actId="2696"/>
+        <pc:sldMkLst>
+          <pc:docMk/>
+          <pc:sldMk cId="0" sldId="279"/>
+        </pc:sldMkLst>
+      </pc:sldChg>
+      <pc:sldChg chg="modSp mod">
+        <pc:chgData name="Xin Luo" userId="82312ee5779919a4" providerId="LiveId" clId="{7C35D78A-E8DF-394E-816A-D2222F18F092}" dt="2022-11-28T03:56:03.446" v="17" actId="20577"/>
+        <pc:sldMkLst>
+          <pc:docMk/>
+          <pc:sldMk cId="1153920038" sldId="2206"/>
+        </pc:sldMkLst>
+        <pc:spChg chg="mod">
+          <ac:chgData name="Xin Luo" userId="82312ee5779919a4" providerId="LiveId" clId="{7C35D78A-E8DF-394E-816A-D2222F18F092}" dt="2022-11-28T03:56:03.446" v="17" actId="20577"/>
+          <ac:spMkLst>
+            <pc:docMk/>
+            <pc:sldMk cId="1153920038" sldId="2206"/>
+            <ac:spMk id="24" creationId="{00000000-0000-0000-0000-000000000000}"/>
+          </ac:spMkLst>
+        </pc:spChg>
+      </pc:sldChg>
+      <pc:sldChg chg="del">
+        <pc:chgData name="Xin Luo" userId="82312ee5779919a4" providerId="LiveId" clId="{7C35D78A-E8DF-394E-816A-D2222F18F092}" dt="2022-11-28T03:56:42.353" v="21" actId="2696"/>
+        <pc:sldMkLst>
+          <pc:docMk/>
+          <pc:sldMk cId="0" sldId="2501"/>
+        </pc:sldMkLst>
+      </pc:sldChg>
+      <pc:sldChg chg="del">
+        <pc:chgData name="Xin Luo" userId="82312ee5779919a4" providerId="LiveId" clId="{7C35D78A-E8DF-394E-816A-D2222F18F092}" dt="2022-11-28T03:56:17.803" v="18" actId="2696"/>
+        <pc:sldMkLst>
+          <pc:docMk/>
+          <pc:sldMk cId="2689840772" sldId="2604"/>
+        </pc:sldMkLst>
+      </pc:sldChg>
+      <pc:sldChg chg="del">
+        <pc:chgData name="Xin Luo" userId="82312ee5779919a4" providerId="LiveId" clId="{7C35D78A-E8DF-394E-816A-D2222F18F092}" dt="2022-11-28T03:56:33.667" v="19" actId="2696"/>
+        <pc:sldMkLst>
+          <pc:docMk/>
+          <pc:sldMk cId="1392274363" sldId="2606"/>
+        </pc:sldMkLst>
+      </pc:sldChg>
+      <pc:sldChg chg="del">
+        <pc:chgData name="Xin Luo" userId="82312ee5779919a4" providerId="LiveId" clId="{7C35D78A-E8DF-394E-816A-D2222F18F092}" dt="2022-11-28T03:56:33.667" v="19" actId="2696"/>
+        <pc:sldMkLst>
+          <pc:docMk/>
+          <pc:sldMk cId="292605530" sldId="2607"/>
+        </pc:sldMkLst>
+      </pc:sldChg>
+      <pc:sldChg chg="del">
+        <pc:chgData name="Xin Luo" userId="82312ee5779919a4" providerId="LiveId" clId="{7C35D78A-E8DF-394E-816A-D2222F18F092}" dt="2022-11-28T03:56:33.667" v="19" actId="2696"/>
+        <pc:sldMkLst>
+          <pc:docMk/>
+          <pc:sldMk cId="1432126823" sldId="2608"/>
+        </pc:sldMkLst>
+      </pc:sldChg>
+      <pc:sldChg chg="del">
+        <pc:chgData name="Xin Luo" userId="82312ee5779919a4" providerId="LiveId" clId="{7C35D78A-E8DF-394E-816A-D2222F18F092}" dt="2022-11-28T03:56:33.667" v="19" actId="2696"/>
+        <pc:sldMkLst>
+          <pc:docMk/>
+          <pc:sldMk cId="2780969545" sldId="2609"/>
+        </pc:sldMkLst>
+      </pc:sldChg>
+      <pc:sldChg chg="del">
+        <pc:chgData name="Xin Luo" userId="82312ee5779919a4" providerId="LiveId" clId="{7C35D78A-E8DF-394E-816A-D2222F18F092}" dt="2022-11-28T03:56:33.667" v="19" actId="2696"/>
+        <pc:sldMkLst>
+          <pc:docMk/>
+          <pc:sldMk cId="1351738911" sldId="2610"/>
+        </pc:sldMkLst>
+      </pc:sldChg>
+      <pc:sldChg chg="del">
+        <pc:chgData name="Xin Luo" userId="82312ee5779919a4" providerId="LiveId" clId="{7C35D78A-E8DF-394E-816A-D2222F18F092}" dt="2022-11-28T03:56:33.667" v="19" actId="2696"/>
+        <pc:sldMkLst>
+          <pc:docMk/>
+          <pc:sldMk cId="1504723508" sldId="2611"/>
+        </pc:sldMkLst>
+      </pc:sldChg>
+      <pc:sldChg chg="del">
+        <pc:chgData name="Xin Luo" userId="82312ee5779919a4" providerId="LiveId" clId="{7C35D78A-E8DF-394E-816A-D2222F18F092}" dt="2022-11-28T03:56:38.106" v="20" actId="2696"/>
+        <pc:sldMkLst>
+          <pc:docMk/>
+          <pc:sldMk cId="63705705" sldId="2612"/>
+        </pc:sldMkLst>
+      </pc:sldChg>
+      <pc:sldChg chg="del">
+        <pc:chgData name="Xin Luo" userId="82312ee5779919a4" providerId="LiveId" clId="{7C35D78A-E8DF-394E-816A-D2222F18F092}" dt="2022-11-28T03:56:42.353" v="21" actId="2696"/>
+        <pc:sldMkLst>
+          <pc:docMk/>
+          <pc:sldMk cId="3070817833" sldId="2652"/>
+        </pc:sldMkLst>
+      </pc:sldChg>
+      <pc:sldChg chg="del">
+        <pc:chgData name="Xin Luo" userId="82312ee5779919a4" providerId="LiveId" clId="{7C35D78A-E8DF-394E-816A-D2222F18F092}" dt="2022-11-28T03:56:42.353" v="21" actId="2696"/>
+        <pc:sldMkLst>
+          <pc:docMk/>
+          <pc:sldMk cId="2261973024" sldId="2686"/>
+        </pc:sldMkLst>
+      </pc:sldChg>
+      <pc:sldChg chg="del">
+        <pc:chgData name="Xin Luo" userId="82312ee5779919a4" providerId="LiveId" clId="{7C35D78A-E8DF-394E-816A-D2222F18F092}" dt="2022-11-28T03:56:38.106" v="20" actId="2696"/>
+        <pc:sldMkLst>
+          <pc:docMk/>
+          <pc:sldMk cId="1836653143" sldId="2688"/>
+        </pc:sldMkLst>
+      </pc:sldChg>
+      <pc:sldChg chg="del">
+        <pc:chgData name="Xin Luo" userId="82312ee5779919a4" providerId="LiveId" clId="{7C35D78A-E8DF-394E-816A-D2222F18F092}" dt="2022-11-28T03:56:38.106" v="20" actId="2696"/>
+        <pc:sldMkLst>
+          <pc:docMk/>
+          <pc:sldMk cId="715274259" sldId="2690"/>
+        </pc:sldMkLst>
+      </pc:sldChg>
+      <pc:sldChg chg="del">
+        <pc:chgData name="Xin Luo" userId="82312ee5779919a4" providerId="LiveId" clId="{7C35D78A-E8DF-394E-816A-D2222F18F092}" dt="2022-11-28T03:56:42.353" v="21" actId="2696"/>
+        <pc:sldMkLst>
+          <pc:docMk/>
+          <pc:sldMk cId="3906920652" sldId="2694"/>
+        </pc:sldMkLst>
+      </pc:sldChg>
+      <pc:sldChg chg="del">
+        <pc:chgData name="Xin Luo" userId="82312ee5779919a4" providerId="LiveId" clId="{7C35D78A-E8DF-394E-816A-D2222F18F092}" dt="2022-11-28T03:56:42.353" v="21" actId="2696"/>
+        <pc:sldMkLst>
+          <pc:docMk/>
+          <pc:sldMk cId="558234131" sldId="2697"/>
+        </pc:sldMkLst>
+      </pc:sldChg>
+      <pc:sldChg chg="del">
+        <pc:chgData name="Xin Luo" userId="82312ee5779919a4" providerId="LiveId" clId="{7C35D78A-E8DF-394E-816A-D2222F18F092}" dt="2022-11-28T03:56:38.106" v="20" actId="2696"/>
+        <pc:sldMkLst>
+          <pc:docMk/>
+          <pc:sldMk cId="507602036" sldId="2700"/>
+        </pc:sldMkLst>
+      </pc:sldChg>
+      <pc:sldChg chg="del">
+        <pc:chgData name="Xin Luo" userId="82312ee5779919a4" providerId="LiveId" clId="{7C35D78A-E8DF-394E-816A-D2222F18F092}" dt="2022-11-28T03:56:38.106" v="20" actId="2696"/>
+        <pc:sldMkLst>
+          <pc:docMk/>
+          <pc:sldMk cId="569668922" sldId="2703"/>
+        </pc:sldMkLst>
+      </pc:sldChg>
+      <pc:sldChg chg="del">
+        <pc:chgData name="Xin Luo" userId="82312ee5779919a4" providerId="LiveId" clId="{7C35D78A-E8DF-394E-816A-D2222F18F092}" dt="2022-11-28T03:56:38.106" v="20" actId="2696"/>
+        <pc:sldMkLst>
+          <pc:docMk/>
+          <pc:sldMk cId="693600848" sldId="2705"/>
+        </pc:sldMkLst>
+      </pc:sldChg>
+      <pc:sldChg chg="del">
+        <pc:chgData name="Xin Luo" userId="82312ee5779919a4" providerId="LiveId" clId="{7C35D78A-E8DF-394E-816A-D2222F18F092}" dt="2022-11-28T03:56:38.106" v="20" actId="2696"/>
+        <pc:sldMkLst>
+          <pc:docMk/>
+          <pc:sldMk cId="2447019445" sldId="2706"/>
+        </pc:sldMkLst>
+      </pc:sldChg>
+      <pc:sldChg chg="del">
+        <pc:chgData name="Xin Luo" userId="82312ee5779919a4" providerId="LiveId" clId="{7C35D78A-E8DF-394E-816A-D2222F18F092}" dt="2022-11-28T03:56:42.353" v="21" actId="2696"/>
+        <pc:sldMkLst>
+          <pc:docMk/>
+          <pc:sldMk cId="3037020054" sldId="2707"/>
+        </pc:sldMkLst>
+      </pc:sldChg>
+      <pc:sldChg chg="del">
+        <pc:chgData name="Xin Luo" userId="82312ee5779919a4" providerId="LiveId" clId="{7C35D78A-E8DF-394E-816A-D2222F18F092}" dt="2022-11-28T03:56:42.353" v="21" actId="2696"/>
+        <pc:sldMkLst>
+          <pc:docMk/>
+          <pc:sldMk cId="446628750" sldId="2708"/>
+        </pc:sldMkLst>
+      </pc:sldChg>
+      <pc:sldChg chg="del">
+        <pc:chgData name="Xin Luo" userId="82312ee5779919a4" providerId="LiveId" clId="{7C35D78A-E8DF-394E-816A-D2222F18F092}" dt="2022-11-28T03:56:42.353" v="21" actId="2696"/>
+        <pc:sldMkLst>
+          <pc:docMk/>
+          <pc:sldMk cId="770366385" sldId="2709"/>
+        </pc:sldMkLst>
+      </pc:sldChg>
+      <pc:sldChg chg="del">
+        <pc:chgData name="Xin Luo" userId="82312ee5779919a4" providerId="LiveId" clId="{7C35D78A-E8DF-394E-816A-D2222F18F092}" dt="2022-11-28T03:56:42.353" v="21" actId="2696"/>
+        <pc:sldMkLst>
+          <pc:docMk/>
+          <pc:sldMk cId="1259562490" sldId="2710"/>
+        </pc:sldMkLst>
+      </pc:sldChg>
+      <pc:sldChg chg="del">
+        <pc:chgData name="Xin Luo" userId="82312ee5779919a4" providerId="LiveId" clId="{7C35D78A-E8DF-394E-816A-D2222F18F092}" dt="2022-11-28T03:56:42.353" v="21" actId="2696"/>
+        <pc:sldMkLst>
+          <pc:docMk/>
+          <pc:sldMk cId="573676958" sldId="2711"/>
+        </pc:sldMkLst>
+      </pc:sldChg>
+      <pc:sldChg chg="del">
+        <pc:chgData name="Xin Luo" userId="82312ee5779919a4" providerId="LiveId" clId="{7C35D78A-E8DF-394E-816A-D2222F18F092}" dt="2022-11-28T03:56:33.667" v="19" actId="2696"/>
+        <pc:sldMkLst>
+          <pc:docMk/>
+          <pc:sldMk cId="2970267871" sldId="2712"/>
+        </pc:sldMkLst>
+      </pc:sldChg>
+      <pc:sldChg chg="del">
+        <pc:chgData name="Xin Luo" userId="82312ee5779919a4" providerId="LiveId" clId="{7C35D78A-E8DF-394E-816A-D2222F18F092}" dt="2022-11-28T03:56:42.353" v="21" actId="2696"/>
+        <pc:sldMkLst>
+          <pc:docMk/>
+          <pc:sldMk cId="4061658258" sldId="2713"/>
+        </pc:sldMkLst>
+      </pc:sldChg>
+      <pc:sldChg chg="del">
+        <pc:chgData name="Xin Luo" userId="82312ee5779919a4" providerId="LiveId" clId="{7C35D78A-E8DF-394E-816A-D2222F18F092}" dt="2022-11-28T03:56:17.803" v="18" actId="2696"/>
+        <pc:sldMkLst>
+          <pc:docMk/>
+          <pc:sldMk cId="2358282757" sldId="2714"/>
+        </pc:sldMkLst>
+      </pc:sldChg>
+    </pc:docChg>
+  </pc:docChgLst>
+  <pc:docChgLst>
     <pc:chgData name="Xin Luo" userId="82312ee5779919a4" providerId="LiveId" clId="{23920C8D-EBCE-A347-9C82-C14316D20539}"/>
     <pc:docChg chg="undo custSel addSld modSld">
       <pc:chgData name="Xin Luo" userId="82312ee5779919a4" providerId="LiveId" clId="{23920C8D-EBCE-A347-9C82-C14316D20539}" dt="2022-10-26T12:19:06.428" v="501" actId="767"/>
@@ -2813,226 +3034,6 @@
             <ac:spMk id="2" creationId="{DB381E7B-A050-4BE4-6756-9B64308C74D7}"/>
           </ac:spMkLst>
         </pc:spChg>
-      </pc:sldChg>
-    </pc:docChg>
-  </pc:docChgLst>
-  <pc:docChgLst>
-    <pc:chgData name="Xin Luo" userId="82312ee5779919a4" providerId="LiveId" clId="{7C35D78A-E8DF-394E-816A-D2222F18F092}"/>
-    <pc:docChg chg="delSld modSld">
-      <pc:chgData name="Xin Luo" userId="82312ee5779919a4" providerId="LiveId" clId="{7C35D78A-E8DF-394E-816A-D2222F18F092}" dt="2022-11-28T03:56:42.353" v="21" actId="2696"/>
-      <pc:docMkLst>
-        <pc:docMk/>
-      </pc:docMkLst>
-      <pc:sldChg chg="del">
-        <pc:chgData name="Xin Luo" userId="82312ee5779919a4" providerId="LiveId" clId="{7C35D78A-E8DF-394E-816A-D2222F18F092}" dt="2022-11-28T03:56:38.106" v="20" actId="2696"/>
-        <pc:sldMkLst>
-          <pc:docMk/>
-          <pc:sldMk cId="0" sldId="279"/>
-        </pc:sldMkLst>
-      </pc:sldChg>
-      <pc:sldChg chg="modSp mod">
-        <pc:chgData name="Xin Luo" userId="82312ee5779919a4" providerId="LiveId" clId="{7C35D78A-E8DF-394E-816A-D2222F18F092}" dt="2022-11-28T03:56:03.446" v="17" actId="20577"/>
-        <pc:sldMkLst>
-          <pc:docMk/>
-          <pc:sldMk cId="1153920038" sldId="2206"/>
-        </pc:sldMkLst>
-        <pc:spChg chg="mod">
-          <ac:chgData name="Xin Luo" userId="82312ee5779919a4" providerId="LiveId" clId="{7C35D78A-E8DF-394E-816A-D2222F18F092}" dt="2022-11-28T03:56:03.446" v="17" actId="20577"/>
-          <ac:spMkLst>
-            <pc:docMk/>
-            <pc:sldMk cId="1153920038" sldId="2206"/>
-            <ac:spMk id="24" creationId="{00000000-0000-0000-0000-000000000000}"/>
-          </ac:spMkLst>
-        </pc:spChg>
-      </pc:sldChg>
-      <pc:sldChg chg="del">
-        <pc:chgData name="Xin Luo" userId="82312ee5779919a4" providerId="LiveId" clId="{7C35D78A-E8DF-394E-816A-D2222F18F092}" dt="2022-11-28T03:56:42.353" v="21" actId="2696"/>
-        <pc:sldMkLst>
-          <pc:docMk/>
-          <pc:sldMk cId="0" sldId="2501"/>
-        </pc:sldMkLst>
-      </pc:sldChg>
-      <pc:sldChg chg="del">
-        <pc:chgData name="Xin Luo" userId="82312ee5779919a4" providerId="LiveId" clId="{7C35D78A-E8DF-394E-816A-D2222F18F092}" dt="2022-11-28T03:56:17.803" v="18" actId="2696"/>
-        <pc:sldMkLst>
-          <pc:docMk/>
-          <pc:sldMk cId="2689840772" sldId="2604"/>
-        </pc:sldMkLst>
-      </pc:sldChg>
-      <pc:sldChg chg="del">
-        <pc:chgData name="Xin Luo" userId="82312ee5779919a4" providerId="LiveId" clId="{7C35D78A-E8DF-394E-816A-D2222F18F092}" dt="2022-11-28T03:56:33.667" v="19" actId="2696"/>
-        <pc:sldMkLst>
-          <pc:docMk/>
-          <pc:sldMk cId="1392274363" sldId="2606"/>
-        </pc:sldMkLst>
-      </pc:sldChg>
-      <pc:sldChg chg="del">
-        <pc:chgData name="Xin Luo" userId="82312ee5779919a4" providerId="LiveId" clId="{7C35D78A-E8DF-394E-816A-D2222F18F092}" dt="2022-11-28T03:56:33.667" v="19" actId="2696"/>
-        <pc:sldMkLst>
-          <pc:docMk/>
-          <pc:sldMk cId="292605530" sldId="2607"/>
-        </pc:sldMkLst>
-      </pc:sldChg>
-      <pc:sldChg chg="del">
-        <pc:chgData name="Xin Luo" userId="82312ee5779919a4" providerId="LiveId" clId="{7C35D78A-E8DF-394E-816A-D2222F18F092}" dt="2022-11-28T03:56:33.667" v="19" actId="2696"/>
-        <pc:sldMkLst>
-          <pc:docMk/>
-          <pc:sldMk cId="1432126823" sldId="2608"/>
-        </pc:sldMkLst>
-      </pc:sldChg>
-      <pc:sldChg chg="del">
-        <pc:chgData name="Xin Luo" userId="82312ee5779919a4" providerId="LiveId" clId="{7C35D78A-E8DF-394E-816A-D2222F18F092}" dt="2022-11-28T03:56:33.667" v="19" actId="2696"/>
-        <pc:sldMkLst>
-          <pc:docMk/>
-          <pc:sldMk cId="2780969545" sldId="2609"/>
-        </pc:sldMkLst>
-      </pc:sldChg>
-      <pc:sldChg chg="del">
-        <pc:chgData name="Xin Luo" userId="82312ee5779919a4" providerId="LiveId" clId="{7C35D78A-E8DF-394E-816A-D2222F18F092}" dt="2022-11-28T03:56:33.667" v="19" actId="2696"/>
-        <pc:sldMkLst>
-          <pc:docMk/>
-          <pc:sldMk cId="1351738911" sldId="2610"/>
-        </pc:sldMkLst>
-      </pc:sldChg>
-      <pc:sldChg chg="del">
-        <pc:chgData name="Xin Luo" userId="82312ee5779919a4" providerId="LiveId" clId="{7C35D78A-E8DF-394E-816A-D2222F18F092}" dt="2022-11-28T03:56:33.667" v="19" actId="2696"/>
-        <pc:sldMkLst>
-          <pc:docMk/>
-          <pc:sldMk cId="1504723508" sldId="2611"/>
-        </pc:sldMkLst>
-      </pc:sldChg>
-      <pc:sldChg chg="del">
-        <pc:chgData name="Xin Luo" userId="82312ee5779919a4" providerId="LiveId" clId="{7C35D78A-E8DF-394E-816A-D2222F18F092}" dt="2022-11-28T03:56:38.106" v="20" actId="2696"/>
-        <pc:sldMkLst>
-          <pc:docMk/>
-          <pc:sldMk cId="63705705" sldId="2612"/>
-        </pc:sldMkLst>
-      </pc:sldChg>
-      <pc:sldChg chg="del">
-        <pc:chgData name="Xin Luo" userId="82312ee5779919a4" providerId="LiveId" clId="{7C35D78A-E8DF-394E-816A-D2222F18F092}" dt="2022-11-28T03:56:42.353" v="21" actId="2696"/>
-        <pc:sldMkLst>
-          <pc:docMk/>
-          <pc:sldMk cId="3070817833" sldId="2652"/>
-        </pc:sldMkLst>
-      </pc:sldChg>
-      <pc:sldChg chg="del">
-        <pc:chgData name="Xin Luo" userId="82312ee5779919a4" providerId="LiveId" clId="{7C35D78A-E8DF-394E-816A-D2222F18F092}" dt="2022-11-28T03:56:42.353" v="21" actId="2696"/>
-        <pc:sldMkLst>
-          <pc:docMk/>
-          <pc:sldMk cId="2261973024" sldId="2686"/>
-        </pc:sldMkLst>
-      </pc:sldChg>
-      <pc:sldChg chg="del">
-        <pc:chgData name="Xin Luo" userId="82312ee5779919a4" providerId="LiveId" clId="{7C35D78A-E8DF-394E-816A-D2222F18F092}" dt="2022-11-28T03:56:38.106" v="20" actId="2696"/>
-        <pc:sldMkLst>
-          <pc:docMk/>
-          <pc:sldMk cId="1836653143" sldId="2688"/>
-        </pc:sldMkLst>
-      </pc:sldChg>
-      <pc:sldChg chg="del">
-        <pc:chgData name="Xin Luo" userId="82312ee5779919a4" providerId="LiveId" clId="{7C35D78A-E8DF-394E-816A-D2222F18F092}" dt="2022-11-28T03:56:38.106" v="20" actId="2696"/>
-        <pc:sldMkLst>
-          <pc:docMk/>
-          <pc:sldMk cId="715274259" sldId="2690"/>
-        </pc:sldMkLst>
-      </pc:sldChg>
-      <pc:sldChg chg="del">
-        <pc:chgData name="Xin Luo" userId="82312ee5779919a4" providerId="LiveId" clId="{7C35D78A-E8DF-394E-816A-D2222F18F092}" dt="2022-11-28T03:56:42.353" v="21" actId="2696"/>
-        <pc:sldMkLst>
-          <pc:docMk/>
-          <pc:sldMk cId="3906920652" sldId="2694"/>
-        </pc:sldMkLst>
-      </pc:sldChg>
-      <pc:sldChg chg="del">
-        <pc:chgData name="Xin Luo" userId="82312ee5779919a4" providerId="LiveId" clId="{7C35D78A-E8DF-394E-816A-D2222F18F092}" dt="2022-11-28T03:56:42.353" v="21" actId="2696"/>
-        <pc:sldMkLst>
-          <pc:docMk/>
-          <pc:sldMk cId="558234131" sldId="2697"/>
-        </pc:sldMkLst>
-      </pc:sldChg>
-      <pc:sldChg chg="del">
-        <pc:chgData name="Xin Luo" userId="82312ee5779919a4" providerId="LiveId" clId="{7C35D78A-E8DF-394E-816A-D2222F18F092}" dt="2022-11-28T03:56:38.106" v="20" actId="2696"/>
-        <pc:sldMkLst>
-          <pc:docMk/>
-          <pc:sldMk cId="507602036" sldId="2700"/>
-        </pc:sldMkLst>
-      </pc:sldChg>
-      <pc:sldChg chg="del">
-        <pc:chgData name="Xin Luo" userId="82312ee5779919a4" providerId="LiveId" clId="{7C35D78A-E8DF-394E-816A-D2222F18F092}" dt="2022-11-28T03:56:38.106" v="20" actId="2696"/>
-        <pc:sldMkLst>
-          <pc:docMk/>
-          <pc:sldMk cId="569668922" sldId="2703"/>
-        </pc:sldMkLst>
-      </pc:sldChg>
-      <pc:sldChg chg="del">
-        <pc:chgData name="Xin Luo" userId="82312ee5779919a4" providerId="LiveId" clId="{7C35D78A-E8DF-394E-816A-D2222F18F092}" dt="2022-11-28T03:56:38.106" v="20" actId="2696"/>
-        <pc:sldMkLst>
-          <pc:docMk/>
-          <pc:sldMk cId="693600848" sldId="2705"/>
-        </pc:sldMkLst>
-      </pc:sldChg>
-      <pc:sldChg chg="del">
-        <pc:chgData name="Xin Luo" userId="82312ee5779919a4" providerId="LiveId" clId="{7C35D78A-E8DF-394E-816A-D2222F18F092}" dt="2022-11-28T03:56:38.106" v="20" actId="2696"/>
-        <pc:sldMkLst>
-          <pc:docMk/>
-          <pc:sldMk cId="2447019445" sldId="2706"/>
-        </pc:sldMkLst>
-      </pc:sldChg>
-      <pc:sldChg chg="del">
-        <pc:chgData name="Xin Luo" userId="82312ee5779919a4" providerId="LiveId" clId="{7C35D78A-E8DF-394E-816A-D2222F18F092}" dt="2022-11-28T03:56:42.353" v="21" actId="2696"/>
-        <pc:sldMkLst>
-          <pc:docMk/>
-          <pc:sldMk cId="3037020054" sldId="2707"/>
-        </pc:sldMkLst>
-      </pc:sldChg>
-      <pc:sldChg chg="del">
-        <pc:chgData name="Xin Luo" userId="82312ee5779919a4" providerId="LiveId" clId="{7C35D78A-E8DF-394E-816A-D2222F18F092}" dt="2022-11-28T03:56:42.353" v="21" actId="2696"/>
-        <pc:sldMkLst>
-          <pc:docMk/>
-          <pc:sldMk cId="446628750" sldId="2708"/>
-        </pc:sldMkLst>
-      </pc:sldChg>
-      <pc:sldChg chg="del">
-        <pc:chgData name="Xin Luo" userId="82312ee5779919a4" providerId="LiveId" clId="{7C35D78A-E8DF-394E-816A-D2222F18F092}" dt="2022-11-28T03:56:42.353" v="21" actId="2696"/>
-        <pc:sldMkLst>
-          <pc:docMk/>
-          <pc:sldMk cId="770366385" sldId="2709"/>
-        </pc:sldMkLst>
-      </pc:sldChg>
-      <pc:sldChg chg="del">
-        <pc:chgData name="Xin Luo" userId="82312ee5779919a4" providerId="LiveId" clId="{7C35D78A-E8DF-394E-816A-D2222F18F092}" dt="2022-11-28T03:56:42.353" v="21" actId="2696"/>
-        <pc:sldMkLst>
-          <pc:docMk/>
-          <pc:sldMk cId="1259562490" sldId="2710"/>
-        </pc:sldMkLst>
-      </pc:sldChg>
-      <pc:sldChg chg="del">
-        <pc:chgData name="Xin Luo" userId="82312ee5779919a4" providerId="LiveId" clId="{7C35D78A-E8DF-394E-816A-D2222F18F092}" dt="2022-11-28T03:56:42.353" v="21" actId="2696"/>
-        <pc:sldMkLst>
-          <pc:docMk/>
-          <pc:sldMk cId="573676958" sldId="2711"/>
-        </pc:sldMkLst>
-      </pc:sldChg>
-      <pc:sldChg chg="del">
-        <pc:chgData name="Xin Luo" userId="82312ee5779919a4" providerId="LiveId" clId="{7C35D78A-E8DF-394E-816A-D2222F18F092}" dt="2022-11-28T03:56:33.667" v="19" actId="2696"/>
-        <pc:sldMkLst>
-          <pc:docMk/>
-          <pc:sldMk cId="2970267871" sldId="2712"/>
-        </pc:sldMkLst>
-      </pc:sldChg>
-      <pc:sldChg chg="del">
-        <pc:chgData name="Xin Luo" userId="82312ee5779919a4" providerId="LiveId" clId="{7C35D78A-E8DF-394E-816A-D2222F18F092}" dt="2022-11-28T03:56:42.353" v="21" actId="2696"/>
-        <pc:sldMkLst>
-          <pc:docMk/>
-          <pc:sldMk cId="4061658258" sldId="2713"/>
-        </pc:sldMkLst>
-      </pc:sldChg>
-      <pc:sldChg chg="del">
-        <pc:chgData name="Xin Luo" userId="82312ee5779919a4" providerId="LiveId" clId="{7C35D78A-E8DF-394E-816A-D2222F18F092}" dt="2022-11-28T03:56:17.803" v="18" actId="2696"/>
-        <pc:sldMkLst>
-          <pc:docMk/>
-          <pc:sldMk cId="2358282757" sldId="2714"/>
-        </pc:sldMkLst>
       </pc:sldChg>
     </pc:docChg>
   </pc:docChgLst>
@@ -6114,6 +6115,394 @@
     </pc:docChg>
   </pc:docChgLst>
   <pc:docChgLst>
+    <pc:chgData name="Xin Luo" userId="82312ee5779919a4" providerId="LiveId" clId="{7E27DD99-4F4E-6645-BF82-FA5D4C43E465}"/>
+    <pc:docChg chg="addSld delSld modSld">
+      <pc:chgData name="Xin Luo" userId="82312ee5779919a4" providerId="LiveId" clId="{7E27DD99-4F4E-6645-BF82-FA5D4C43E465}" dt="2023-02-28T08:11:57.338" v="1562" actId="20577"/>
+      <pc:docMkLst>
+        <pc:docMk/>
+      </pc:docMkLst>
+      <pc:sldChg chg="modSp mod">
+        <pc:chgData name="Xin Luo" userId="82312ee5779919a4" providerId="LiveId" clId="{7E27DD99-4F4E-6645-BF82-FA5D4C43E465}" dt="2023-02-28T06:46:04.416" v="128" actId="20577"/>
+        <pc:sldMkLst>
+          <pc:docMk/>
+          <pc:sldMk cId="1576120367" sldId="2387"/>
+        </pc:sldMkLst>
+        <pc:spChg chg="mod">
+          <ac:chgData name="Xin Luo" userId="82312ee5779919a4" providerId="LiveId" clId="{7E27DD99-4F4E-6645-BF82-FA5D4C43E465}" dt="2023-02-28T06:45:36.013" v="54" actId="20577"/>
+          <ac:spMkLst>
+            <pc:docMk/>
+            <pc:sldMk cId="1576120367" sldId="2387"/>
+            <ac:spMk id="5" creationId="{494DAA55-5621-28DB-D255-E0EBB6C6477B}"/>
+          </ac:spMkLst>
+        </pc:spChg>
+        <pc:spChg chg="mod">
+          <ac:chgData name="Xin Luo" userId="82312ee5779919a4" providerId="LiveId" clId="{7E27DD99-4F4E-6645-BF82-FA5D4C43E465}" dt="2023-02-28T06:46:04.416" v="128" actId="20577"/>
+          <ac:spMkLst>
+            <pc:docMk/>
+            <pc:sldMk cId="1576120367" sldId="2387"/>
+            <ac:spMk id="12" creationId="{00000000-0000-0000-0000-000000000000}"/>
+          </ac:spMkLst>
+        </pc:spChg>
+        <pc:spChg chg="mod">
+          <ac:chgData name="Xin Luo" userId="82312ee5779919a4" providerId="LiveId" clId="{7E27DD99-4F4E-6645-BF82-FA5D4C43E465}" dt="2023-02-28T06:45:47.988" v="83" actId="20577"/>
+          <ac:spMkLst>
+            <pc:docMk/>
+            <pc:sldMk cId="1576120367" sldId="2387"/>
+            <ac:spMk id="14" creationId="{00000000-0000-0000-0000-000000000000}"/>
+          </ac:spMkLst>
+        </pc:spChg>
+      </pc:sldChg>
+      <pc:sldChg chg="modSp mod">
+        <pc:chgData name="Xin Luo" userId="82312ee5779919a4" providerId="LiveId" clId="{7E27DD99-4F4E-6645-BF82-FA5D4C43E465}" dt="2023-02-28T06:50:56.667" v="169" actId="20577"/>
+        <pc:sldMkLst>
+          <pc:docMk/>
+          <pc:sldMk cId="2415901206" sldId="2447"/>
+        </pc:sldMkLst>
+        <pc:spChg chg="mod">
+          <ac:chgData name="Xin Luo" userId="82312ee5779919a4" providerId="LiveId" clId="{7E27DD99-4F4E-6645-BF82-FA5D4C43E465}" dt="2023-02-28T06:50:56.667" v="169" actId="20577"/>
+          <ac:spMkLst>
+            <pc:docMk/>
+            <pc:sldMk cId="2415901206" sldId="2447"/>
+            <ac:spMk id="7" creationId="{00000000-0000-0000-0000-000000000000}"/>
+          </ac:spMkLst>
+        </pc:spChg>
+      </pc:sldChg>
+      <pc:sldChg chg="modSp mod">
+        <pc:chgData name="Xin Luo" userId="82312ee5779919a4" providerId="LiveId" clId="{7E27DD99-4F4E-6645-BF82-FA5D4C43E465}" dt="2023-02-28T06:44:57.462" v="11" actId="20577"/>
+        <pc:sldMkLst>
+          <pc:docMk/>
+          <pc:sldMk cId="1658607177" sldId="2708"/>
+        </pc:sldMkLst>
+        <pc:spChg chg="mod">
+          <ac:chgData name="Xin Luo" userId="82312ee5779919a4" providerId="LiveId" clId="{7E27DD99-4F4E-6645-BF82-FA5D4C43E465}" dt="2023-02-28T06:44:57.462" v="11" actId="20577"/>
+          <ac:spMkLst>
+            <pc:docMk/>
+            <pc:sldMk cId="1658607177" sldId="2708"/>
+            <ac:spMk id="3" creationId="{E375549C-74EF-2C8F-6432-2C52B803FB1B}"/>
+          </ac:spMkLst>
+        </pc:spChg>
+        <pc:spChg chg="mod">
+          <ac:chgData name="Xin Luo" userId="82312ee5779919a4" providerId="LiveId" clId="{7E27DD99-4F4E-6645-BF82-FA5D4C43E465}" dt="2023-02-28T06:44:52.120" v="5" actId="20577"/>
+          <ac:spMkLst>
+            <pc:docMk/>
+            <pc:sldMk cId="1658607177" sldId="2708"/>
+            <ac:spMk id="24" creationId="{00000000-0000-0000-0000-000000000000}"/>
+          </ac:spMkLst>
+        </pc:spChg>
+      </pc:sldChg>
+      <pc:sldChg chg="modSp mod">
+        <pc:chgData name="Xin Luo" userId="82312ee5779919a4" providerId="LiveId" clId="{7E27DD99-4F4E-6645-BF82-FA5D4C43E465}" dt="2023-02-28T08:03:22.553" v="1208"/>
+        <pc:sldMkLst>
+          <pc:docMk/>
+          <pc:sldMk cId="1209572041" sldId="2722"/>
+        </pc:sldMkLst>
+        <pc:spChg chg="mod">
+          <ac:chgData name="Xin Luo" userId="82312ee5779919a4" providerId="LiveId" clId="{7E27DD99-4F4E-6645-BF82-FA5D4C43E465}" dt="2023-02-28T08:03:22.553" v="1208"/>
+          <ac:spMkLst>
+            <pc:docMk/>
+            <pc:sldMk cId="1209572041" sldId="2722"/>
+            <ac:spMk id="3" creationId="{00000000-0000-0000-0000-000000000000}"/>
+          </ac:spMkLst>
+        </pc:spChg>
+        <pc:spChg chg="mod">
+          <ac:chgData name="Xin Luo" userId="82312ee5779919a4" providerId="LiveId" clId="{7E27DD99-4F4E-6645-BF82-FA5D4C43E465}" dt="2023-02-28T06:56:25.479" v="261" actId="20577"/>
+          <ac:spMkLst>
+            <pc:docMk/>
+            <pc:sldMk cId="1209572041" sldId="2722"/>
+            <ac:spMk id="11" creationId="{53A7E693-8098-76C4-CD5D-47166ABEB164}"/>
+          </ac:spMkLst>
+        </pc:spChg>
+        <pc:spChg chg="mod">
+          <ac:chgData name="Xin Luo" userId="82312ee5779919a4" providerId="LiveId" clId="{7E27DD99-4F4E-6645-BF82-FA5D4C43E465}" dt="2023-02-28T06:56:43.690" v="271" actId="20577"/>
+          <ac:spMkLst>
+            <pc:docMk/>
+            <pc:sldMk cId="1209572041" sldId="2722"/>
+            <ac:spMk id="13" creationId="{303BC878-BC57-D350-27A3-F03AE48213AC}"/>
+          </ac:spMkLst>
+        </pc:spChg>
+      </pc:sldChg>
+      <pc:sldChg chg="modSp mod">
+        <pc:chgData name="Xin Luo" userId="82312ee5779919a4" providerId="LiveId" clId="{7E27DD99-4F4E-6645-BF82-FA5D4C43E465}" dt="2023-02-28T06:55:24.776" v="198" actId="20577"/>
+        <pc:sldMkLst>
+          <pc:docMk/>
+          <pc:sldMk cId="393940605" sldId="2742"/>
+        </pc:sldMkLst>
+        <pc:spChg chg="mod">
+          <ac:chgData name="Xin Luo" userId="82312ee5779919a4" providerId="LiveId" clId="{7E27DD99-4F4E-6645-BF82-FA5D4C43E465}" dt="2023-02-28T06:55:24.776" v="198" actId="20577"/>
+          <ac:spMkLst>
+            <pc:docMk/>
+            <pc:sldMk cId="393940605" sldId="2742"/>
+            <ac:spMk id="7" creationId="{00000000-0000-0000-0000-000000000000}"/>
+          </ac:spMkLst>
+        </pc:spChg>
+      </pc:sldChg>
+      <pc:sldChg chg="modSp mod">
+        <pc:chgData name="Xin Luo" userId="82312ee5779919a4" providerId="LiveId" clId="{7E27DD99-4F4E-6645-BF82-FA5D4C43E465}" dt="2023-02-28T06:56:03.305" v="251" actId="20577"/>
+        <pc:sldMkLst>
+          <pc:docMk/>
+          <pc:sldMk cId="3175231995" sldId="2743"/>
+        </pc:sldMkLst>
+        <pc:spChg chg="mod">
+          <ac:chgData name="Xin Luo" userId="82312ee5779919a4" providerId="LiveId" clId="{7E27DD99-4F4E-6645-BF82-FA5D4C43E465}" dt="2023-02-28T06:56:03.305" v="251" actId="20577"/>
+          <ac:spMkLst>
+            <pc:docMk/>
+            <pc:sldMk cId="3175231995" sldId="2743"/>
+            <ac:spMk id="7" creationId="{00000000-0000-0000-0000-000000000000}"/>
+          </ac:spMkLst>
+        </pc:spChg>
+      </pc:sldChg>
+      <pc:sldChg chg="del">
+        <pc:chgData name="Xin Luo" userId="82312ee5779919a4" providerId="LiveId" clId="{7E27DD99-4F4E-6645-BF82-FA5D4C43E465}" dt="2023-02-28T06:51:31.618" v="171" actId="2696"/>
+        <pc:sldMkLst>
+          <pc:docMk/>
+          <pc:sldMk cId="2038650065" sldId="2744"/>
+        </pc:sldMkLst>
+      </pc:sldChg>
+      <pc:sldChg chg="del">
+        <pc:chgData name="Xin Luo" userId="82312ee5779919a4" providerId="LiveId" clId="{7E27DD99-4F4E-6645-BF82-FA5D4C43E465}" dt="2023-02-28T06:56:11.918" v="252" actId="2696"/>
+        <pc:sldMkLst>
+          <pc:docMk/>
+          <pc:sldMk cId="2345376688" sldId="2745"/>
+        </pc:sldMkLst>
+      </pc:sldChg>
+      <pc:sldChg chg="del">
+        <pc:chgData name="Xin Luo" userId="82312ee5779919a4" providerId="LiveId" clId="{7E27DD99-4F4E-6645-BF82-FA5D4C43E465}" dt="2023-02-28T06:55:34.194" v="200" actId="2696"/>
+        <pc:sldMkLst>
+          <pc:docMk/>
+          <pc:sldMk cId="580867947" sldId="2747"/>
+        </pc:sldMkLst>
+      </pc:sldChg>
+      <pc:sldChg chg="del">
+        <pc:chgData name="Xin Luo" userId="82312ee5779919a4" providerId="LiveId" clId="{7E27DD99-4F4E-6645-BF82-FA5D4C43E465}" dt="2023-02-28T06:51:31.627" v="173" actId="2696"/>
+        <pc:sldMkLst>
+          <pc:docMk/>
+          <pc:sldMk cId="2245643700" sldId="2751"/>
+        </pc:sldMkLst>
+      </pc:sldChg>
+      <pc:sldChg chg="del">
+        <pc:chgData name="Xin Luo" userId="82312ee5779919a4" providerId="LiveId" clId="{7E27DD99-4F4E-6645-BF82-FA5D4C43E465}" dt="2023-02-28T06:55:34.211" v="201" actId="2696"/>
+        <pc:sldMkLst>
+          <pc:docMk/>
+          <pc:sldMk cId="3400956243" sldId="2752"/>
+        </pc:sldMkLst>
+      </pc:sldChg>
+      <pc:sldChg chg="del">
+        <pc:chgData name="Xin Luo" userId="82312ee5779919a4" providerId="LiveId" clId="{7E27DD99-4F4E-6645-BF82-FA5D4C43E465}" dt="2023-02-28T06:55:39.365" v="205" actId="2696"/>
+        <pc:sldMkLst>
+          <pc:docMk/>
+          <pc:sldMk cId="3929071932" sldId="2753"/>
+        </pc:sldMkLst>
+      </pc:sldChg>
+      <pc:sldChg chg="del">
+        <pc:chgData name="Xin Luo" userId="82312ee5779919a4" providerId="LiveId" clId="{7E27DD99-4F4E-6645-BF82-FA5D4C43E465}" dt="2023-02-28T06:55:34.180" v="199" actId="2696"/>
+        <pc:sldMkLst>
+          <pc:docMk/>
+          <pc:sldMk cId="1157508697" sldId="2757"/>
+        </pc:sldMkLst>
+      </pc:sldChg>
+      <pc:sldChg chg="del">
+        <pc:chgData name="Xin Luo" userId="82312ee5779919a4" providerId="LiveId" clId="{7E27DD99-4F4E-6645-BF82-FA5D4C43E465}" dt="2023-02-28T06:55:34.219" v="202" actId="2696"/>
+        <pc:sldMkLst>
+          <pc:docMk/>
+          <pc:sldMk cId="4211155851" sldId="2758"/>
+        </pc:sldMkLst>
+      </pc:sldChg>
+      <pc:sldChg chg="del">
+        <pc:chgData name="Xin Luo" userId="82312ee5779919a4" providerId="LiveId" clId="{7E27DD99-4F4E-6645-BF82-FA5D4C43E465}" dt="2023-02-28T06:55:39.373" v="207" actId="2696"/>
+        <pc:sldMkLst>
+          <pc:docMk/>
+          <pc:sldMk cId="3818021166" sldId="2760"/>
+        </pc:sldMkLst>
+      </pc:sldChg>
+      <pc:sldChg chg="del">
+        <pc:chgData name="Xin Luo" userId="82312ee5779919a4" providerId="LiveId" clId="{7E27DD99-4F4E-6645-BF82-FA5D4C43E465}" dt="2023-02-28T06:56:11.931" v="253" actId="2696"/>
+        <pc:sldMkLst>
+          <pc:docMk/>
+          <pc:sldMk cId="97719364" sldId="2761"/>
+        </pc:sldMkLst>
+      </pc:sldChg>
+      <pc:sldChg chg="modSp mod">
+        <pc:chgData name="Xin Luo" userId="82312ee5779919a4" providerId="LiveId" clId="{7E27DD99-4F4E-6645-BF82-FA5D4C43E465}" dt="2023-02-28T08:03:17.330" v="1207" actId="20577"/>
+        <pc:sldMkLst>
+          <pc:docMk/>
+          <pc:sldMk cId="2861954436" sldId="2762"/>
+        </pc:sldMkLst>
+        <pc:spChg chg="mod">
+          <ac:chgData name="Xin Luo" userId="82312ee5779919a4" providerId="LiveId" clId="{7E27DD99-4F4E-6645-BF82-FA5D4C43E465}" dt="2023-02-28T08:03:17.330" v="1207" actId="20577"/>
+          <ac:spMkLst>
+            <pc:docMk/>
+            <pc:sldMk cId="2861954436" sldId="2762"/>
+            <ac:spMk id="3" creationId="{00000000-0000-0000-0000-000000000000}"/>
+          </ac:spMkLst>
+        </pc:spChg>
+      </pc:sldChg>
+      <pc:sldChg chg="del">
+        <pc:chgData name="Xin Luo" userId="82312ee5779919a4" providerId="LiveId" clId="{7E27DD99-4F4E-6645-BF82-FA5D4C43E465}" dt="2023-02-28T06:55:39.367" v="206" actId="2696"/>
+        <pc:sldMkLst>
+          <pc:docMk/>
+          <pc:sldMk cId="3373327641" sldId="2763"/>
+        </pc:sldMkLst>
+      </pc:sldChg>
+      <pc:sldChg chg="del">
+        <pc:chgData name="Xin Luo" userId="82312ee5779919a4" providerId="LiveId" clId="{7E27DD99-4F4E-6645-BF82-FA5D4C43E465}" dt="2023-02-28T06:55:39.363" v="204" actId="2696"/>
+        <pc:sldMkLst>
+          <pc:docMk/>
+          <pc:sldMk cId="2047512068" sldId="2764"/>
+        </pc:sldMkLst>
+      </pc:sldChg>
+      <pc:sldChg chg="del">
+        <pc:chgData name="Xin Luo" userId="82312ee5779919a4" providerId="LiveId" clId="{7E27DD99-4F4E-6645-BF82-FA5D4C43E465}" dt="2023-02-28T06:51:31.620" v="172" actId="2696"/>
+        <pc:sldMkLst>
+          <pc:docMk/>
+          <pc:sldMk cId="70654754" sldId="2765"/>
+        </pc:sldMkLst>
+      </pc:sldChg>
+      <pc:sldChg chg="del">
+        <pc:chgData name="Xin Luo" userId="82312ee5779919a4" providerId="LiveId" clId="{7E27DD99-4F4E-6645-BF82-FA5D4C43E465}" dt="2023-02-28T06:55:39.361" v="203" actId="2696"/>
+        <pc:sldMkLst>
+          <pc:docMk/>
+          <pc:sldMk cId="1482309087" sldId="2766"/>
+        </pc:sldMkLst>
+      </pc:sldChg>
+      <pc:sldChg chg="modSp add mod">
+        <pc:chgData name="Xin Luo" userId="82312ee5779919a4" providerId="LiveId" clId="{7E27DD99-4F4E-6645-BF82-FA5D4C43E465}" dt="2023-02-28T06:58:21.474" v="337" actId="20577"/>
+        <pc:sldMkLst>
+          <pc:docMk/>
+          <pc:sldMk cId="1803588456" sldId="2767"/>
+        </pc:sldMkLst>
+        <pc:spChg chg="mod">
+          <ac:chgData name="Xin Luo" userId="82312ee5779919a4" providerId="LiveId" clId="{7E27DD99-4F4E-6645-BF82-FA5D4C43E465}" dt="2023-02-28T06:58:21.474" v="337" actId="20577"/>
+          <ac:spMkLst>
+            <pc:docMk/>
+            <pc:sldMk cId="1803588456" sldId="2767"/>
+            <ac:spMk id="3" creationId="{00000000-0000-0000-0000-000000000000}"/>
+          </ac:spMkLst>
+        </pc:spChg>
+      </pc:sldChg>
+      <pc:sldChg chg="modSp add del mod">
+        <pc:chgData name="Xin Luo" userId="82312ee5779919a4" providerId="LiveId" clId="{7E27DD99-4F4E-6645-BF82-FA5D4C43E465}" dt="2023-02-28T08:07:10.825" v="1300" actId="2696"/>
+        <pc:sldMkLst>
+          <pc:docMk/>
+          <pc:sldMk cId="1146943619" sldId="2768"/>
+        </pc:sldMkLst>
+        <pc:spChg chg="mod">
+          <ac:chgData name="Xin Luo" userId="82312ee5779919a4" providerId="LiveId" clId="{7E27DD99-4F4E-6645-BF82-FA5D4C43E465}" dt="2023-02-28T08:02:41.684" v="1163"/>
+          <ac:spMkLst>
+            <pc:docMk/>
+            <pc:sldMk cId="1146943619" sldId="2768"/>
+            <ac:spMk id="3" creationId="{00000000-0000-0000-0000-000000000000}"/>
+          </ac:spMkLst>
+        </pc:spChg>
+      </pc:sldChg>
+      <pc:sldChg chg="add">
+        <pc:chgData name="Xin Luo" userId="82312ee5779919a4" providerId="LiveId" clId="{7E27DD99-4F4E-6645-BF82-FA5D4C43E465}" dt="2023-02-28T08:07:13.504" v="1301"/>
+        <pc:sldMkLst>
+          <pc:docMk/>
+          <pc:sldMk cId="1345125462" sldId="2768"/>
+        </pc:sldMkLst>
+      </pc:sldChg>
+      <pc:sldChg chg="add">
+        <pc:chgData name="Xin Luo" userId="82312ee5779919a4" providerId="LiveId" clId="{7E27DD99-4F4E-6645-BF82-FA5D4C43E465}" dt="2023-02-28T08:07:04.848" v="1299"/>
+        <pc:sldMkLst>
+          <pc:docMk/>
+          <pc:sldMk cId="904694265" sldId="2769"/>
+        </pc:sldMkLst>
+      </pc:sldChg>
+      <pc:sldChg chg="modSp add del mod">
+        <pc:chgData name="Xin Luo" userId="82312ee5779919a4" providerId="LiveId" clId="{7E27DD99-4F4E-6645-BF82-FA5D4C43E465}" dt="2023-02-28T08:07:01.654" v="1298" actId="2696"/>
+        <pc:sldMkLst>
+          <pc:docMk/>
+          <pc:sldMk cId="1917768729" sldId="2769"/>
+        </pc:sldMkLst>
+        <pc:spChg chg="mod">
+          <ac:chgData name="Xin Luo" userId="82312ee5779919a4" providerId="LiveId" clId="{7E27DD99-4F4E-6645-BF82-FA5D4C43E465}" dt="2023-02-28T08:02:45.317" v="1164"/>
+          <ac:spMkLst>
+            <pc:docMk/>
+            <pc:sldMk cId="1917768729" sldId="2769"/>
+            <ac:spMk id="3" creationId="{00000000-0000-0000-0000-000000000000}"/>
+          </ac:spMkLst>
+        </pc:spChg>
+      </pc:sldChg>
+      <pc:sldChg chg="modSp add mod">
+        <pc:chgData name="Xin Luo" userId="82312ee5779919a4" providerId="LiveId" clId="{7E27DD99-4F4E-6645-BF82-FA5D4C43E465}" dt="2023-02-28T08:11:57.338" v="1562" actId="20577"/>
+        <pc:sldMkLst>
+          <pc:docMk/>
+          <pc:sldMk cId="660500533" sldId="2770"/>
+        </pc:sldMkLst>
+        <pc:spChg chg="mod">
+          <ac:chgData name="Xin Luo" userId="82312ee5779919a4" providerId="LiveId" clId="{7E27DD99-4F4E-6645-BF82-FA5D4C43E465}" dt="2023-02-28T06:57:51.684" v="296" actId="20577"/>
+          <ac:spMkLst>
+            <pc:docMk/>
+            <pc:sldMk cId="660500533" sldId="2770"/>
+            <ac:spMk id="11" creationId="{53A7E693-8098-76C4-CD5D-47166ABEB164}"/>
+          </ac:spMkLst>
+        </pc:spChg>
+        <pc:spChg chg="mod">
+          <ac:chgData name="Xin Luo" userId="82312ee5779919a4" providerId="LiveId" clId="{7E27DD99-4F4E-6645-BF82-FA5D4C43E465}" dt="2023-02-28T08:11:57.338" v="1562" actId="20577"/>
+          <ac:spMkLst>
+            <pc:docMk/>
+            <pc:sldMk cId="660500533" sldId="2770"/>
+            <ac:spMk id="13" creationId="{303BC878-BC57-D350-27A3-F03AE48213AC}"/>
+          </ac:spMkLst>
+        </pc:spChg>
+      </pc:sldChg>
+      <pc:sldChg chg="modSp add mod">
+        <pc:chgData name="Xin Luo" userId="82312ee5779919a4" providerId="LiveId" clId="{7E27DD99-4F4E-6645-BF82-FA5D4C43E465}" dt="2023-02-28T08:09:14.737" v="1332" actId="20577"/>
+        <pc:sldMkLst>
+          <pc:docMk/>
+          <pc:sldMk cId="3307103198" sldId="2771"/>
+        </pc:sldMkLst>
+        <pc:spChg chg="mod">
+          <ac:chgData name="Xin Luo" userId="82312ee5779919a4" providerId="LiveId" clId="{7E27DD99-4F4E-6645-BF82-FA5D4C43E465}" dt="2023-02-28T08:03:02.695" v="1202" actId="20577"/>
+          <ac:spMkLst>
+            <pc:docMk/>
+            <pc:sldMk cId="3307103198" sldId="2771"/>
+            <ac:spMk id="3" creationId="{00000000-0000-0000-0000-000000000000}"/>
+          </ac:spMkLst>
+        </pc:spChg>
+        <pc:spChg chg="mod">
+          <ac:chgData name="Xin Luo" userId="82312ee5779919a4" providerId="LiveId" clId="{7E27DD99-4F4E-6645-BF82-FA5D4C43E465}" dt="2023-02-28T08:09:14.737" v="1332" actId="20577"/>
+          <ac:spMkLst>
+            <pc:docMk/>
+            <pc:sldMk cId="3307103198" sldId="2771"/>
+            <ac:spMk id="13" creationId="{303BC878-BC57-D350-27A3-F03AE48213AC}"/>
+          </ac:spMkLst>
+        </pc:spChg>
+      </pc:sldChg>
+      <pc:sldChg chg="modSp add mod">
+        <pc:chgData name="Xin Luo" userId="82312ee5779919a4" providerId="LiveId" clId="{7E27DD99-4F4E-6645-BF82-FA5D4C43E465}" dt="2023-02-28T08:03:26.319" v="1209"/>
+        <pc:sldMkLst>
+          <pc:docMk/>
+          <pc:sldMk cId="1508480209" sldId="2772"/>
+        </pc:sldMkLst>
+        <pc:spChg chg="mod">
+          <ac:chgData name="Xin Luo" userId="82312ee5779919a4" providerId="LiveId" clId="{7E27DD99-4F4E-6645-BF82-FA5D4C43E465}" dt="2023-02-28T08:03:26.319" v="1209"/>
+          <ac:spMkLst>
+            <pc:docMk/>
+            <pc:sldMk cId="1508480209" sldId="2772"/>
+            <ac:spMk id="3" creationId="{00000000-0000-0000-0000-000000000000}"/>
+          </ac:spMkLst>
+        </pc:spChg>
+        <pc:spChg chg="mod">
+          <ac:chgData name="Xin Luo" userId="82312ee5779919a4" providerId="LiveId" clId="{7E27DD99-4F4E-6645-BF82-FA5D4C43E465}" dt="2023-02-28T07:01:15.127" v="600" actId="20577"/>
+          <ac:spMkLst>
+            <pc:docMk/>
+            <pc:sldMk cId="1508480209" sldId="2772"/>
+            <ac:spMk id="11" creationId="{53A7E693-8098-76C4-CD5D-47166ABEB164}"/>
+          </ac:spMkLst>
+        </pc:spChg>
+        <pc:spChg chg="mod">
+          <ac:chgData name="Xin Luo" userId="82312ee5779919a4" providerId="LiveId" clId="{7E27DD99-4F4E-6645-BF82-FA5D4C43E465}" dt="2023-02-28T07:06:54.786" v="1060" actId="20577"/>
+          <ac:spMkLst>
+            <pc:docMk/>
+            <pc:sldMk cId="1508480209" sldId="2772"/>
+            <ac:spMk id="13" creationId="{303BC878-BC57-D350-27A3-F03AE48213AC}"/>
+          </ac:spMkLst>
+        </pc:spChg>
+      </pc:sldChg>
+    </pc:docChg>
+  </pc:docChgLst>
+  <pc:docChgLst>
     <pc:chgData name="Xin Luo" userId="82312ee5779919a4" providerId="LiveId" clId="{82BFAA31-791A-9843-976C-3AAFAA5AC07D}"/>
     <pc:docChg chg="undo custSel addSld delSld modSld">
       <pc:chgData name="Xin Luo" userId="82312ee5779919a4" providerId="LiveId" clId="{82BFAA31-791A-9843-976C-3AAFAA5AC07D}" dt="2023-02-24T13:20:14.840" v="2906" actId="404"/>
@@ -6388,394 +6777,6 @@
             <pc:docMk/>
             <pc:sldMk cId="2476237792" sldId="2741"/>
             <ac:spMk id="6" creationId="{6741FEA2-C046-FD82-2800-2CB513792080}"/>
-          </ac:spMkLst>
-        </pc:spChg>
-      </pc:sldChg>
-    </pc:docChg>
-  </pc:docChgLst>
-  <pc:docChgLst>
-    <pc:chgData name="Xin Luo" userId="82312ee5779919a4" providerId="LiveId" clId="{7E27DD99-4F4E-6645-BF82-FA5D4C43E465}"/>
-    <pc:docChg chg="addSld delSld modSld">
-      <pc:chgData name="Xin Luo" userId="82312ee5779919a4" providerId="LiveId" clId="{7E27DD99-4F4E-6645-BF82-FA5D4C43E465}" dt="2023-02-28T08:11:57.338" v="1562" actId="20577"/>
-      <pc:docMkLst>
-        <pc:docMk/>
-      </pc:docMkLst>
-      <pc:sldChg chg="modSp mod">
-        <pc:chgData name="Xin Luo" userId="82312ee5779919a4" providerId="LiveId" clId="{7E27DD99-4F4E-6645-BF82-FA5D4C43E465}" dt="2023-02-28T06:46:04.416" v="128" actId="20577"/>
-        <pc:sldMkLst>
-          <pc:docMk/>
-          <pc:sldMk cId="1576120367" sldId="2387"/>
-        </pc:sldMkLst>
-        <pc:spChg chg="mod">
-          <ac:chgData name="Xin Luo" userId="82312ee5779919a4" providerId="LiveId" clId="{7E27DD99-4F4E-6645-BF82-FA5D4C43E465}" dt="2023-02-28T06:45:36.013" v="54" actId="20577"/>
-          <ac:spMkLst>
-            <pc:docMk/>
-            <pc:sldMk cId="1576120367" sldId="2387"/>
-            <ac:spMk id="5" creationId="{494DAA55-5621-28DB-D255-E0EBB6C6477B}"/>
-          </ac:spMkLst>
-        </pc:spChg>
-        <pc:spChg chg="mod">
-          <ac:chgData name="Xin Luo" userId="82312ee5779919a4" providerId="LiveId" clId="{7E27DD99-4F4E-6645-BF82-FA5D4C43E465}" dt="2023-02-28T06:46:04.416" v="128" actId="20577"/>
-          <ac:spMkLst>
-            <pc:docMk/>
-            <pc:sldMk cId="1576120367" sldId="2387"/>
-            <ac:spMk id="12" creationId="{00000000-0000-0000-0000-000000000000}"/>
-          </ac:spMkLst>
-        </pc:spChg>
-        <pc:spChg chg="mod">
-          <ac:chgData name="Xin Luo" userId="82312ee5779919a4" providerId="LiveId" clId="{7E27DD99-4F4E-6645-BF82-FA5D4C43E465}" dt="2023-02-28T06:45:47.988" v="83" actId="20577"/>
-          <ac:spMkLst>
-            <pc:docMk/>
-            <pc:sldMk cId="1576120367" sldId="2387"/>
-            <ac:spMk id="14" creationId="{00000000-0000-0000-0000-000000000000}"/>
-          </ac:spMkLst>
-        </pc:spChg>
-      </pc:sldChg>
-      <pc:sldChg chg="modSp mod">
-        <pc:chgData name="Xin Luo" userId="82312ee5779919a4" providerId="LiveId" clId="{7E27DD99-4F4E-6645-BF82-FA5D4C43E465}" dt="2023-02-28T06:50:56.667" v="169" actId="20577"/>
-        <pc:sldMkLst>
-          <pc:docMk/>
-          <pc:sldMk cId="2415901206" sldId="2447"/>
-        </pc:sldMkLst>
-        <pc:spChg chg="mod">
-          <ac:chgData name="Xin Luo" userId="82312ee5779919a4" providerId="LiveId" clId="{7E27DD99-4F4E-6645-BF82-FA5D4C43E465}" dt="2023-02-28T06:50:56.667" v="169" actId="20577"/>
-          <ac:spMkLst>
-            <pc:docMk/>
-            <pc:sldMk cId="2415901206" sldId="2447"/>
-            <ac:spMk id="7" creationId="{00000000-0000-0000-0000-000000000000}"/>
-          </ac:spMkLst>
-        </pc:spChg>
-      </pc:sldChg>
-      <pc:sldChg chg="modSp mod">
-        <pc:chgData name="Xin Luo" userId="82312ee5779919a4" providerId="LiveId" clId="{7E27DD99-4F4E-6645-BF82-FA5D4C43E465}" dt="2023-02-28T06:44:57.462" v="11" actId="20577"/>
-        <pc:sldMkLst>
-          <pc:docMk/>
-          <pc:sldMk cId="1658607177" sldId="2708"/>
-        </pc:sldMkLst>
-        <pc:spChg chg="mod">
-          <ac:chgData name="Xin Luo" userId="82312ee5779919a4" providerId="LiveId" clId="{7E27DD99-4F4E-6645-BF82-FA5D4C43E465}" dt="2023-02-28T06:44:57.462" v="11" actId="20577"/>
-          <ac:spMkLst>
-            <pc:docMk/>
-            <pc:sldMk cId="1658607177" sldId="2708"/>
-            <ac:spMk id="3" creationId="{E375549C-74EF-2C8F-6432-2C52B803FB1B}"/>
-          </ac:spMkLst>
-        </pc:spChg>
-        <pc:spChg chg="mod">
-          <ac:chgData name="Xin Luo" userId="82312ee5779919a4" providerId="LiveId" clId="{7E27DD99-4F4E-6645-BF82-FA5D4C43E465}" dt="2023-02-28T06:44:52.120" v="5" actId="20577"/>
-          <ac:spMkLst>
-            <pc:docMk/>
-            <pc:sldMk cId="1658607177" sldId="2708"/>
-            <ac:spMk id="24" creationId="{00000000-0000-0000-0000-000000000000}"/>
-          </ac:spMkLst>
-        </pc:spChg>
-      </pc:sldChg>
-      <pc:sldChg chg="modSp mod">
-        <pc:chgData name="Xin Luo" userId="82312ee5779919a4" providerId="LiveId" clId="{7E27DD99-4F4E-6645-BF82-FA5D4C43E465}" dt="2023-02-28T08:03:22.553" v="1208"/>
-        <pc:sldMkLst>
-          <pc:docMk/>
-          <pc:sldMk cId="1209572041" sldId="2722"/>
-        </pc:sldMkLst>
-        <pc:spChg chg="mod">
-          <ac:chgData name="Xin Luo" userId="82312ee5779919a4" providerId="LiveId" clId="{7E27DD99-4F4E-6645-BF82-FA5D4C43E465}" dt="2023-02-28T08:03:22.553" v="1208"/>
-          <ac:spMkLst>
-            <pc:docMk/>
-            <pc:sldMk cId="1209572041" sldId="2722"/>
-            <ac:spMk id="3" creationId="{00000000-0000-0000-0000-000000000000}"/>
-          </ac:spMkLst>
-        </pc:spChg>
-        <pc:spChg chg="mod">
-          <ac:chgData name="Xin Luo" userId="82312ee5779919a4" providerId="LiveId" clId="{7E27DD99-4F4E-6645-BF82-FA5D4C43E465}" dt="2023-02-28T06:56:25.479" v="261" actId="20577"/>
-          <ac:spMkLst>
-            <pc:docMk/>
-            <pc:sldMk cId="1209572041" sldId="2722"/>
-            <ac:spMk id="11" creationId="{53A7E693-8098-76C4-CD5D-47166ABEB164}"/>
-          </ac:spMkLst>
-        </pc:spChg>
-        <pc:spChg chg="mod">
-          <ac:chgData name="Xin Luo" userId="82312ee5779919a4" providerId="LiveId" clId="{7E27DD99-4F4E-6645-BF82-FA5D4C43E465}" dt="2023-02-28T06:56:43.690" v="271" actId="20577"/>
-          <ac:spMkLst>
-            <pc:docMk/>
-            <pc:sldMk cId="1209572041" sldId="2722"/>
-            <ac:spMk id="13" creationId="{303BC878-BC57-D350-27A3-F03AE48213AC}"/>
-          </ac:spMkLst>
-        </pc:spChg>
-      </pc:sldChg>
-      <pc:sldChg chg="modSp mod">
-        <pc:chgData name="Xin Luo" userId="82312ee5779919a4" providerId="LiveId" clId="{7E27DD99-4F4E-6645-BF82-FA5D4C43E465}" dt="2023-02-28T06:55:24.776" v="198" actId="20577"/>
-        <pc:sldMkLst>
-          <pc:docMk/>
-          <pc:sldMk cId="393940605" sldId="2742"/>
-        </pc:sldMkLst>
-        <pc:spChg chg="mod">
-          <ac:chgData name="Xin Luo" userId="82312ee5779919a4" providerId="LiveId" clId="{7E27DD99-4F4E-6645-BF82-FA5D4C43E465}" dt="2023-02-28T06:55:24.776" v="198" actId="20577"/>
-          <ac:spMkLst>
-            <pc:docMk/>
-            <pc:sldMk cId="393940605" sldId="2742"/>
-            <ac:spMk id="7" creationId="{00000000-0000-0000-0000-000000000000}"/>
-          </ac:spMkLst>
-        </pc:spChg>
-      </pc:sldChg>
-      <pc:sldChg chg="modSp mod">
-        <pc:chgData name="Xin Luo" userId="82312ee5779919a4" providerId="LiveId" clId="{7E27DD99-4F4E-6645-BF82-FA5D4C43E465}" dt="2023-02-28T06:56:03.305" v="251" actId="20577"/>
-        <pc:sldMkLst>
-          <pc:docMk/>
-          <pc:sldMk cId="3175231995" sldId="2743"/>
-        </pc:sldMkLst>
-        <pc:spChg chg="mod">
-          <ac:chgData name="Xin Luo" userId="82312ee5779919a4" providerId="LiveId" clId="{7E27DD99-4F4E-6645-BF82-FA5D4C43E465}" dt="2023-02-28T06:56:03.305" v="251" actId="20577"/>
-          <ac:spMkLst>
-            <pc:docMk/>
-            <pc:sldMk cId="3175231995" sldId="2743"/>
-            <ac:spMk id="7" creationId="{00000000-0000-0000-0000-000000000000}"/>
-          </ac:spMkLst>
-        </pc:spChg>
-      </pc:sldChg>
-      <pc:sldChg chg="del">
-        <pc:chgData name="Xin Luo" userId="82312ee5779919a4" providerId="LiveId" clId="{7E27DD99-4F4E-6645-BF82-FA5D4C43E465}" dt="2023-02-28T06:51:31.618" v="171" actId="2696"/>
-        <pc:sldMkLst>
-          <pc:docMk/>
-          <pc:sldMk cId="2038650065" sldId="2744"/>
-        </pc:sldMkLst>
-      </pc:sldChg>
-      <pc:sldChg chg="del">
-        <pc:chgData name="Xin Luo" userId="82312ee5779919a4" providerId="LiveId" clId="{7E27DD99-4F4E-6645-BF82-FA5D4C43E465}" dt="2023-02-28T06:56:11.918" v="252" actId="2696"/>
-        <pc:sldMkLst>
-          <pc:docMk/>
-          <pc:sldMk cId="2345376688" sldId="2745"/>
-        </pc:sldMkLst>
-      </pc:sldChg>
-      <pc:sldChg chg="del">
-        <pc:chgData name="Xin Luo" userId="82312ee5779919a4" providerId="LiveId" clId="{7E27DD99-4F4E-6645-BF82-FA5D4C43E465}" dt="2023-02-28T06:55:34.194" v="200" actId="2696"/>
-        <pc:sldMkLst>
-          <pc:docMk/>
-          <pc:sldMk cId="580867947" sldId="2747"/>
-        </pc:sldMkLst>
-      </pc:sldChg>
-      <pc:sldChg chg="del">
-        <pc:chgData name="Xin Luo" userId="82312ee5779919a4" providerId="LiveId" clId="{7E27DD99-4F4E-6645-BF82-FA5D4C43E465}" dt="2023-02-28T06:51:31.627" v="173" actId="2696"/>
-        <pc:sldMkLst>
-          <pc:docMk/>
-          <pc:sldMk cId="2245643700" sldId="2751"/>
-        </pc:sldMkLst>
-      </pc:sldChg>
-      <pc:sldChg chg="del">
-        <pc:chgData name="Xin Luo" userId="82312ee5779919a4" providerId="LiveId" clId="{7E27DD99-4F4E-6645-BF82-FA5D4C43E465}" dt="2023-02-28T06:55:34.211" v="201" actId="2696"/>
-        <pc:sldMkLst>
-          <pc:docMk/>
-          <pc:sldMk cId="3400956243" sldId="2752"/>
-        </pc:sldMkLst>
-      </pc:sldChg>
-      <pc:sldChg chg="del">
-        <pc:chgData name="Xin Luo" userId="82312ee5779919a4" providerId="LiveId" clId="{7E27DD99-4F4E-6645-BF82-FA5D4C43E465}" dt="2023-02-28T06:55:39.365" v="205" actId="2696"/>
-        <pc:sldMkLst>
-          <pc:docMk/>
-          <pc:sldMk cId="3929071932" sldId="2753"/>
-        </pc:sldMkLst>
-      </pc:sldChg>
-      <pc:sldChg chg="del">
-        <pc:chgData name="Xin Luo" userId="82312ee5779919a4" providerId="LiveId" clId="{7E27DD99-4F4E-6645-BF82-FA5D4C43E465}" dt="2023-02-28T06:55:34.180" v="199" actId="2696"/>
-        <pc:sldMkLst>
-          <pc:docMk/>
-          <pc:sldMk cId="1157508697" sldId="2757"/>
-        </pc:sldMkLst>
-      </pc:sldChg>
-      <pc:sldChg chg="del">
-        <pc:chgData name="Xin Luo" userId="82312ee5779919a4" providerId="LiveId" clId="{7E27DD99-4F4E-6645-BF82-FA5D4C43E465}" dt="2023-02-28T06:55:34.219" v="202" actId="2696"/>
-        <pc:sldMkLst>
-          <pc:docMk/>
-          <pc:sldMk cId="4211155851" sldId="2758"/>
-        </pc:sldMkLst>
-      </pc:sldChg>
-      <pc:sldChg chg="del">
-        <pc:chgData name="Xin Luo" userId="82312ee5779919a4" providerId="LiveId" clId="{7E27DD99-4F4E-6645-BF82-FA5D4C43E465}" dt="2023-02-28T06:55:39.373" v="207" actId="2696"/>
-        <pc:sldMkLst>
-          <pc:docMk/>
-          <pc:sldMk cId="3818021166" sldId="2760"/>
-        </pc:sldMkLst>
-      </pc:sldChg>
-      <pc:sldChg chg="del">
-        <pc:chgData name="Xin Luo" userId="82312ee5779919a4" providerId="LiveId" clId="{7E27DD99-4F4E-6645-BF82-FA5D4C43E465}" dt="2023-02-28T06:56:11.931" v="253" actId="2696"/>
-        <pc:sldMkLst>
-          <pc:docMk/>
-          <pc:sldMk cId="97719364" sldId="2761"/>
-        </pc:sldMkLst>
-      </pc:sldChg>
-      <pc:sldChg chg="modSp mod">
-        <pc:chgData name="Xin Luo" userId="82312ee5779919a4" providerId="LiveId" clId="{7E27DD99-4F4E-6645-BF82-FA5D4C43E465}" dt="2023-02-28T08:03:17.330" v="1207" actId="20577"/>
-        <pc:sldMkLst>
-          <pc:docMk/>
-          <pc:sldMk cId="2861954436" sldId="2762"/>
-        </pc:sldMkLst>
-        <pc:spChg chg="mod">
-          <ac:chgData name="Xin Luo" userId="82312ee5779919a4" providerId="LiveId" clId="{7E27DD99-4F4E-6645-BF82-FA5D4C43E465}" dt="2023-02-28T08:03:17.330" v="1207" actId="20577"/>
-          <ac:spMkLst>
-            <pc:docMk/>
-            <pc:sldMk cId="2861954436" sldId="2762"/>
-            <ac:spMk id="3" creationId="{00000000-0000-0000-0000-000000000000}"/>
-          </ac:spMkLst>
-        </pc:spChg>
-      </pc:sldChg>
-      <pc:sldChg chg="del">
-        <pc:chgData name="Xin Luo" userId="82312ee5779919a4" providerId="LiveId" clId="{7E27DD99-4F4E-6645-BF82-FA5D4C43E465}" dt="2023-02-28T06:55:39.367" v="206" actId="2696"/>
-        <pc:sldMkLst>
-          <pc:docMk/>
-          <pc:sldMk cId="3373327641" sldId="2763"/>
-        </pc:sldMkLst>
-      </pc:sldChg>
-      <pc:sldChg chg="del">
-        <pc:chgData name="Xin Luo" userId="82312ee5779919a4" providerId="LiveId" clId="{7E27DD99-4F4E-6645-BF82-FA5D4C43E465}" dt="2023-02-28T06:55:39.363" v="204" actId="2696"/>
-        <pc:sldMkLst>
-          <pc:docMk/>
-          <pc:sldMk cId="2047512068" sldId="2764"/>
-        </pc:sldMkLst>
-      </pc:sldChg>
-      <pc:sldChg chg="del">
-        <pc:chgData name="Xin Luo" userId="82312ee5779919a4" providerId="LiveId" clId="{7E27DD99-4F4E-6645-BF82-FA5D4C43E465}" dt="2023-02-28T06:51:31.620" v="172" actId="2696"/>
-        <pc:sldMkLst>
-          <pc:docMk/>
-          <pc:sldMk cId="70654754" sldId="2765"/>
-        </pc:sldMkLst>
-      </pc:sldChg>
-      <pc:sldChg chg="del">
-        <pc:chgData name="Xin Luo" userId="82312ee5779919a4" providerId="LiveId" clId="{7E27DD99-4F4E-6645-BF82-FA5D4C43E465}" dt="2023-02-28T06:55:39.361" v="203" actId="2696"/>
-        <pc:sldMkLst>
-          <pc:docMk/>
-          <pc:sldMk cId="1482309087" sldId="2766"/>
-        </pc:sldMkLst>
-      </pc:sldChg>
-      <pc:sldChg chg="modSp add mod">
-        <pc:chgData name="Xin Luo" userId="82312ee5779919a4" providerId="LiveId" clId="{7E27DD99-4F4E-6645-BF82-FA5D4C43E465}" dt="2023-02-28T06:58:21.474" v="337" actId="20577"/>
-        <pc:sldMkLst>
-          <pc:docMk/>
-          <pc:sldMk cId="1803588456" sldId="2767"/>
-        </pc:sldMkLst>
-        <pc:spChg chg="mod">
-          <ac:chgData name="Xin Luo" userId="82312ee5779919a4" providerId="LiveId" clId="{7E27DD99-4F4E-6645-BF82-FA5D4C43E465}" dt="2023-02-28T06:58:21.474" v="337" actId="20577"/>
-          <ac:spMkLst>
-            <pc:docMk/>
-            <pc:sldMk cId="1803588456" sldId="2767"/>
-            <ac:spMk id="3" creationId="{00000000-0000-0000-0000-000000000000}"/>
-          </ac:spMkLst>
-        </pc:spChg>
-      </pc:sldChg>
-      <pc:sldChg chg="modSp add del mod">
-        <pc:chgData name="Xin Luo" userId="82312ee5779919a4" providerId="LiveId" clId="{7E27DD99-4F4E-6645-BF82-FA5D4C43E465}" dt="2023-02-28T08:07:10.825" v="1300" actId="2696"/>
-        <pc:sldMkLst>
-          <pc:docMk/>
-          <pc:sldMk cId="1146943619" sldId="2768"/>
-        </pc:sldMkLst>
-        <pc:spChg chg="mod">
-          <ac:chgData name="Xin Luo" userId="82312ee5779919a4" providerId="LiveId" clId="{7E27DD99-4F4E-6645-BF82-FA5D4C43E465}" dt="2023-02-28T08:02:41.684" v="1163"/>
-          <ac:spMkLst>
-            <pc:docMk/>
-            <pc:sldMk cId="1146943619" sldId="2768"/>
-            <ac:spMk id="3" creationId="{00000000-0000-0000-0000-000000000000}"/>
-          </ac:spMkLst>
-        </pc:spChg>
-      </pc:sldChg>
-      <pc:sldChg chg="add">
-        <pc:chgData name="Xin Luo" userId="82312ee5779919a4" providerId="LiveId" clId="{7E27DD99-4F4E-6645-BF82-FA5D4C43E465}" dt="2023-02-28T08:07:13.504" v="1301"/>
-        <pc:sldMkLst>
-          <pc:docMk/>
-          <pc:sldMk cId="1345125462" sldId="2768"/>
-        </pc:sldMkLst>
-      </pc:sldChg>
-      <pc:sldChg chg="add">
-        <pc:chgData name="Xin Luo" userId="82312ee5779919a4" providerId="LiveId" clId="{7E27DD99-4F4E-6645-BF82-FA5D4C43E465}" dt="2023-02-28T08:07:04.848" v="1299"/>
-        <pc:sldMkLst>
-          <pc:docMk/>
-          <pc:sldMk cId="904694265" sldId="2769"/>
-        </pc:sldMkLst>
-      </pc:sldChg>
-      <pc:sldChg chg="modSp add del mod">
-        <pc:chgData name="Xin Luo" userId="82312ee5779919a4" providerId="LiveId" clId="{7E27DD99-4F4E-6645-BF82-FA5D4C43E465}" dt="2023-02-28T08:07:01.654" v="1298" actId="2696"/>
-        <pc:sldMkLst>
-          <pc:docMk/>
-          <pc:sldMk cId="1917768729" sldId="2769"/>
-        </pc:sldMkLst>
-        <pc:spChg chg="mod">
-          <ac:chgData name="Xin Luo" userId="82312ee5779919a4" providerId="LiveId" clId="{7E27DD99-4F4E-6645-BF82-FA5D4C43E465}" dt="2023-02-28T08:02:45.317" v="1164"/>
-          <ac:spMkLst>
-            <pc:docMk/>
-            <pc:sldMk cId="1917768729" sldId="2769"/>
-            <ac:spMk id="3" creationId="{00000000-0000-0000-0000-000000000000}"/>
-          </ac:spMkLst>
-        </pc:spChg>
-      </pc:sldChg>
-      <pc:sldChg chg="modSp add mod">
-        <pc:chgData name="Xin Luo" userId="82312ee5779919a4" providerId="LiveId" clId="{7E27DD99-4F4E-6645-BF82-FA5D4C43E465}" dt="2023-02-28T08:11:57.338" v="1562" actId="20577"/>
-        <pc:sldMkLst>
-          <pc:docMk/>
-          <pc:sldMk cId="660500533" sldId="2770"/>
-        </pc:sldMkLst>
-        <pc:spChg chg="mod">
-          <ac:chgData name="Xin Luo" userId="82312ee5779919a4" providerId="LiveId" clId="{7E27DD99-4F4E-6645-BF82-FA5D4C43E465}" dt="2023-02-28T06:57:51.684" v="296" actId="20577"/>
-          <ac:spMkLst>
-            <pc:docMk/>
-            <pc:sldMk cId="660500533" sldId="2770"/>
-            <ac:spMk id="11" creationId="{53A7E693-8098-76C4-CD5D-47166ABEB164}"/>
-          </ac:spMkLst>
-        </pc:spChg>
-        <pc:spChg chg="mod">
-          <ac:chgData name="Xin Luo" userId="82312ee5779919a4" providerId="LiveId" clId="{7E27DD99-4F4E-6645-BF82-FA5D4C43E465}" dt="2023-02-28T08:11:57.338" v="1562" actId="20577"/>
-          <ac:spMkLst>
-            <pc:docMk/>
-            <pc:sldMk cId="660500533" sldId="2770"/>
-            <ac:spMk id="13" creationId="{303BC878-BC57-D350-27A3-F03AE48213AC}"/>
-          </ac:spMkLst>
-        </pc:spChg>
-      </pc:sldChg>
-      <pc:sldChg chg="modSp add mod">
-        <pc:chgData name="Xin Luo" userId="82312ee5779919a4" providerId="LiveId" clId="{7E27DD99-4F4E-6645-BF82-FA5D4C43E465}" dt="2023-02-28T08:09:14.737" v="1332" actId="20577"/>
-        <pc:sldMkLst>
-          <pc:docMk/>
-          <pc:sldMk cId="3307103198" sldId="2771"/>
-        </pc:sldMkLst>
-        <pc:spChg chg="mod">
-          <ac:chgData name="Xin Luo" userId="82312ee5779919a4" providerId="LiveId" clId="{7E27DD99-4F4E-6645-BF82-FA5D4C43E465}" dt="2023-02-28T08:03:02.695" v="1202" actId="20577"/>
-          <ac:spMkLst>
-            <pc:docMk/>
-            <pc:sldMk cId="3307103198" sldId="2771"/>
-            <ac:spMk id="3" creationId="{00000000-0000-0000-0000-000000000000}"/>
-          </ac:spMkLst>
-        </pc:spChg>
-        <pc:spChg chg="mod">
-          <ac:chgData name="Xin Luo" userId="82312ee5779919a4" providerId="LiveId" clId="{7E27DD99-4F4E-6645-BF82-FA5D4C43E465}" dt="2023-02-28T08:09:14.737" v="1332" actId="20577"/>
-          <ac:spMkLst>
-            <pc:docMk/>
-            <pc:sldMk cId="3307103198" sldId="2771"/>
-            <ac:spMk id="13" creationId="{303BC878-BC57-D350-27A3-F03AE48213AC}"/>
-          </ac:spMkLst>
-        </pc:spChg>
-      </pc:sldChg>
-      <pc:sldChg chg="modSp add mod">
-        <pc:chgData name="Xin Luo" userId="82312ee5779919a4" providerId="LiveId" clId="{7E27DD99-4F4E-6645-BF82-FA5D4C43E465}" dt="2023-02-28T08:03:26.319" v="1209"/>
-        <pc:sldMkLst>
-          <pc:docMk/>
-          <pc:sldMk cId="1508480209" sldId="2772"/>
-        </pc:sldMkLst>
-        <pc:spChg chg="mod">
-          <ac:chgData name="Xin Luo" userId="82312ee5779919a4" providerId="LiveId" clId="{7E27DD99-4F4E-6645-BF82-FA5D4C43E465}" dt="2023-02-28T08:03:26.319" v="1209"/>
-          <ac:spMkLst>
-            <pc:docMk/>
-            <pc:sldMk cId="1508480209" sldId="2772"/>
-            <ac:spMk id="3" creationId="{00000000-0000-0000-0000-000000000000}"/>
-          </ac:spMkLst>
-        </pc:spChg>
-        <pc:spChg chg="mod">
-          <ac:chgData name="Xin Luo" userId="82312ee5779919a4" providerId="LiveId" clId="{7E27DD99-4F4E-6645-BF82-FA5D4C43E465}" dt="2023-02-28T07:01:15.127" v="600" actId="20577"/>
-          <ac:spMkLst>
-            <pc:docMk/>
-            <pc:sldMk cId="1508480209" sldId="2772"/>
-            <ac:spMk id="11" creationId="{53A7E693-8098-76C4-CD5D-47166ABEB164}"/>
-          </ac:spMkLst>
-        </pc:spChg>
-        <pc:spChg chg="mod">
-          <ac:chgData name="Xin Luo" userId="82312ee5779919a4" providerId="LiveId" clId="{7E27DD99-4F4E-6645-BF82-FA5D4C43E465}" dt="2023-02-28T07:06:54.786" v="1060" actId="20577"/>
-          <ac:spMkLst>
-            <pc:docMk/>
-            <pc:sldMk cId="1508480209" sldId="2772"/>
-            <ac:spMk id="13" creationId="{303BC878-BC57-D350-27A3-F03AE48213AC}"/>
           </ac:spMkLst>
         </pc:spChg>
       </pc:sldChg>
@@ -7191,7 +7192,7 @@
               </a14:hiddenFill>
             </a:ext>
             <a:ext uri="{FAA26D3D-D897-4be2-8F04-BA451C77F1D7}">
-              <ma14:placeholderFlag xmlns="" xmlns:ma14="http://schemas.microsoft.com/office/mac/drawingml/2011/main" val="1"/>
+              <ma14:placeholderFlag xmlns:ma14="http://schemas.microsoft.com/office/mac/drawingml/2011/main" xmlns="" val="1"/>
             </a:ext>
           </a:extLst>
         </p:spPr>
@@ -7575,7 +7576,7 @@
               </a14:hiddenLine>
             </a:ext>
             <a:ext uri="{FAA26D3D-D897-4be2-8F04-BA451C77F1D7}">
-              <ma14:placeholderFlag xmlns="" xmlns:ma14="http://schemas.microsoft.com/office/mac/drawingml/2011/main" val="1"/>
+              <ma14:placeholderFlag xmlns:ma14="http://schemas.microsoft.com/office/mac/drawingml/2011/main" xmlns="" val="1"/>
             </a:ext>
           </a:extLst>
         </p:spPr>
@@ -9742,7 +9743,7 @@
               </a14:hiddenLine>
             </a:ext>
             <a:ext uri="{FAA26D3D-D897-4be2-8F04-BA451C77F1D7}">
-              <ma14:placeholderFlag xmlns="" xmlns:ma14="http://schemas.microsoft.com/office/mac/drawingml/2011/main" val="1"/>
+              <ma14:placeholderFlag xmlns:ma14="http://schemas.microsoft.com/office/mac/drawingml/2011/main" xmlns="" val="1"/>
             </a:ext>
           </a:extLst>
         </p:spPr>
@@ -13433,7 +13434,7 @@
               </a14:hiddenLine>
             </a:ext>
             <a:ext uri="{FAA26D3D-D897-4be2-8F04-BA451C77F1D7}">
-              <ma14:placeholderFlag xmlns="" xmlns:ma14="http://schemas.microsoft.com/office/mac/drawingml/2011/main" val="1"/>
+              <ma14:placeholderFlag xmlns:ma14="http://schemas.microsoft.com/office/mac/drawingml/2011/main" xmlns="" val="1"/>
             </a:ext>
           </a:extLst>
         </p:spPr>
@@ -15690,7 +15691,63 @@
       </p:grpSpPr>
       <p:sp>
         <p:nvSpPr>
-          <p:cNvPr id="3" name="标题 2"/>
+          <p:cNvPr id="2" name="内容占位符 1">
+            <a:extLst>
+              <a:ext uri="{FF2B5EF4-FFF2-40B4-BE49-F238E27FC236}">
+                <a16:creationId xmlns:a16="http://schemas.microsoft.com/office/drawing/2014/main" id="{CC13ED53-A218-08F3-D05A-F46DC80783DB}"/>
+              </a:ext>
+            </a:extLst>
+          </p:cNvPr>
+          <p:cNvSpPr>
+            <a:spLocks noGrp="1"/>
+          </p:cNvSpPr>
+          <p:nvPr>
+            <p:ph idx="1"/>
+          </p:nvPr>
+        </p:nvSpPr>
+        <p:spPr/>
+        <p:txBody>
+          <a:bodyPr/>
+          <a:lstStyle/>
+          <a:p>
+            <a:pPr marL="0" indent="0">
+              <a:buNone/>
+            </a:pPr>
+            <a:endParaRPr lang="en-US" altLang="zh-CN" sz="8800" b="1" dirty="0">
+              <a:solidFill>
+                <a:srgbClr val="FF0000"/>
+              </a:solidFill>
+            </a:endParaRPr>
+          </a:p>
+          <a:p>
+            <a:pPr marL="0" indent="0" algn="ctr">
+              <a:buNone/>
+            </a:pPr>
+            <a:r>
+              <a:rPr lang="en-US" altLang="zh-CN" sz="8800" b="1" dirty="0">
+                <a:solidFill>
+                  <a:srgbClr val="FF0000"/>
+                </a:solidFill>
+              </a:rPr>
+              <a:t>775-196-485</a:t>
+            </a:r>
+            <a:endParaRPr lang="zh-CN" altLang="en-US" sz="8800" b="1" dirty="0">
+              <a:solidFill>
+                <a:srgbClr val="FF0000"/>
+              </a:solidFill>
+            </a:endParaRPr>
+          </a:p>
+        </p:txBody>
+      </p:sp>
+      <p:sp>
+        <p:nvSpPr>
+          <p:cNvPr id="3" name="标题 2">
+            <a:extLst>
+              <a:ext uri="{FF2B5EF4-FFF2-40B4-BE49-F238E27FC236}">
+                <a16:creationId xmlns:a16="http://schemas.microsoft.com/office/drawing/2014/main" id="{01EFFC1B-E4DA-A18B-A52D-CFF3660DDD87}"/>
+              </a:ext>
+            </a:extLst>
+          </p:cNvPr>
           <p:cNvSpPr>
             <a:spLocks noGrp="1"/>
           </p:cNvSpPr>
@@ -15698,267 +15755,49 @@
             <p:ph type="title"/>
           </p:nvPr>
         </p:nvSpPr>
-        <p:spPr>
-          <a:xfrm>
-            <a:off x="0" y="8526"/>
-            <a:ext cx="9013371" cy="792162"/>
-          </a:xfrm>
-        </p:spPr>
+        <p:spPr/>
         <p:txBody>
           <a:bodyPr/>
           <a:lstStyle/>
           <a:p>
-            <a:pPr algn="l" fontAlgn="auto">
-              <a:spcBef>
-                <a:spcPts val="0"/>
-              </a:spcBef>
-              <a:spcAft>
-                <a:spcPts val="0"/>
-              </a:spcAft>
-            </a:pPr>
-            <a:r>
-              <a:rPr lang="zh-CN" altLang="en-US" sz="3200" dirty="0">
-                <a:latin typeface="+mn-ea"/>
-              </a:rPr>
-              <a:t>实践项目选题</a:t>
-            </a:r>
-            <a:endParaRPr lang="zh-CN" altLang="en-US" sz="3200" dirty="0"/>
+            <a:endParaRPr lang="zh-CN" altLang="en-US" dirty="0"/>
           </a:p>
         </p:txBody>
       </p:sp>
       <p:sp>
         <p:nvSpPr>
-          <p:cNvPr id="10" name="TextBox 9">
+          <p:cNvPr id="4" name="灯片编号占位符 3">
             <a:extLst>
               <a:ext uri="{FF2B5EF4-FFF2-40B4-BE49-F238E27FC236}">
-                <a16:creationId xmlns:a16="http://schemas.microsoft.com/office/drawing/2014/main" id="{2662A235-2CC3-749B-1A7D-D9E01F241A84}"/>
+                <a16:creationId xmlns:a16="http://schemas.microsoft.com/office/drawing/2014/main" id="{645B164D-F3C3-9849-6602-1AA3AF062BA8}"/>
               </a:ext>
             </a:extLst>
           </p:cNvPr>
-          <p:cNvSpPr txBox="1"/>
-          <p:nvPr/>
+          <p:cNvSpPr>
+            <a:spLocks noGrp="1"/>
+          </p:cNvSpPr>
+          <p:nvPr>
+            <p:ph type="sldNum" sz="quarter" idx="10"/>
+          </p:nvPr>
         </p:nvSpPr>
-        <p:spPr>
-          <a:xfrm>
-            <a:off x="612896" y="1416021"/>
-            <a:ext cx="7918208" cy="4190250"/>
-          </a:xfrm>
-          <a:prstGeom prst="rect">
-            <a:avLst/>
-          </a:prstGeom>
-          <a:noFill/>
-        </p:spPr>
+        <p:spPr/>
         <p:txBody>
-          <a:bodyPr wrap="square">
-            <a:spAutoFit/>
-          </a:bodyPr>
+          <a:bodyPr/>
           <a:lstStyle/>
           <a:p>
-            <a:pPr algn="just">
-              <a:lnSpc>
-                <a:spcPct val="150000"/>
-              </a:lnSpc>
-            </a:pPr>
-            <a:r>
-              <a:rPr lang="zh-CN" altLang="en-US" sz="3200" b="1" dirty="0">
-                <a:solidFill>
-                  <a:srgbClr val="0070C0"/>
-                </a:solidFill>
-                <a:highlight>
-                  <a:srgbClr val="FFFFFF"/>
-                </a:highlight>
-                <a:latin typeface="Arial"/>
-                <a:ea typeface="微软雅黑"/>
-              </a:rPr>
-              <a:t>一、开源</a:t>
-            </a:r>
-            <a:r>
-              <a:rPr lang="en-US" altLang="zh-CN" sz="3200" b="1" dirty="0">
-                <a:solidFill>
-                  <a:srgbClr val="0070C0"/>
-                </a:solidFill>
-                <a:highlight>
-                  <a:srgbClr val="FFFFFF"/>
-                </a:highlight>
-                <a:latin typeface="Arial"/>
-                <a:ea typeface="微软雅黑"/>
-              </a:rPr>
-              <a:t>GIS</a:t>
-            </a:r>
-            <a:r>
-              <a:rPr lang="zh-CN" altLang="en-US" sz="3200" b="1" dirty="0">
-                <a:solidFill>
-                  <a:srgbClr val="0070C0"/>
-                </a:solidFill>
-                <a:highlight>
-                  <a:srgbClr val="FFFFFF"/>
-                </a:highlight>
-                <a:latin typeface="Arial"/>
-                <a:ea typeface="微软雅黑"/>
-              </a:rPr>
-              <a:t>软件与数据支持的</a:t>
-            </a:r>
-            <a:r>
-              <a:rPr lang="en-US" altLang="zh-CN" sz="3200" b="1" dirty="0">
-                <a:solidFill>
-                  <a:srgbClr val="0070C0"/>
-                </a:solidFill>
-                <a:highlight>
-                  <a:srgbClr val="FFFFFF"/>
-                </a:highlight>
-                <a:latin typeface="Arial"/>
-                <a:ea typeface="微软雅黑"/>
-              </a:rPr>
-              <a:t>xx</a:t>
-            </a:r>
-            <a:r>
-              <a:rPr lang="zh-CN" altLang="en-US" sz="3200" b="1" dirty="0">
-                <a:solidFill>
-                  <a:srgbClr val="0070C0"/>
-                </a:solidFill>
-                <a:highlight>
-                  <a:srgbClr val="FFFFFF"/>
-                </a:highlight>
-                <a:latin typeface="Arial"/>
-                <a:ea typeface="微软雅黑"/>
-              </a:rPr>
-              <a:t>湖泊历史变化分析</a:t>
-            </a:r>
-          </a:p>
-          <a:p>
-            <a:pPr algn="just">
-              <a:lnSpc>
-                <a:spcPct val="150000"/>
-              </a:lnSpc>
-            </a:pPr>
-            <a:r>
-              <a:rPr lang="zh-CN" altLang="en-US" sz="3200" b="1" dirty="0">
-                <a:solidFill>
-                  <a:srgbClr val="0070C0"/>
-                </a:solidFill>
-                <a:highlight>
-                  <a:srgbClr val="FFFFFF"/>
-                </a:highlight>
-                <a:latin typeface="Arial"/>
-                <a:ea typeface="微软雅黑"/>
-              </a:rPr>
-              <a:t>二、开源</a:t>
-            </a:r>
-            <a:r>
-              <a:rPr lang="en-US" altLang="zh-CN" sz="3200" b="1" dirty="0">
-                <a:solidFill>
-                  <a:srgbClr val="0070C0"/>
-                </a:solidFill>
-                <a:highlight>
-                  <a:srgbClr val="FFFFFF"/>
-                </a:highlight>
-                <a:latin typeface="Arial"/>
-                <a:ea typeface="微软雅黑"/>
-              </a:rPr>
-              <a:t>GIS</a:t>
-            </a:r>
-            <a:r>
-              <a:rPr lang="zh-CN" altLang="en-US" sz="3200" b="1" dirty="0">
-                <a:solidFill>
-                  <a:srgbClr val="0070C0"/>
-                </a:solidFill>
-                <a:highlight>
-                  <a:srgbClr val="FFFFFF"/>
-                </a:highlight>
-                <a:latin typeface="Arial"/>
-                <a:ea typeface="微软雅黑"/>
-              </a:rPr>
-              <a:t>软件与数据支持的</a:t>
-            </a:r>
-            <a:r>
-              <a:rPr lang="en-US" altLang="zh-CN" sz="3200" b="1" dirty="0">
-                <a:solidFill>
-                  <a:srgbClr val="0070C0"/>
-                </a:solidFill>
-                <a:highlight>
-                  <a:srgbClr val="FFFFFF"/>
-                </a:highlight>
-                <a:latin typeface="Arial"/>
-                <a:ea typeface="微软雅黑"/>
-              </a:rPr>
-              <a:t>xx</a:t>
-            </a:r>
-            <a:r>
-              <a:rPr lang="zh-CN" altLang="en-US" sz="3200" b="1" dirty="0">
-                <a:solidFill>
-                  <a:srgbClr val="0070C0"/>
-                </a:solidFill>
-                <a:highlight>
-                  <a:srgbClr val="FFFFFF"/>
-                </a:highlight>
-                <a:latin typeface="Arial"/>
-                <a:ea typeface="微软雅黑"/>
-              </a:rPr>
-              <a:t>区域在线</a:t>
-            </a:r>
-            <a:r>
-              <a:rPr lang="en-US" altLang="zh-CN" sz="3200" b="1" dirty="0">
-                <a:solidFill>
-                  <a:srgbClr val="0070C0"/>
-                </a:solidFill>
-                <a:highlight>
-                  <a:srgbClr val="FFFFFF"/>
-                </a:highlight>
-                <a:latin typeface="Arial"/>
-                <a:ea typeface="微软雅黑"/>
-              </a:rPr>
-              <a:t>xx</a:t>
-            </a:r>
-            <a:r>
-              <a:rPr lang="zh-CN" altLang="en-US" sz="3200" b="1" dirty="0">
-                <a:solidFill>
-                  <a:srgbClr val="0070C0"/>
-                </a:solidFill>
-                <a:highlight>
-                  <a:srgbClr val="FFFFFF"/>
-                </a:highlight>
-                <a:latin typeface="Arial"/>
-                <a:ea typeface="微软雅黑"/>
-              </a:rPr>
-              <a:t>专题地图开发</a:t>
-            </a:r>
-          </a:p>
-          <a:p>
-            <a:pPr algn="just">
-              <a:lnSpc>
-                <a:spcPct val="150000"/>
-              </a:lnSpc>
-            </a:pPr>
-            <a:r>
-              <a:rPr lang="zh-CN" altLang="en-US" sz="3200" b="1" dirty="0">
-                <a:solidFill>
-                  <a:srgbClr val="0070C0"/>
-                </a:solidFill>
-                <a:highlight>
-                  <a:srgbClr val="FFFFFF"/>
-                </a:highlight>
-                <a:latin typeface="Arial"/>
-                <a:ea typeface="微软雅黑"/>
-              </a:rPr>
-              <a:t>三、自选题目</a:t>
-            </a:r>
-            <a:endParaRPr lang="en-US" altLang="zh-CN" sz="3200" b="1" dirty="0">
-              <a:solidFill>
-                <a:srgbClr val="0070C0"/>
-              </a:solidFill>
-              <a:highlight>
-                <a:srgbClr val="FFFFFF"/>
-              </a:highlight>
-              <a:latin typeface="Arial"/>
-              <a:ea typeface="微软雅黑"/>
-            </a:endParaRPr>
+            <a:fld id="{B8E54011-88F9-4C11-89A5-A0E112247FEB}" type="slidenum">
+              <a:rPr lang="zh-CN" altLang="en-US" smtClean="0"/>
+              <a:pPr/>
+              <a:t>2</a:t>
+            </a:fld>
+            <a:endParaRPr lang="zh-CN" altLang="en-US"/>
           </a:p>
         </p:txBody>
       </p:sp>
     </p:spTree>
     <p:extLst>
       <p:ext uri="{BB962C8B-B14F-4D97-AF65-F5344CB8AC3E}">
-        <p14:creationId xmlns:p14="http://schemas.microsoft.com/office/powerpoint/2010/main" val="3929622803"/>
+        <p14:creationId xmlns:p14="http://schemas.microsoft.com/office/powerpoint/2010/main" val="1407409910"/>
       </p:ext>
     </p:extLst>
   </p:cSld>
@@ -16020,7 +15859,7 @@
               <a:rPr lang="zh-CN" altLang="en-US" sz="3200" dirty="0">
                 <a:latin typeface="+mn-ea"/>
               </a:rPr>
-              <a:t>实践项目要求</a:t>
+              <a:t>实践项目选题</a:t>
             </a:r>
             <a:endParaRPr lang="zh-CN" altLang="en-US" sz="3200" dirty="0"/>
           </a:p>
@@ -16040,8 +15879,8 @@
         </p:nvSpPr>
         <p:spPr>
           <a:xfrm>
-            <a:off x="382958" y="950212"/>
-            <a:ext cx="8378083" cy="5757795"/>
+            <a:off x="612896" y="1416021"/>
+            <a:ext cx="7918208" cy="4190250"/>
           </a:xfrm>
           <a:prstGeom prst="rect">
             <a:avLst/>
@@ -16056,211 +15895,201 @@
           <a:p>
             <a:pPr algn="just">
               <a:lnSpc>
-                <a:spcPct val="200000"/>
+                <a:spcPct val="150000"/>
               </a:lnSpc>
             </a:pPr>
             <a:r>
               <a:rPr lang="zh-CN" altLang="en-US" sz="3200" b="1" dirty="0">
                 <a:solidFill>
-                  <a:srgbClr val="333333"/>
+                  <a:srgbClr val="0070C0"/>
                 </a:solidFill>
-                <a:latin typeface="+mn-ea"/>
-                <a:ea typeface="+mn-ea"/>
+                <a:highlight>
+                  <a:srgbClr val="FFFFFF"/>
+                </a:highlight>
+                <a:latin typeface="Arial"/>
+                <a:ea typeface="微软雅黑"/>
               </a:rPr>
-              <a:t>提交成果要求：</a:t>
+              <a:t>一、开源</a:t>
+            </a:r>
+            <a:r>
+              <a:rPr lang="en-US" altLang="zh-CN" sz="3200" b="1" dirty="0">
+                <a:solidFill>
+                  <a:srgbClr val="0070C0"/>
+                </a:solidFill>
+                <a:highlight>
+                  <a:srgbClr val="FFFFFF"/>
+                </a:highlight>
+                <a:latin typeface="Arial"/>
+                <a:ea typeface="微软雅黑"/>
+              </a:rPr>
+              <a:t>GIS</a:t>
+            </a:r>
+            <a:r>
+              <a:rPr lang="zh-CN" altLang="en-US" sz="3200" b="1" dirty="0">
+                <a:solidFill>
+                  <a:srgbClr val="0070C0"/>
+                </a:solidFill>
+                <a:highlight>
+                  <a:srgbClr val="FFFFFF"/>
+                </a:highlight>
+                <a:latin typeface="Arial"/>
+                <a:ea typeface="微软雅黑"/>
+              </a:rPr>
+              <a:t>软件与数据支持的</a:t>
+            </a:r>
+            <a:r>
+              <a:rPr lang="en-US" altLang="zh-CN" sz="3200" b="1" dirty="0">
+                <a:solidFill>
+                  <a:srgbClr val="0070C0"/>
+                </a:solidFill>
+                <a:highlight>
+                  <a:srgbClr val="FFFFFF"/>
+                </a:highlight>
+                <a:latin typeface="Arial"/>
+                <a:ea typeface="微软雅黑"/>
+              </a:rPr>
+              <a:t>xx</a:t>
+            </a:r>
+            <a:r>
+              <a:rPr lang="zh-CN" altLang="en-US" sz="3200" b="1" dirty="0">
+                <a:solidFill>
+                  <a:srgbClr val="0070C0"/>
+                </a:solidFill>
+                <a:highlight>
+                  <a:srgbClr val="FFFFFF"/>
+                </a:highlight>
+                <a:latin typeface="Arial"/>
+                <a:ea typeface="微软雅黑"/>
+              </a:rPr>
+              <a:t>湖泊历史变化分析</a:t>
+            </a:r>
+          </a:p>
+          <a:p>
+            <a:pPr algn="just">
+              <a:lnSpc>
+                <a:spcPct val="150000"/>
+              </a:lnSpc>
+            </a:pPr>
+            <a:r>
+              <a:rPr lang="zh-CN" altLang="en-US" sz="3200" b="1" dirty="0">
+                <a:solidFill>
+                  <a:srgbClr val="0070C0"/>
+                </a:solidFill>
+                <a:highlight>
+                  <a:srgbClr val="FFFFFF"/>
+                </a:highlight>
+                <a:latin typeface="Arial"/>
+                <a:ea typeface="微软雅黑"/>
+              </a:rPr>
+              <a:t>二、开源</a:t>
+            </a:r>
+            <a:r>
+              <a:rPr lang="en-US" altLang="zh-CN" sz="3200" b="1" dirty="0">
+                <a:solidFill>
+                  <a:srgbClr val="0070C0"/>
+                </a:solidFill>
+                <a:highlight>
+                  <a:srgbClr val="FFFFFF"/>
+                </a:highlight>
+                <a:latin typeface="Arial"/>
+                <a:ea typeface="微软雅黑"/>
+              </a:rPr>
+              <a:t>GIS</a:t>
+            </a:r>
+            <a:r>
+              <a:rPr lang="zh-CN" altLang="en-US" sz="3200" b="1" dirty="0">
+                <a:solidFill>
+                  <a:srgbClr val="0070C0"/>
+                </a:solidFill>
+                <a:highlight>
+                  <a:srgbClr val="FFFFFF"/>
+                </a:highlight>
+                <a:latin typeface="Arial"/>
+                <a:ea typeface="微软雅黑"/>
+              </a:rPr>
+              <a:t>软件与数据支持的</a:t>
+            </a:r>
+            <a:r>
+              <a:rPr lang="en-US" altLang="zh-CN" sz="3200" b="1" dirty="0">
+                <a:solidFill>
+                  <a:srgbClr val="0070C0"/>
+                </a:solidFill>
+                <a:highlight>
+                  <a:srgbClr val="FFFFFF"/>
+                </a:highlight>
+                <a:latin typeface="Arial"/>
+                <a:ea typeface="微软雅黑"/>
+              </a:rPr>
+              <a:t>xx</a:t>
+            </a:r>
+            <a:r>
+              <a:rPr lang="zh-CN" altLang="en-US" sz="3200" b="1" dirty="0">
+                <a:solidFill>
+                  <a:srgbClr val="0070C0"/>
+                </a:solidFill>
+                <a:highlight>
+                  <a:srgbClr val="FFFFFF"/>
+                </a:highlight>
+                <a:latin typeface="Arial"/>
+                <a:ea typeface="微软雅黑"/>
+              </a:rPr>
+              <a:t>区域在线</a:t>
+            </a:r>
+            <a:r>
+              <a:rPr lang="en-US" altLang="zh-CN" sz="3200" b="1" dirty="0">
+                <a:solidFill>
+                  <a:srgbClr val="0070C0"/>
+                </a:solidFill>
+                <a:highlight>
+                  <a:srgbClr val="FFFFFF"/>
+                </a:highlight>
+                <a:latin typeface="Arial"/>
+                <a:ea typeface="微软雅黑"/>
+              </a:rPr>
+              <a:t>xx</a:t>
+            </a:r>
+            <a:r>
+              <a:rPr lang="zh-CN" altLang="en-US" sz="3200" b="1" dirty="0">
+                <a:solidFill>
+                  <a:srgbClr val="0070C0"/>
+                </a:solidFill>
+                <a:highlight>
+                  <a:srgbClr val="FFFFFF"/>
+                </a:highlight>
+                <a:latin typeface="Arial"/>
+                <a:ea typeface="微软雅黑"/>
+              </a:rPr>
+              <a:t>专题地图开发</a:t>
+            </a:r>
+          </a:p>
+          <a:p>
+            <a:pPr algn="just">
+              <a:lnSpc>
+                <a:spcPct val="150000"/>
+              </a:lnSpc>
+            </a:pPr>
+            <a:r>
+              <a:rPr lang="zh-CN" altLang="en-US" sz="3200" b="1" dirty="0">
+                <a:solidFill>
+                  <a:srgbClr val="0070C0"/>
+                </a:solidFill>
+                <a:highlight>
+                  <a:srgbClr val="FFFFFF"/>
+                </a:highlight>
+                <a:latin typeface="Arial"/>
+                <a:ea typeface="微软雅黑"/>
+              </a:rPr>
+              <a:t>三、自选题目</a:t>
             </a:r>
             <a:endParaRPr lang="en-US" altLang="zh-CN" sz="3200" b="1" dirty="0">
               <a:solidFill>
-                <a:srgbClr val="333333"/>
+                <a:srgbClr val="0070C0"/>
               </a:solidFill>
-              <a:latin typeface="+mn-ea"/>
-              <a:ea typeface="+mn-ea"/>
-            </a:endParaRPr>
-          </a:p>
-          <a:p>
-            <a:pPr algn="just">
-              <a:lnSpc>
-                <a:spcPct val="200000"/>
-              </a:lnSpc>
-            </a:pPr>
-            <a:r>
-              <a:rPr lang="en-US" altLang="zh-CN" sz="2600" u="sng" dirty="0">
-                <a:solidFill>
-                  <a:srgbClr val="333333"/>
-                </a:solidFill>
-                <a:latin typeface="+mn-ea"/>
-                <a:ea typeface="+mn-ea"/>
-              </a:rPr>
-              <a:t>1. </a:t>
-            </a:r>
-            <a:r>
-              <a:rPr lang="zh-CN" altLang="en-US" sz="2600" u="sng" dirty="0">
-                <a:solidFill>
-                  <a:srgbClr val="333333"/>
-                </a:solidFill>
-                <a:latin typeface="+mn-ea"/>
-                <a:ea typeface="+mn-ea"/>
-              </a:rPr>
-              <a:t>技术（源代码</a:t>
-            </a:r>
-            <a:r>
-              <a:rPr lang="en-US" altLang="zh-CN" sz="2600" u="sng" dirty="0">
-                <a:solidFill>
-                  <a:srgbClr val="333333"/>
-                </a:solidFill>
-                <a:latin typeface="+mn-ea"/>
-                <a:ea typeface="+mn-ea"/>
-              </a:rPr>
-              <a:t>/</a:t>
-            </a:r>
-            <a:r>
-              <a:rPr lang="zh-CN" altLang="en-US" sz="2600" u="sng" dirty="0">
-                <a:solidFill>
-                  <a:srgbClr val="333333"/>
-                </a:solidFill>
-                <a:latin typeface="+mn-ea"/>
-                <a:ea typeface="+mn-ea"/>
-              </a:rPr>
-              <a:t>软件操作）说明文档</a:t>
-            </a:r>
-            <a:r>
-              <a:rPr lang="zh-CN" altLang="en-US" sz="2600" dirty="0">
-                <a:solidFill>
-                  <a:srgbClr val="333333"/>
-                </a:solidFill>
-                <a:latin typeface="+mn-ea"/>
-                <a:ea typeface="+mn-ea"/>
-              </a:rPr>
-              <a:t>。包含具体由哪位成员完成信息。</a:t>
-            </a:r>
-            <a:endParaRPr lang="en-US" altLang="zh-CN" sz="2600" dirty="0">
-              <a:solidFill>
-                <a:srgbClr val="333333"/>
-              </a:solidFill>
-              <a:latin typeface="+mn-ea"/>
-              <a:ea typeface="+mn-ea"/>
-            </a:endParaRPr>
-          </a:p>
-          <a:p>
-            <a:pPr algn="just">
-              <a:lnSpc>
-                <a:spcPct val="200000"/>
-              </a:lnSpc>
-            </a:pPr>
-            <a:r>
-              <a:rPr lang="en-US" altLang="zh-CN" sz="2600" u="sng" dirty="0">
-                <a:solidFill>
-                  <a:srgbClr val="333333"/>
-                </a:solidFill>
-                <a:latin typeface="+mn-ea"/>
-                <a:ea typeface="+mn-ea"/>
-              </a:rPr>
-              <a:t>2. </a:t>
-            </a:r>
-            <a:r>
-              <a:rPr lang="zh-CN" altLang="en-US" sz="2600" u="sng" dirty="0">
-                <a:solidFill>
-                  <a:srgbClr val="333333"/>
-                </a:solidFill>
-                <a:latin typeface="+mn-ea"/>
-                <a:ea typeface="+mn-ea"/>
-              </a:rPr>
-              <a:t>论文形式实验报告</a:t>
-            </a:r>
-            <a:r>
-              <a:rPr lang="zh-CN" altLang="en-US" sz="2600" dirty="0">
-                <a:solidFill>
-                  <a:srgbClr val="333333"/>
-                </a:solidFill>
-                <a:latin typeface="+mn-ea"/>
-                <a:ea typeface="+mn-ea"/>
-              </a:rPr>
-              <a:t>。</a:t>
-            </a:r>
-            <a:endParaRPr lang="en-US" altLang="zh-CN" sz="2600" dirty="0">
-              <a:solidFill>
-                <a:srgbClr val="333333"/>
-              </a:solidFill>
-              <a:latin typeface="+mn-ea"/>
-              <a:ea typeface="+mn-ea"/>
-            </a:endParaRPr>
-          </a:p>
-          <a:p>
-            <a:pPr algn="just">
-              <a:lnSpc>
-                <a:spcPct val="200000"/>
-              </a:lnSpc>
-            </a:pPr>
-            <a:r>
-              <a:rPr lang="en-US" altLang="zh-CN" sz="2600" u="sng" dirty="0">
-                <a:solidFill>
-                  <a:srgbClr val="333333"/>
-                </a:solidFill>
-                <a:latin typeface="+mn-ea"/>
-                <a:ea typeface="+mn-ea"/>
-              </a:rPr>
-              <a:t>3. </a:t>
-            </a:r>
-            <a:r>
-              <a:rPr lang="zh-CN" altLang="en-US" sz="2600" u="sng" dirty="0">
-                <a:solidFill>
-                  <a:srgbClr val="333333"/>
-                </a:solidFill>
-                <a:latin typeface="+mn-ea"/>
-                <a:ea typeface="+mn-ea"/>
-              </a:rPr>
-              <a:t>成果</a:t>
-            </a:r>
-            <a:r>
-              <a:rPr lang="en-US" altLang="zh-CN" sz="2600" u="sng" dirty="0">
-                <a:solidFill>
-                  <a:srgbClr val="333333"/>
-                </a:solidFill>
-                <a:latin typeface="+mn-ea"/>
-                <a:ea typeface="+mn-ea"/>
-              </a:rPr>
-              <a:t>ppt</a:t>
-            </a:r>
-            <a:r>
-              <a:rPr lang="zh-CN" altLang="en-US" sz="2600" u="sng" dirty="0">
-                <a:solidFill>
-                  <a:srgbClr val="333333"/>
-                </a:solidFill>
-                <a:latin typeface="+mn-ea"/>
-                <a:ea typeface="+mn-ea"/>
-              </a:rPr>
-              <a:t>汇报</a:t>
-            </a:r>
-            <a:r>
-              <a:rPr lang="zh-CN" altLang="en-US" sz="2600" dirty="0">
-                <a:solidFill>
-                  <a:srgbClr val="333333"/>
-                </a:solidFill>
-                <a:latin typeface="+mn-ea"/>
-                <a:ea typeface="+mn-ea"/>
-              </a:rPr>
-              <a:t>（最后两次课）。</a:t>
-            </a:r>
-            <a:endParaRPr lang="en-US" altLang="zh-CN" sz="2600" dirty="0">
-              <a:solidFill>
-                <a:srgbClr val="333333"/>
-              </a:solidFill>
-              <a:latin typeface="+mn-ea"/>
-              <a:ea typeface="+mn-ea"/>
-            </a:endParaRPr>
-          </a:p>
-          <a:p>
-            <a:pPr algn="just">
-              <a:lnSpc>
-                <a:spcPct val="200000"/>
-              </a:lnSpc>
-            </a:pPr>
-            <a:endParaRPr lang="en-US" altLang="zh-CN" sz="2600" dirty="0">
-              <a:solidFill>
-                <a:srgbClr val="333333"/>
-              </a:solidFill>
-              <a:latin typeface="+mn-ea"/>
-              <a:ea typeface="+mn-ea"/>
+              <a:highlight>
+                <a:srgbClr val="FFFFFF"/>
+              </a:highlight>
+              <a:latin typeface="Arial"/>
+              <a:ea typeface="微软雅黑"/>
             </a:endParaRPr>
           </a:p>
         </p:txBody>
@@ -16268,7 +16097,7 @@
     </p:spTree>
     <p:extLst>
       <p:ext uri="{BB962C8B-B14F-4D97-AF65-F5344CB8AC3E}">
-        <p14:creationId xmlns:p14="http://schemas.microsoft.com/office/powerpoint/2010/main" val="84020069"/>
+        <p14:creationId xmlns:p14="http://schemas.microsoft.com/office/powerpoint/2010/main" val="3929622803"/>
       </p:ext>
     </p:extLst>
   </p:cSld>
@@ -16351,6 +16180,316 @@
         <p:spPr>
           <a:xfrm>
             <a:off x="382958" y="950212"/>
+            <a:ext cx="8378083" cy="5757795"/>
+          </a:xfrm>
+          <a:prstGeom prst="rect">
+            <a:avLst/>
+          </a:prstGeom>
+          <a:noFill/>
+        </p:spPr>
+        <p:txBody>
+          <a:bodyPr wrap="square">
+            <a:spAutoFit/>
+          </a:bodyPr>
+          <a:lstStyle/>
+          <a:p>
+            <a:pPr algn="just">
+              <a:lnSpc>
+                <a:spcPct val="200000"/>
+              </a:lnSpc>
+            </a:pPr>
+            <a:r>
+              <a:rPr lang="zh-CN" altLang="en-US" sz="3200" b="1" dirty="0">
+                <a:solidFill>
+                  <a:srgbClr val="333333"/>
+                </a:solidFill>
+                <a:latin typeface="+mn-ea"/>
+                <a:ea typeface="+mn-ea"/>
+              </a:rPr>
+              <a:t>提交成果要求：</a:t>
+            </a:r>
+            <a:endParaRPr lang="en-US" altLang="zh-CN" sz="3200" b="1" dirty="0">
+              <a:solidFill>
+                <a:srgbClr val="333333"/>
+              </a:solidFill>
+              <a:latin typeface="+mn-ea"/>
+              <a:ea typeface="+mn-ea"/>
+            </a:endParaRPr>
+          </a:p>
+          <a:p>
+            <a:pPr algn="just">
+              <a:lnSpc>
+                <a:spcPct val="200000"/>
+              </a:lnSpc>
+            </a:pPr>
+            <a:r>
+              <a:rPr lang="en-US" altLang="zh-CN" sz="2600" u="sng" dirty="0">
+                <a:solidFill>
+                  <a:srgbClr val="333333"/>
+                </a:solidFill>
+                <a:latin typeface="+mn-ea"/>
+                <a:ea typeface="+mn-ea"/>
+              </a:rPr>
+              <a:t>1. </a:t>
+            </a:r>
+            <a:r>
+              <a:rPr lang="zh-CN" altLang="en-US" sz="2600" u="sng" dirty="0">
+                <a:solidFill>
+                  <a:srgbClr val="333333"/>
+                </a:solidFill>
+                <a:latin typeface="+mn-ea"/>
+                <a:ea typeface="+mn-ea"/>
+              </a:rPr>
+              <a:t>技术（源代码</a:t>
+            </a:r>
+            <a:r>
+              <a:rPr lang="en-US" altLang="zh-CN" sz="2600" u="sng" dirty="0">
+                <a:solidFill>
+                  <a:srgbClr val="333333"/>
+                </a:solidFill>
+                <a:latin typeface="+mn-ea"/>
+                <a:ea typeface="+mn-ea"/>
+              </a:rPr>
+              <a:t>/</a:t>
+            </a:r>
+            <a:r>
+              <a:rPr lang="zh-CN" altLang="en-US" sz="2600" u="sng" dirty="0">
+                <a:solidFill>
+                  <a:srgbClr val="333333"/>
+                </a:solidFill>
+                <a:latin typeface="+mn-ea"/>
+                <a:ea typeface="+mn-ea"/>
+              </a:rPr>
+              <a:t>软件操作）说明文档</a:t>
+            </a:r>
+            <a:r>
+              <a:rPr lang="zh-CN" altLang="en-US" sz="2600" dirty="0">
+                <a:solidFill>
+                  <a:srgbClr val="333333"/>
+                </a:solidFill>
+                <a:latin typeface="+mn-ea"/>
+                <a:ea typeface="+mn-ea"/>
+              </a:rPr>
+              <a:t>。包含具体由哪位成员完成信息。</a:t>
+            </a:r>
+            <a:endParaRPr lang="en-US" altLang="zh-CN" sz="2600" dirty="0">
+              <a:solidFill>
+                <a:srgbClr val="333333"/>
+              </a:solidFill>
+              <a:latin typeface="+mn-ea"/>
+              <a:ea typeface="+mn-ea"/>
+            </a:endParaRPr>
+          </a:p>
+          <a:p>
+            <a:pPr algn="just">
+              <a:lnSpc>
+                <a:spcPct val="200000"/>
+              </a:lnSpc>
+            </a:pPr>
+            <a:r>
+              <a:rPr lang="en-US" altLang="zh-CN" sz="2600" u="sng" dirty="0">
+                <a:solidFill>
+                  <a:srgbClr val="333333"/>
+                </a:solidFill>
+                <a:latin typeface="+mn-ea"/>
+                <a:ea typeface="+mn-ea"/>
+              </a:rPr>
+              <a:t>2. </a:t>
+            </a:r>
+            <a:r>
+              <a:rPr lang="zh-CN" altLang="en-US" sz="2600" u="sng" dirty="0">
+                <a:solidFill>
+                  <a:srgbClr val="333333"/>
+                </a:solidFill>
+                <a:latin typeface="+mn-ea"/>
+                <a:ea typeface="+mn-ea"/>
+              </a:rPr>
+              <a:t>论文形式实验报告</a:t>
+            </a:r>
+            <a:r>
+              <a:rPr lang="zh-CN" altLang="en-US" sz="2600" dirty="0">
+                <a:solidFill>
+                  <a:srgbClr val="333333"/>
+                </a:solidFill>
+                <a:latin typeface="+mn-ea"/>
+                <a:ea typeface="+mn-ea"/>
+              </a:rPr>
+              <a:t>。</a:t>
+            </a:r>
+            <a:endParaRPr lang="en-US" altLang="zh-CN" sz="2600" dirty="0">
+              <a:solidFill>
+                <a:srgbClr val="333333"/>
+              </a:solidFill>
+              <a:latin typeface="+mn-ea"/>
+              <a:ea typeface="+mn-ea"/>
+            </a:endParaRPr>
+          </a:p>
+          <a:p>
+            <a:pPr algn="just">
+              <a:lnSpc>
+                <a:spcPct val="200000"/>
+              </a:lnSpc>
+            </a:pPr>
+            <a:r>
+              <a:rPr lang="en-US" altLang="zh-CN" sz="2600" u="sng" dirty="0">
+                <a:solidFill>
+                  <a:srgbClr val="333333"/>
+                </a:solidFill>
+                <a:latin typeface="+mn-ea"/>
+                <a:ea typeface="+mn-ea"/>
+              </a:rPr>
+              <a:t>3. </a:t>
+            </a:r>
+            <a:r>
+              <a:rPr lang="zh-CN" altLang="en-US" sz="2600" u="sng" dirty="0">
+                <a:solidFill>
+                  <a:srgbClr val="333333"/>
+                </a:solidFill>
+                <a:latin typeface="+mn-ea"/>
+                <a:ea typeface="+mn-ea"/>
+              </a:rPr>
+              <a:t>成果</a:t>
+            </a:r>
+            <a:r>
+              <a:rPr lang="en-US" altLang="zh-CN" sz="2600" u="sng" dirty="0">
+                <a:solidFill>
+                  <a:srgbClr val="333333"/>
+                </a:solidFill>
+                <a:latin typeface="+mn-ea"/>
+                <a:ea typeface="+mn-ea"/>
+              </a:rPr>
+              <a:t>ppt</a:t>
+            </a:r>
+            <a:r>
+              <a:rPr lang="zh-CN" altLang="en-US" sz="2600" u="sng" dirty="0">
+                <a:solidFill>
+                  <a:srgbClr val="333333"/>
+                </a:solidFill>
+                <a:latin typeface="+mn-ea"/>
+                <a:ea typeface="+mn-ea"/>
+              </a:rPr>
+              <a:t>汇报</a:t>
+            </a:r>
+            <a:r>
+              <a:rPr lang="zh-CN" altLang="en-US" sz="2600" dirty="0">
+                <a:solidFill>
+                  <a:srgbClr val="333333"/>
+                </a:solidFill>
+                <a:latin typeface="+mn-ea"/>
+                <a:ea typeface="+mn-ea"/>
+              </a:rPr>
+              <a:t>（最后两次课）。</a:t>
+            </a:r>
+            <a:endParaRPr lang="en-US" altLang="zh-CN" sz="2600" dirty="0">
+              <a:solidFill>
+                <a:srgbClr val="333333"/>
+              </a:solidFill>
+              <a:latin typeface="+mn-ea"/>
+              <a:ea typeface="+mn-ea"/>
+            </a:endParaRPr>
+          </a:p>
+          <a:p>
+            <a:pPr algn="just">
+              <a:lnSpc>
+                <a:spcPct val="200000"/>
+              </a:lnSpc>
+            </a:pPr>
+            <a:endParaRPr lang="en-US" altLang="zh-CN" sz="2600" dirty="0">
+              <a:solidFill>
+                <a:srgbClr val="333333"/>
+              </a:solidFill>
+              <a:latin typeface="+mn-ea"/>
+              <a:ea typeface="+mn-ea"/>
+            </a:endParaRPr>
+          </a:p>
+        </p:txBody>
+      </p:sp>
+    </p:spTree>
+    <p:extLst>
+      <p:ext uri="{BB962C8B-B14F-4D97-AF65-F5344CB8AC3E}">
+        <p14:creationId xmlns:p14="http://schemas.microsoft.com/office/powerpoint/2010/main" val="84020069"/>
+      </p:ext>
+    </p:extLst>
+  </p:cSld>
+  <p:clrMapOvr>
+    <a:masterClrMapping/>
+  </p:clrMapOvr>
+  <p:transition>
+    <p:fade/>
+  </p:transition>
+</p:sld>
+</file>
+
+<file path=ppt/slides/slide5.xml><?xml version="1.0" encoding="utf-8"?>
+<p:sld xmlns:a="http://schemas.openxmlformats.org/drawingml/2006/main" xmlns:r="http://schemas.openxmlformats.org/officeDocument/2006/relationships" xmlns:p="http://schemas.openxmlformats.org/presentationml/2006/main">
+  <p:cSld>
+    <p:spTree>
+      <p:nvGrpSpPr>
+        <p:cNvPr id="1" name=""/>
+        <p:cNvGrpSpPr/>
+        <p:nvPr/>
+      </p:nvGrpSpPr>
+      <p:grpSpPr>
+        <a:xfrm>
+          <a:off x="0" y="0"/>
+          <a:ext cx="0" cy="0"/>
+          <a:chOff x="0" y="0"/>
+          <a:chExt cx="0" cy="0"/>
+        </a:xfrm>
+      </p:grpSpPr>
+      <p:sp>
+        <p:nvSpPr>
+          <p:cNvPr id="3" name="标题 2"/>
+          <p:cNvSpPr>
+            <a:spLocks noGrp="1"/>
+          </p:cNvSpPr>
+          <p:nvPr>
+            <p:ph type="title"/>
+          </p:nvPr>
+        </p:nvSpPr>
+        <p:spPr>
+          <a:xfrm>
+            <a:off x="0" y="8526"/>
+            <a:ext cx="9013371" cy="792162"/>
+          </a:xfrm>
+        </p:spPr>
+        <p:txBody>
+          <a:bodyPr/>
+          <a:lstStyle/>
+          <a:p>
+            <a:pPr algn="l" fontAlgn="auto">
+              <a:spcBef>
+                <a:spcPts val="0"/>
+              </a:spcBef>
+              <a:spcAft>
+                <a:spcPts val="0"/>
+              </a:spcAft>
+            </a:pPr>
+            <a:r>
+              <a:rPr lang="zh-CN" altLang="en-US" sz="3200" dirty="0">
+                <a:latin typeface="+mn-ea"/>
+              </a:rPr>
+              <a:t>实践项目要求</a:t>
+            </a:r>
+            <a:endParaRPr lang="zh-CN" altLang="en-US" sz="3200" dirty="0"/>
+          </a:p>
+        </p:txBody>
+      </p:sp>
+      <p:sp>
+        <p:nvSpPr>
+          <p:cNvPr id="10" name="TextBox 9">
+            <a:extLst>
+              <a:ext uri="{FF2B5EF4-FFF2-40B4-BE49-F238E27FC236}">
+                <a16:creationId xmlns:a16="http://schemas.microsoft.com/office/drawing/2014/main" id="{2662A235-2CC3-749B-1A7D-D9E01F241A84}"/>
+              </a:ext>
+            </a:extLst>
+          </p:cNvPr>
+          <p:cNvSpPr txBox="1"/>
+          <p:nvPr/>
+        </p:nvSpPr>
+        <p:spPr>
+          <a:xfrm>
+            <a:off x="382958" y="950212"/>
             <a:ext cx="8378083" cy="3957302"/>
           </a:xfrm>
           <a:prstGeom prst="rect">
@@ -16470,7 +16609,7 @@
 </p:sld>
 </file>
 
-<file path=ppt/slides/slide5.xml><?xml version="1.0" encoding="utf-8"?>
+<file path=ppt/slides/slide6.xml><?xml version="1.0" encoding="utf-8"?>
 <p:sld xmlns:a="http://schemas.openxmlformats.org/drawingml/2006/main" xmlns:r="http://schemas.openxmlformats.org/officeDocument/2006/relationships" xmlns:p="http://schemas.openxmlformats.org/presentationml/2006/main">
   <p:cSld>
     <p:spTree>

--- a/第7章-开源GIS项目实践-10课时/第7章-开源GIS项目应用实践.pptx
+++ b/第7章-开源GIS项目实践-10课时/第7章-开源GIS项目应用实践.pptx
@@ -6,23 +6,24 @@
     <p:sldMasterId id="2147484986" r:id="rId2"/>
   </p:sldMasterIdLst>
   <p:notesMasterIdLst>
-    <p:notesMasterId r:id="rId9"/>
+    <p:notesMasterId r:id="rId10"/>
   </p:notesMasterIdLst>
   <p:handoutMasterIdLst>
-    <p:handoutMasterId r:id="rId10"/>
+    <p:handoutMasterId r:id="rId11"/>
   </p:handoutMasterIdLst>
   <p:sldIdLst>
     <p:sldId id="2708" r:id="rId3"/>
     <p:sldId id="2782" r:id="rId4"/>
-    <p:sldId id="2777" r:id="rId5"/>
-    <p:sldId id="2779" r:id="rId6"/>
-    <p:sldId id="2780" r:id="rId7"/>
-    <p:sldId id="2781" r:id="rId8"/>
+    <p:sldId id="2783" r:id="rId5"/>
+    <p:sldId id="2777" r:id="rId6"/>
+    <p:sldId id="2779" r:id="rId7"/>
+    <p:sldId id="2780" r:id="rId8"/>
+    <p:sldId id="2781" r:id="rId9"/>
   </p:sldIdLst>
   <p:sldSz cx="9144000" cy="6858000" type="screen4x3"/>
   <p:notesSz cx="7099300" cy="10234613"/>
   <p:custDataLst>
-    <p:tags r:id="rId11"/>
+    <p:tags r:id="rId12"/>
   </p:custDataLst>
   <p:defaultTextStyle>
     <a:defPPr>
@@ -15705,37 +15706,193 @@
             <p:ph idx="1"/>
           </p:nvPr>
         </p:nvSpPr>
-        <p:spPr/>
+        <p:spPr>
+          <a:xfrm>
+            <a:off x="287338" y="981075"/>
+            <a:ext cx="8515576" cy="5184775"/>
+          </a:xfrm>
+        </p:spPr>
         <p:txBody>
           <a:bodyPr/>
           <a:lstStyle/>
           <a:p>
             <a:pPr marL="0" indent="0">
+              <a:lnSpc>
+                <a:spcPct val="200000"/>
+              </a:lnSpc>
               <a:buNone/>
             </a:pPr>
-            <a:endParaRPr lang="en-US" altLang="zh-CN" sz="8800" b="1" dirty="0">
+            <a:r>
+              <a:rPr lang="zh-CN" altLang="en-US" sz="4000" b="1" dirty="0">
+                <a:solidFill>
+                  <a:schemeClr val="accent3"/>
+                </a:solidFill>
+              </a:rPr>
+              <a:t>时间节点：</a:t>
+            </a:r>
+            <a:endParaRPr lang="en-US" altLang="zh-CN" sz="4000" b="1" dirty="0">
               <a:solidFill>
-                <a:srgbClr val="FF0000"/>
+                <a:schemeClr val="accent3"/>
               </a:solidFill>
             </a:endParaRPr>
           </a:p>
           <a:p>
-            <a:pPr marL="0" indent="0" algn="ctr">
+            <a:pPr marL="0" indent="0">
+              <a:lnSpc>
+                <a:spcPct val="200000"/>
+              </a:lnSpc>
               <a:buNone/>
             </a:pPr>
             <a:r>
-              <a:rPr lang="en-US" altLang="zh-CN" sz="8800" b="1" dirty="0">
+              <a:rPr lang="zh-CN" altLang="en-US" sz="4000" b="1" dirty="0"/>
+              <a:t>第三次作业 </a:t>
+            </a:r>
+            <a:r>
+              <a:rPr lang="en-US" altLang="zh-CN" sz="4000" b="1" dirty="0">
                 <a:solidFill>
-                  <a:srgbClr val="FF0000"/>
+                  <a:schemeClr val="accent3"/>
                 </a:solidFill>
               </a:rPr>
-              <a:t>775-196-485</a:t>
-            </a:r>
-            <a:endParaRPr lang="zh-CN" altLang="en-US" sz="8800" b="1" dirty="0">
+              <a:t>-12</a:t>
+            </a:r>
+            <a:r>
+              <a:rPr lang="zh-CN" altLang="en-US" sz="4000" b="1" dirty="0">
+                <a:solidFill>
+                  <a:schemeClr val="accent3"/>
+                </a:solidFill>
+              </a:rPr>
+              <a:t>月</a:t>
+            </a:r>
+            <a:r>
+              <a:rPr lang="en-US" altLang="zh-CN" sz="4000" b="1" dirty="0">
+                <a:solidFill>
+                  <a:schemeClr val="accent3"/>
+                </a:solidFill>
+              </a:rPr>
+              <a:t>18</a:t>
+            </a:r>
+            <a:r>
+              <a:rPr lang="zh-CN" altLang="en-US" sz="4000" b="1" dirty="0">
+                <a:solidFill>
+                  <a:schemeClr val="accent3"/>
+                </a:solidFill>
+              </a:rPr>
+              <a:t>日</a:t>
+            </a:r>
+            <a:endParaRPr lang="en-US" altLang="zh-CN" sz="4000" b="1" dirty="0">
               <a:solidFill>
-                <a:srgbClr val="FF0000"/>
+                <a:schemeClr val="accent3"/>
               </a:solidFill>
             </a:endParaRPr>
+          </a:p>
+          <a:p>
+            <a:pPr marL="0" indent="0">
+              <a:lnSpc>
+                <a:spcPct val="200000"/>
+              </a:lnSpc>
+              <a:buNone/>
+            </a:pPr>
+            <a:r>
+              <a:rPr lang="zh-CN" altLang="en-US" sz="4000" b="1" dirty="0"/>
+              <a:t>开发实践汇报 </a:t>
+            </a:r>
+            <a:r>
+              <a:rPr lang="en-US" altLang="zh-CN" sz="4000" b="1" dirty="0">
+                <a:solidFill>
+                  <a:schemeClr val="accent3"/>
+                </a:solidFill>
+              </a:rPr>
+              <a:t>-12</a:t>
+            </a:r>
+            <a:r>
+              <a:rPr lang="zh-CN" altLang="en-US" sz="4000" b="1" dirty="0">
+                <a:solidFill>
+                  <a:schemeClr val="accent3"/>
+                </a:solidFill>
+              </a:rPr>
+              <a:t>月</a:t>
+            </a:r>
+            <a:r>
+              <a:rPr lang="en-US" altLang="zh-CN" sz="4000" b="1" dirty="0">
+                <a:solidFill>
+                  <a:schemeClr val="accent3"/>
+                </a:solidFill>
+              </a:rPr>
+              <a:t>20</a:t>
+            </a:r>
+            <a:r>
+              <a:rPr lang="zh-CN" altLang="en-US" sz="4000" b="1" dirty="0">
+                <a:solidFill>
+                  <a:schemeClr val="accent3"/>
+                </a:solidFill>
+              </a:rPr>
+              <a:t>日（</a:t>
+            </a:r>
+            <a:r>
+              <a:rPr lang="en-US" altLang="zh-CN" sz="4000" b="1" dirty="0">
+                <a:solidFill>
+                  <a:schemeClr val="accent3"/>
+                </a:solidFill>
+              </a:rPr>
+              <a:t>17</a:t>
+            </a:r>
+            <a:r>
+              <a:rPr lang="zh-CN" altLang="en-US" sz="4000" b="1" dirty="0">
+                <a:solidFill>
+                  <a:schemeClr val="accent3"/>
+                </a:solidFill>
+              </a:rPr>
+              <a:t>周）</a:t>
+            </a:r>
+            <a:endParaRPr lang="en-US" altLang="zh-CN" sz="4000" b="1" dirty="0">
+              <a:solidFill>
+                <a:schemeClr val="accent3"/>
+              </a:solidFill>
+            </a:endParaRPr>
+          </a:p>
+          <a:p>
+            <a:pPr marL="0" indent="0">
+              <a:lnSpc>
+                <a:spcPct val="200000"/>
+              </a:lnSpc>
+              <a:buNone/>
+            </a:pPr>
+            <a:r>
+              <a:rPr lang="zh-CN" altLang="en-US" sz="4000" b="1" dirty="0"/>
+              <a:t>开发实践报告及技术文档 </a:t>
+            </a:r>
+            <a:r>
+              <a:rPr lang="en-US" altLang="zh-CN" sz="4000" b="1" dirty="0">
+                <a:solidFill>
+                  <a:schemeClr val="accent3"/>
+                </a:solidFill>
+              </a:rPr>
+              <a:t>-12</a:t>
+            </a:r>
+            <a:r>
+              <a:rPr lang="zh-CN" altLang="en-US" sz="4000" b="1" dirty="0">
+                <a:solidFill>
+                  <a:schemeClr val="accent3"/>
+                </a:solidFill>
+              </a:rPr>
+              <a:t>月</a:t>
+            </a:r>
+            <a:r>
+              <a:rPr lang="en-US" altLang="zh-CN" sz="4000" b="1" dirty="0">
+                <a:solidFill>
+                  <a:schemeClr val="accent3"/>
+                </a:solidFill>
+              </a:rPr>
+              <a:t>31</a:t>
+            </a:r>
+            <a:r>
+              <a:rPr lang="zh-CN" altLang="en-US" sz="4000" b="1" dirty="0">
+                <a:solidFill>
+                  <a:schemeClr val="accent3"/>
+                </a:solidFill>
+              </a:rPr>
+              <a:t>日</a:t>
+            </a:r>
           </a:p>
         </p:txBody>
       </p:sp>
@@ -15829,7 +15986,13 @@
       </p:grpSpPr>
       <p:sp>
         <p:nvSpPr>
-          <p:cNvPr id="3" name="标题 2"/>
+          <p:cNvPr id="3" name="标题 2">
+            <a:extLst>
+              <a:ext uri="{FF2B5EF4-FFF2-40B4-BE49-F238E27FC236}">
+                <a16:creationId xmlns:a16="http://schemas.microsoft.com/office/drawing/2014/main" id="{01EFFC1B-E4DA-A18B-A52D-CFF3660DDD87}"/>
+              </a:ext>
+            </a:extLst>
+          </p:cNvPr>
           <p:cNvSpPr>
             <a:spLocks noGrp="1"/>
           </p:cNvSpPr>
@@ -15837,40 +16000,81 @@
             <p:ph type="title"/>
           </p:nvPr>
         </p:nvSpPr>
-        <p:spPr>
-          <a:xfrm>
-            <a:off x="0" y="8526"/>
-            <a:ext cx="9013371" cy="792162"/>
-          </a:xfrm>
-        </p:spPr>
+        <p:spPr/>
         <p:txBody>
           <a:bodyPr/>
           <a:lstStyle/>
           <a:p>
-            <a:pPr algn="l" fontAlgn="auto">
-              <a:spcBef>
-                <a:spcPts val="0"/>
-              </a:spcBef>
-              <a:spcAft>
-                <a:spcPts val="0"/>
-              </a:spcAft>
-            </a:pPr>
-            <a:r>
-              <a:rPr lang="zh-CN" altLang="en-US" sz="3200" dirty="0">
-                <a:latin typeface="+mn-ea"/>
-              </a:rPr>
-              <a:t>实践项目选题</a:t>
-            </a:r>
-            <a:endParaRPr lang="zh-CN" altLang="en-US" sz="3200" dirty="0"/>
+            <a:endParaRPr lang="zh-CN" altLang="en-US" dirty="0"/>
           </a:p>
         </p:txBody>
       </p:sp>
       <p:sp>
         <p:nvSpPr>
-          <p:cNvPr id="10" name="TextBox 9">
+          <p:cNvPr id="4" name="灯片编号占位符 3">
             <a:extLst>
               <a:ext uri="{FF2B5EF4-FFF2-40B4-BE49-F238E27FC236}">
-                <a16:creationId xmlns:a16="http://schemas.microsoft.com/office/drawing/2014/main" id="{2662A235-2CC3-749B-1A7D-D9E01F241A84}"/>
+                <a16:creationId xmlns:a16="http://schemas.microsoft.com/office/drawing/2014/main" id="{645B164D-F3C3-9849-6602-1AA3AF062BA8}"/>
+              </a:ext>
+            </a:extLst>
+          </p:cNvPr>
+          <p:cNvSpPr>
+            <a:spLocks noGrp="1"/>
+          </p:cNvSpPr>
+          <p:nvPr>
+            <p:ph type="sldNum" sz="quarter" idx="10"/>
+          </p:nvPr>
+        </p:nvSpPr>
+        <p:spPr/>
+        <p:txBody>
+          <a:bodyPr/>
+          <a:lstStyle/>
+          <a:p>
+            <a:fld id="{B8E54011-88F9-4C11-89A5-A0E112247FEB}" type="slidenum">
+              <a:rPr lang="zh-CN" altLang="en-US" smtClean="0"/>
+              <a:pPr/>
+              <a:t>3</a:t>
+            </a:fld>
+            <a:endParaRPr lang="zh-CN" altLang="en-US"/>
+          </a:p>
+        </p:txBody>
+      </p:sp>
+      <p:pic>
+        <p:nvPicPr>
+          <p:cNvPr id="8" name="图片 7">
+            <a:extLst>
+              <a:ext uri="{FF2B5EF4-FFF2-40B4-BE49-F238E27FC236}">
+                <a16:creationId xmlns:a16="http://schemas.microsoft.com/office/drawing/2014/main" id="{D0DA0B4F-DDD2-5E91-8518-616104B1C89B}"/>
+              </a:ext>
+            </a:extLst>
+          </p:cNvPr>
+          <p:cNvPicPr>
+            <a:picLocks noChangeAspect="1"/>
+          </p:cNvPicPr>
+          <p:nvPr/>
+        </p:nvPicPr>
+        <p:blipFill>
+          <a:blip r:embed="rId2"/>
+          <a:stretch>
+            <a:fillRect/>
+          </a:stretch>
+        </p:blipFill>
+        <p:spPr>
+          <a:xfrm>
+            <a:off x="678956" y="2489426"/>
+            <a:ext cx="7786087" cy="2193699"/>
+          </a:xfrm>
+          <a:prstGeom prst="rect">
+            <a:avLst/>
+          </a:prstGeom>
+        </p:spPr>
+      </p:pic>
+      <p:sp>
+        <p:nvSpPr>
+          <p:cNvPr id="9" name="文本框 8">
+            <a:extLst>
+              <a:ext uri="{FF2B5EF4-FFF2-40B4-BE49-F238E27FC236}">
+                <a16:creationId xmlns:a16="http://schemas.microsoft.com/office/drawing/2014/main" id="{52FDF317-6BCD-45FF-CE17-17DCEDF20746}"/>
               </a:ext>
             </a:extLst>
           </p:cNvPr>
@@ -15879,8 +16083,8 @@
         </p:nvSpPr>
         <p:spPr>
           <a:xfrm>
-            <a:off x="612896" y="1416021"/>
-            <a:ext cx="7918208" cy="4190250"/>
+            <a:off x="730516" y="1973943"/>
+            <a:ext cx="1107997" cy="461665"/>
           </a:xfrm>
           <a:prstGeom prst="rect">
             <a:avLst/>
@@ -15888,216 +16092,65 @@
           <a:noFill/>
         </p:spPr>
         <p:txBody>
-          <a:bodyPr wrap="square">
+          <a:bodyPr wrap="none" rtlCol="0">
             <a:spAutoFit/>
           </a:bodyPr>
           <a:lstStyle/>
           <a:p>
-            <a:pPr algn="just">
-              <a:lnSpc>
-                <a:spcPct val="150000"/>
-              </a:lnSpc>
-            </a:pPr>
-            <a:r>
-              <a:rPr lang="zh-CN" altLang="en-US" sz="3200" b="1" dirty="0">
+            <a:r>
+              <a:rPr lang="zh-CN" altLang="en-US" dirty="0">
                 <a:solidFill>
-                  <a:srgbClr val="0070C0"/>
+                  <a:schemeClr val="accent3"/>
                 </a:solidFill>
-                <a:highlight>
-                  <a:srgbClr val="FFFFFF"/>
-                </a:highlight>
-                <a:latin typeface="Arial"/>
-                <a:ea typeface="微软雅黑"/>
               </a:rPr>
-              <a:t>一、开源</a:t>
-            </a:r>
-            <a:r>
-              <a:rPr lang="en-US" altLang="zh-CN" sz="3200" b="1" dirty="0">
+              <a:t>第一组</a:t>
+            </a:r>
+          </a:p>
+        </p:txBody>
+      </p:sp>
+      <p:sp>
+        <p:nvSpPr>
+          <p:cNvPr id="10" name="文本框 9">
+            <a:extLst>
+              <a:ext uri="{FF2B5EF4-FFF2-40B4-BE49-F238E27FC236}">
+                <a16:creationId xmlns:a16="http://schemas.microsoft.com/office/drawing/2014/main" id="{1FFF9D52-099E-554F-0C78-1AE912B1F95C}"/>
+              </a:ext>
+            </a:extLst>
+          </p:cNvPr>
+          <p:cNvSpPr txBox="1"/>
+          <p:nvPr/>
+        </p:nvSpPr>
+        <p:spPr>
+          <a:xfrm>
+            <a:off x="7357047" y="1973942"/>
+            <a:ext cx="1107996" cy="461665"/>
+          </a:xfrm>
+          <a:prstGeom prst="rect">
+            <a:avLst/>
+          </a:prstGeom>
+          <a:noFill/>
+        </p:spPr>
+        <p:txBody>
+          <a:bodyPr wrap="none" rtlCol="0">
+            <a:spAutoFit/>
+          </a:bodyPr>
+          <a:lstStyle/>
+          <a:p>
+            <a:r>
+              <a:rPr lang="zh-CN" altLang="en-US" dirty="0">
                 <a:solidFill>
-                  <a:srgbClr val="0070C0"/>
+                  <a:schemeClr val="accent3"/>
                 </a:solidFill>
-                <a:highlight>
-                  <a:srgbClr val="FFFFFF"/>
-                </a:highlight>
-                <a:latin typeface="Arial"/>
-                <a:ea typeface="微软雅黑"/>
               </a:rPr>
-              <a:t>GIS</a:t>
-            </a:r>
-            <a:r>
-              <a:rPr lang="zh-CN" altLang="en-US" sz="3200" b="1" dirty="0">
-                <a:solidFill>
-                  <a:srgbClr val="0070C0"/>
-                </a:solidFill>
-                <a:highlight>
-                  <a:srgbClr val="FFFFFF"/>
-                </a:highlight>
-                <a:latin typeface="Arial"/>
-                <a:ea typeface="微软雅黑"/>
-              </a:rPr>
-              <a:t>软件与数据支持的</a:t>
-            </a:r>
-            <a:r>
-              <a:rPr lang="en-US" altLang="zh-CN" sz="3200" b="1" dirty="0">
-                <a:solidFill>
-                  <a:srgbClr val="0070C0"/>
-                </a:solidFill>
-                <a:highlight>
-                  <a:srgbClr val="FFFFFF"/>
-                </a:highlight>
-                <a:latin typeface="Arial"/>
-                <a:ea typeface="微软雅黑"/>
-              </a:rPr>
-              <a:t>xx</a:t>
-            </a:r>
-            <a:r>
-              <a:rPr lang="zh-CN" altLang="en-US" sz="3200" b="1" dirty="0">
-                <a:solidFill>
-                  <a:srgbClr val="0070C0"/>
-                </a:solidFill>
-                <a:highlight>
-                  <a:srgbClr val="FFFFFF"/>
-                </a:highlight>
-                <a:latin typeface="Arial"/>
-                <a:ea typeface="微软雅黑"/>
-              </a:rPr>
-              <a:t>湖泊历史变化分析</a:t>
-            </a:r>
-          </a:p>
-          <a:p>
-            <a:pPr algn="just">
-              <a:lnSpc>
-                <a:spcPct val="150000"/>
-              </a:lnSpc>
-            </a:pPr>
-            <a:r>
-              <a:rPr lang="zh-CN" altLang="en-US" sz="3200" b="1" dirty="0">
-                <a:solidFill>
-                  <a:srgbClr val="0070C0"/>
-                </a:solidFill>
-                <a:highlight>
-                  <a:srgbClr val="FFFFFF"/>
-                </a:highlight>
-                <a:latin typeface="Arial"/>
-                <a:ea typeface="微软雅黑"/>
-              </a:rPr>
-              <a:t>二、开源</a:t>
-            </a:r>
-            <a:r>
-              <a:rPr lang="en-US" altLang="zh-CN" sz="3200" b="1" dirty="0">
-                <a:solidFill>
-                  <a:srgbClr val="0070C0"/>
-                </a:solidFill>
-                <a:highlight>
-                  <a:srgbClr val="FFFFFF"/>
-                </a:highlight>
-                <a:latin typeface="Arial"/>
-                <a:ea typeface="微软雅黑"/>
-              </a:rPr>
-              <a:t>GIS</a:t>
-            </a:r>
-            <a:r>
-              <a:rPr lang="zh-CN" altLang="en-US" sz="3200" b="1" dirty="0">
-                <a:solidFill>
-                  <a:srgbClr val="0070C0"/>
-                </a:solidFill>
-                <a:highlight>
-                  <a:srgbClr val="FFFFFF"/>
-                </a:highlight>
-                <a:latin typeface="Arial"/>
-                <a:ea typeface="微软雅黑"/>
-              </a:rPr>
-              <a:t>软件与数据支持的</a:t>
-            </a:r>
-            <a:r>
-              <a:rPr lang="en-US" altLang="zh-CN" sz="3200" b="1" dirty="0">
-                <a:solidFill>
-                  <a:srgbClr val="0070C0"/>
-                </a:solidFill>
-                <a:highlight>
-                  <a:srgbClr val="FFFFFF"/>
-                </a:highlight>
-                <a:latin typeface="Arial"/>
-                <a:ea typeface="微软雅黑"/>
-              </a:rPr>
-              <a:t>xx</a:t>
-            </a:r>
-            <a:r>
-              <a:rPr lang="zh-CN" altLang="en-US" sz="3200" b="1" dirty="0">
-                <a:solidFill>
-                  <a:srgbClr val="0070C0"/>
-                </a:solidFill>
-                <a:highlight>
-                  <a:srgbClr val="FFFFFF"/>
-                </a:highlight>
-                <a:latin typeface="Arial"/>
-                <a:ea typeface="微软雅黑"/>
-              </a:rPr>
-              <a:t>区域在线</a:t>
-            </a:r>
-            <a:r>
-              <a:rPr lang="en-US" altLang="zh-CN" sz="3200" b="1" dirty="0">
-                <a:solidFill>
-                  <a:srgbClr val="0070C0"/>
-                </a:solidFill>
-                <a:highlight>
-                  <a:srgbClr val="FFFFFF"/>
-                </a:highlight>
-                <a:latin typeface="Arial"/>
-                <a:ea typeface="微软雅黑"/>
-              </a:rPr>
-              <a:t>xx</a:t>
-            </a:r>
-            <a:r>
-              <a:rPr lang="zh-CN" altLang="en-US" sz="3200" b="1" dirty="0">
-                <a:solidFill>
-                  <a:srgbClr val="0070C0"/>
-                </a:solidFill>
-                <a:highlight>
-                  <a:srgbClr val="FFFFFF"/>
-                </a:highlight>
-                <a:latin typeface="Arial"/>
-                <a:ea typeface="微软雅黑"/>
-              </a:rPr>
-              <a:t>专题地图开发</a:t>
-            </a:r>
-          </a:p>
-          <a:p>
-            <a:pPr algn="just">
-              <a:lnSpc>
-                <a:spcPct val="150000"/>
-              </a:lnSpc>
-            </a:pPr>
-            <a:r>
-              <a:rPr lang="zh-CN" altLang="en-US" sz="3200" b="1" dirty="0">
-                <a:solidFill>
-                  <a:srgbClr val="0070C0"/>
-                </a:solidFill>
-                <a:highlight>
-                  <a:srgbClr val="FFFFFF"/>
-                </a:highlight>
-                <a:latin typeface="Arial"/>
-                <a:ea typeface="微软雅黑"/>
-              </a:rPr>
-              <a:t>三、自选题目</a:t>
-            </a:r>
-            <a:endParaRPr lang="en-US" altLang="zh-CN" sz="3200" b="1" dirty="0">
-              <a:solidFill>
-                <a:srgbClr val="0070C0"/>
-              </a:solidFill>
-              <a:highlight>
-                <a:srgbClr val="FFFFFF"/>
-              </a:highlight>
-              <a:latin typeface="Arial"/>
-              <a:ea typeface="微软雅黑"/>
-            </a:endParaRPr>
+              <a:t>第七组</a:t>
+            </a:r>
           </a:p>
         </p:txBody>
       </p:sp>
     </p:spTree>
     <p:extLst>
       <p:ext uri="{BB962C8B-B14F-4D97-AF65-F5344CB8AC3E}">
-        <p14:creationId xmlns:p14="http://schemas.microsoft.com/office/powerpoint/2010/main" val="3929622803"/>
+        <p14:creationId xmlns:p14="http://schemas.microsoft.com/office/powerpoint/2010/main" val="4030974495"/>
       </p:ext>
     </p:extLst>
   </p:cSld>
@@ -16159,7 +16212,7 @@
               <a:rPr lang="zh-CN" altLang="en-US" sz="3200" dirty="0">
                 <a:latin typeface="+mn-ea"/>
               </a:rPr>
-              <a:t>实践项目要求</a:t>
+              <a:t>实践项目选题</a:t>
             </a:r>
             <a:endParaRPr lang="zh-CN" altLang="en-US" sz="3200" dirty="0"/>
           </a:p>
@@ -16179,8 +16232,8 @@
         </p:nvSpPr>
         <p:spPr>
           <a:xfrm>
-            <a:off x="382958" y="950212"/>
-            <a:ext cx="8378083" cy="5757795"/>
+            <a:off x="612896" y="1416021"/>
+            <a:ext cx="7918208" cy="4190250"/>
           </a:xfrm>
           <a:prstGeom prst="rect">
             <a:avLst/>
@@ -16195,211 +16248,201 @@
           <a:p>
             <a:pPr algn="just">
               <a:lnSpc>
-                <a:spcPct val="200000"/>
+                <a:spcPct val="150000"/>
               </a:lnSpc>
             </a:pPr>
             <a:r>
               <a:rPr lang="zh-CN" altLang="en-US" sz="3200" b="1" dirty="0">
                 <a:solidFill>
-                  <a:srgbClr val="333333"/>
+                  <a:srgbClr val="0070C0"/>
                 </a:solidFill>
-                <a:latin typeface="+mn-ea"/>
-                <a:ea typeface="+mn-ea"/>
+                <a:highlight>
+                  <a:srgbClr val="FFFFFF"/>
+                </a:highlight>
+                <a:latin typeface="Arial"/>
+                <a:ea typeface="微软雅黑"/>
               </a:rPr>
-              <a:t>提交成果要求：</a:t>
+              <a:t>一、开源</a:t>
+            </a:r>
+            <a:r>
+              <a:rPr lang="en-US" altLang="zh-CN" sz="3200" b="1" dirty="0">
+                <a:solidFill>
+                  <a:srgbClr val="0070C0"/>
+                </a:solidFill>
+                <a:highlight>
+                  <a:srgbClr val="FFFFFF"/>
+                </a:highlight>
+                <a:latin typeface="Arial"/>
+                <a:ea typeface="微软雅黑"/>
+              </a:rPr>
+              <a:t>GIS</a:t>
+            </a:r>
+            <a:r>
+              <a:rPr lang="zh-CN" altLang="en-US" sz="3200" b="1" dirty="0">
+                <a:solidFill>
+                  <a:srgbClr val="0070C0"/>
+                </a:solidFill>
+                <a:highlight>
+                  <a:srgbClr val="FFFFFF"/>
+                </a:highlight>
+                <a:latin typeface="Arial"/>
+                <a:ea typeface="微软雅黑"/>
+              </a:rPr>
+              <a:t>软件与数据支持的</a:t>
+            </a:r>
+            <a:r>
+              <a:rPr lang="en-US" altLang="zh-CN" sz="3200" b="1" dirty="0">
+                <a:solidFill>
+                  <a:srgbClr val="0070C0"/>
+                </a:solidFill>
+                <a:highlight>
+                  <a:srgbClr val="FFFFFF"/>
+                </a:highlight>
+                <a:latin typeface="Arial"/>
+                <a:ea typeface="微软雅黑"/>
+              </a:rPr>
+              <a:t>xx</a:t>
+            </a:r>
+            <a:r>
+              <a:rPr lang="zh-CN" altLang="en-US" sz="3200" b="1" dirty="0">
+                <a:solidFill>
+                  <a:srgbClr val="0070C0"/>
+                </a:solidFill>
+                <a:highlight>
+                  <a:srgbClr val="FFFFFF"/>
+                </a:highlight>
+                <a:latin typeface="Arial"/>
+                <a:ea typeface="微软雅黑"/>
+              </a:rPr>
+              <a:t>湖泊历史变化分析</a:t>
+            </a:r>
+          </a:p>
+          <a:p>
+            <a:pPr algn="just">
+              <a:lnSpc>
+                <a:spcPct val="150000"/>
+              </a:lnSpc>
+            </a:pPr>
+            <a:r>
+              <a:rPr lang="zh-CN" altLang="en-US" sz="3200" b="1" dirty="0">
+                <a:solidFill>
+                  <a:srgbClr val="0070C0"/>
+                </a:solidFill>
+                <a:highlight>
+                  <a:srgbClr val="FFFFFF"/>
+                </a:highlight>
+                <a:latin typeface="Arial"/>
+                <a:ea typeface="微软雅黑"/>
+              </a:rPr>
+              <a:t>二、开源</a:t>
+            </a:r>
+            <a:r>
+              <a:rPr lang="en-US" altLang="zh-CN" sz="3200" b="1" dirty="0">
+                <a:solidFill>
+                  <a:srgbClr val="0070C0"/>
+                </a:solidFill>
+                <a:highlight>
+                  <a:srgbClr val="FFFFFF"/>
+                </a:highlight>
+                <a:latin typeface="Arial"/>
+                <a:ea typeface="微软雅黑"/>
+              </a:rPr>
+              <a:t>GIS</a:t>
+            </a:r>
+            <a:r>
+              <a:rPr lang="zh-CN" altLang="en-US" sz="3200" b="1" dirty="0">
+                <a:solidFill>
+                  <a:srgbClr val="0070C0"/>
+                </a:solidFill>
+                <a:highlight>
+                  <a:srgbClr val="FFFFFF"/>
+                </a:highlight>
+                <a:latin typeface="Arial"/>
+                <a:ea typeface="微软雅黑"/>
+              </a:rPr>
+              <a:t>软件与数据支持的</a:t>
+            </a:r>
+            <a:r>
+              <a:rPr lang="en-US" altLang="zh-CN" sz="3200" b="1" dirty="0">
+                <a:solidFill>
+                  <a:srgbClr val="0070C0"/>
+                </a:solidFill>
+                <a:highlight>
+                  <a:srgbClr val="FFFFFF"/>
+                </a:highlight>
+                <a:latin typeface="Arial"/>
+                <a:ea typeface="微软雅黑"/>
+              </a:rPr>
+              <a:t>xx</a:t>
+            </a:r>
+            <a:r>
+              <a:rPr lang="zh-CN" altLang="en-US" sz="3200" b="1" dirty="0">
+                <a:solidFill>
+                  <a:srgbClr val="0070C0"/>
+                </a:solidFill>
+                <a:highlight>
+                  <a:srgbClr val="FFFFFF"/>
+                </a:highlight>
+                <a:latin typeface="Arial"/>
+                <a:ea typeface="微软雅黑"/>
+              </a:rPr>
+              <a:t>区域在线</a:t>
+            </a:r>
+            <a:r>
+              <a:rPr lang="en-US" altLang="zh-CN" sz="3200" b="1" dirty="0">
+                <a:solidFill>
+                  <a:srgbClr val="0070C0"/>
+                </a:solidFill>
+                <a:highlight>
+                  <a:srgbClr val="FFFFFF"/>
+                </a:highlight>
+                <a:latin typeface="Arial"/>
+                <a:ea typeface="微软雅黑"/>
+              </a:rPr>
+              <a:t>xx</a:t>
+            </a:r>
+            <a:r>
+              <a:rPr lang="zh-CN" altLang="en-US" sz="3200" b="1" dirty="0">
+                <a:solidFill>
+                  <a:srgbClr val="0070C0"/>
+                </a:solidFill>
+                <a:highlight>
+                  <a:srgbClr val="FFFFFF"/>
+                </a:highlight>
+                <a:latin typeface="Arial"/>
+                <a:ea typeface="微软雅黑"/>
+              </a:rPr>
+              <a:t>专题地图开发</a:t>
+            </a:r>
+          </a:p>
+          <a:p>
+            <a:pPr algn="just">
+              <a:lnSpc>
+                <a:spcPct val="150000"/>
+              </a:lnSpc>
+            </a:pPr>
+            <a:r>
+              <a:rPr lang="zh-CN" altLang="en-US" sz="3200" b="1" dirty="0">
+                <a:solidFill>
+                  <a:srgbClr val="0070C0"/>
+                </a:solidFill>
+                <a:highlight>
+                  <a:srgbClr val="FFFFFF"/>
+                </a:highlight>
+                <a:latin typeface="Arial"/>
+                <a:ea typeface="微软雅黑"/>
+              </a:rPr>
+              <a:t>三、自选题目</a:t>
             </a:r>
             <a:endParaRPr lang="en-US" altLang="zh-CN" sz="3200" b="1" dirty="0">
               <a:solidFill>
-                <a:srgbClr val="333333"/>
+                <a:srgbClr val="0070C0"/>
               </a:solidFill>
-              <a:latin typeface="+mn-ea"/>
-              <a:ea typeface="+mn-ea"/>
-            </a:endParaRPr>
-          </a:p>
-          <a:p>
-            <a:pPr algn="just">
-              <a:lnSpc>
-                <a:spcPct val="200000"/>
-              </a:lnSpc>
-            </a:pPr>
-            <a:r>
-              <a:rPr lang="en-US" altLang="zh-CN" sz="2600" u="sng" dirty="0">
-                <a:solidFill>
-                  <a:srgbClr val="333333"/>
-                </a:solidFill>
-                <a:latin typeface="+mn-ea"/>
-                <a:ea typeface="+mn-ea"/>
-              </a:rPr>
-              <a:t>1. </a:t>
-            </a:r>
-            <a:r>
-              <a:rPr lang="zh-CN" altLang="en-US" sz="2600" u="sng" dirty="0">
-                <a:solidFill>
-                  <a:srgbClr val="333333"/>
-                </a:solidFill>
-                <a:latin typeface="+mn-ea"/>
-                <a:ea typeface="+mn-ea"/>
-              </a:rPr>
-              <a:t>技术（源代码</a:t>
-            </a:r>
-            <a:r>
-              <a:rPr lang="en-US" altLang="zh-CN" sz="2600" u="sng" dirty="0">
-                <a:solidFill>
-                  <a:srgbClr val="333333"/>
-                </a:solidFill>
-                <a:latin typeface="+mn-ea"/>
-                <a:ea typeface="+mn-ea"/>
-              </a:rPr>
-              <a:t>/</a:t>
-            </a:r>
-            <a:r>
-              <a:rPr lang="zh-CN" altLang="en-US" sz="2600" u="sng" dirty="0">
-                <a:solidFill>
-                  <a:srgbClr val="333333"/>
-                </a:solidFill>
-                <a:latin typeface="+mn-ea"/>
-                <a:ea typeface="+mn-ea"/>
-              </a:rPr>
-              <a:t>软件操作）说明文档</a:t>
-            </a:r>
-            <a:r>
-              <a:rPr lang="zh-CN" altLang="en-US" sz="2600" dirty="0">
-                <a:solidFill>
-                  <a:srgbClr val="333333"/>
-                </a:solidFill>
-                <a:latin typeface="+mn-ea"/>
-                <a:ea typeface="+mn-ea"/>
-              </a:rPr>
-              <a:t>。包含具体由哪位成员完成信息。</a:t>
-            </a:r>
-            <a:endParaRPr lang="en-US" altLang="zh-CN" sz="2600" dirty="0">
-              <a:solidFill>
-                <a:srgbClr val="333333"/>
-              </a:solidFill>
-              <a:latin typeface="+mn-ea"/>
-              <a:ea typeface="+mn-ea"/>
-            </a:endParaRPr>
-          </a:p>
-          <a:p>
-            <a:pPr algn="just">
-              <a:lnSpc>
-                <a:spcPct val="200000"/>
-              </a:lnSpc>
-            </a:pPr>
-            <a:r>
-              <a:rPr lang="en-US" altLang="zh-CN" sz="2600" u="sng" dirty="0">
-                <a:solidFill>
-                  <a:srgbClr val="333333"/>
-                </a:solidFill>
-                <a:latin typeface="+mn-ea"/>
-                <a:ea typeface="+mn-ea"/>
-              </a:rPr>
-              <a:t>2. </a:t>
-            </a:r>
-            <a:r>
-              <a:rPr lang="zh-CN" altLang="en-US" sz="2600" u="sng" dirty="0">
-                <a:solidFill>
-                  <a:srgbClr val="333333"/>
-                </a:solidFill>
-                <a:latin typeface="+mn-ea"/>
-                <a:ea typeface="+mn-ea"/>
-              </a:rPr>
-              <a:t>论文形式实验报告</a:t>
-            </a:r>
-            <a:r>
-              <a:rPr lang="zh-CN" altLang="en-US" sz="2600" dirty="0">
-                <a:solidFill>
-                  <a:srgbClr val="333333"/>
-                </a:solidFill>
-                <a:latin typeface="+mn-ea"/>
-                <a:ea typeface="+mn-ea"/>
-              </a:rPr>
-              <a:t>。</a:t>
-            </a:r>
-            <a:endParaRPr lang="en-US" altLang="zh-CN" sz="2600" dirty="0">
-              <a:solidFill>
-                <a:srgbClr val="333333"/>
-              </a:solidFill>
-              <a:latin typeface="+mn-ea"/>
-              <a:ea typeface="+mn-ea"/>
-            </a:endParaRPr>
-          </a:p>
-          <a:p>
-            <a:pPr algn="just">
-              <a:lnSpc>
-                <a:spcPct val="200000"/>
-              </a:lnSpc>
-            </a:pPr>
-            <a:r>
-              <a:rPr lang="en-US" altLang="zh-CN" sz="2600" u="sng" dirty="0">
-                <a:solidFill>
-                  <a:srgbClr val="333333"/>
-                </a:solidFill>
-                <a:latin typeface="+mn-ea"/>
-                <a:ea typeface="+mn-ea"/>
-              </a:rPr>
-              <a:t>3. </a:t>
-            </a:r>
-            <a:r>
-              <a:rPr lang="zh-CN" altLang="en-US" sz="2600" u="sng" dirty="0">
-                <a:solidFill>
-                  <a:srgbClr val="333333"/>
-                </a:solidFill>
-                <a:latin typeface="+mn-ea"/>
-                <a:ea typeface="+mn-ea"/>
-              </a:rPr>
-              <a:t>成果</a:t>
-            </a:r>
-            <a:r>
-              <a:rPr lang="en-US" altLang="zh-CN" sz="2600" u="sng" dirty="0">
-                <a:solidFill>
-                  <a:srgbClr val="333333"/>
-                </a:solidFill>
-                <a:latin typeface="+mn-ea"/>
-                <a:ea typeface="+mn-ea"/>
-              </a:rPr>
-              <a:t>ppt</a:t>
-            </a:r>
-            <a:r>
-              <a:rPr lang="zh-CN" altLang="en-US" sz="2600" u="sng" dirty="0">
-                <a:solidFill>
-                  <a:srgbClr val="333333"/>
-                </a:solidFill>
-                <a:latin typeface="+mn-ea"/>
-                <a:ea typeface="+mn-ea"/>
-              </a:rPr>
-              <a:t>汇报</a:t>
-            </a:r>
-            <a:r>
-              <a:rPr lang="zh-CN" altLang="en-US" sz="2600" dirty="0">
-                <a:solidFill>
-                  <a:srgbClr val="333333"/>
-                </a:solidFill>
-                <a:latin typeface="+mn-ea"/>
-                <a:ea typeface="+mn-ea"/>
-              </a:rPr>
-              <a:t>（最后两次课）。</a:t>
-            </a:r>
-            <a:endParaRPr lang="en-US" altLang="zh-CN" sz="2600" dirty="0">
-              <a:solidFill>
-                <a:srgbClr val="333333"/>
-              </a:solidFill>
-              <a:latin typeface="+mn-ea"/>
-              <a:ea typeface="+mn-ea"/>
-            </a:endParaRPr>
-          </a:p>
-          <a:p>
-            <a:pPr algn="just">
-              <a:lnSpc>
-                <a:spcPct val="200000"/>
-              </a:lnSpc>
-            </a:pPr>
-            <a:endParaRPr lang="en-US" altLang="zh-CN" sz="2600" dirty="0">
-              <a:solidFill>
-                <a:srgbClr val="333333"/>
-              </a:solidFill>
-              <a:latin typeface="+mn-ea"/>
-              <a:ea typeface="+mn-ea"/>
+              <a:highlight>
+                <a:srgbClr val="FFFFFF"/>
+              </a:highlight>
+              <a:latin typeface="Arial"/>
+              <a:ea typeface="微软雅黑"/>
             </a:endParaRPr>
           </a:p>
         </p:txBody>
@@ -16407,7 +16450,7 @@
     </p:spTree>
     <p:extLst>
       <p:ext uri="{BB962C8B-B14F-4D97-AF65-F5344CB8AC3E}">
-        <p14:creationId xmlns:p14="http://schemas.microsoft.com/office/powerpoint/2010/main" val="84020069"/>
+        <p14:creationId xmlns:p14="http://schemas.microsoft.com/office/powerpoint/2010/main" val="3929622803"/>
       </p:ext>
     </p:extLst>
   </p:cSld>
@@ -16490,7 +16533,7 @@
         <p:spPr>
           <a:xfrm>
             <a:off x="382958" y="950212"/>
-            <a:ext cx="8378083" cy="3957302"/>
+            <a:ext cx="8378083" cy="5757795"/>
           </a:xfrm>
           <a:prstGeom prst="rect">
             <a:avLst/>
@@ -16516,7 +16559,7 @@
                 <a:latin typeface="+mn-ea"/>
                 <a:ea typeface="+mn-ea"/>
               </a:rPr>
-              <a:t>实践项目内容要求：</a:t>
+              <a:t>提交成果要求：</a:t>
             </a:r>
             <a:endParaRPr lang="en-US" altLang="zh-CN" sz="3200" b="1" dirty="0">
               <a:solidFill>
@@ -16527,12 +16570,51 @@
             </a:endParaRPr>
           </a:p>
           <a:p>
-            <a:pPr marL="514350" indent="-514350" algn="just">
+            <a:pPr algn="just">
               <a:lnSpc>
                 <a:spcPct val="200000"/>
               </a:lnSpc>
-              <a:buAutoNum type="arabicPeriod"/>
             </a:pPr>
+            <a:r>
+              <a:rPr lang="en-US" altLang="zh-CN" sz="2600" u="sng" dirty="0">
+                <a:solidFill>
+                  <a:srgbClr val="333333"/>
+                </a:solidFill>
+                <a:latin typeface="+mn-ea"/>
+                <a:ea typeface="+mn-ea"/>
+              </a:rPr>
+              <a:t>1. </a:t>
+            </a:r>
+            <a:r>
+              <a:rPr lang="zh-CN" altLang="en-US" sz="2600" u="sng" dirty="0">
+                <a:solidFill>
+                  <a:srgbClr val="333333"/>
+                </a:solidFill>
+                <a:latin typeface="+mn-ea"/>
+                <a:ea typeface="+mn-ea"/>
+              </a:rPr>
+              <a:t>技术（源代码</a:t>
+            </a:r>
+            <a:r>
+              <a:rPr lang="en-US" altLang="zh-CN" sz="2600" u="sng" dirty="0">
+                <a:solidFill>
+                  <a:srgbClr val="333333"/>
+                </a:solidFill>
+                <a:latin typeface="+mn-ea"/>
+                <a:ea typeface="+mn-ea"/>
+              </a:rPr>
+              <a:t>/</a:t>
+            </a:r>
+            <a:r>
+              <a:rPr lang="zh-CN" altLang="en-US" sz="2600" u="sng" dirty="0">
+                <a:solidFill>
+                  <a:srgbClr val="333333"/>
+                </a:solidFill>
+                <a:latin typeface="+mn-ea"/>
+                <a:ea typeface="+mn-ea"/>
+              </a:rPr>
+              <a:t>软件操作）说明文档</a:t>
+            </a:r>
             <a:r>
               <a:rPr lang="zh-CN" altLang="en-US" sz="2600" dirty="0">
                 <a:solidFill>
@@ -16541,7 +16623,7 @@
                 <a:latin typeface="+mn-ea"/>
                 <a:ea typeface="+mn-ea"/>
               </a:rPr>
-              <a:t>涉及数据及软件需为开源数据及软件。</a:t>
+              <a:t>。包含具体由哪位成员完成信息。</a:t>
             </a:r>
             <a:endParaRPr lang="en-US" altLang="zh-CN" sz="2600" dirty="0">
               <a:solidFill>
@@ -16552,12 +16634,31 @@
             </a:endParaRPr>
           </a:p>
           <a:p>
-            <a:pPr marL="514350" indent="-514350" algn="just">
+            <a:pPr algn="just">
               <a:lnSpc>
                 <a:spcPct val="200000"/>
               </a:lnSpc>
-              <a:buAutoNum type="arabicPeriod"/>
             </a:pPr>
+            <a:r>
+              <a:rPr lang="en-US" altLang="zh-CN" sz="2600" u="sng" dirty="0">
+                <a:solidFill>
+                  <a:srgbClr val="333333"/>
+                </a:solidFill>
+                <a:latin typeface="+mn-ea"/>
+                <a:ea typeface="+mn-ea"/>
+              </a:rPr>
+              <a:t>2. </a:t>
+            </a:r>
+            <a:r>
+              <a:rPr lang="zh-CN" altLang="en-US" sz="2600" u="sng" dirty="0">
+                <a:solidFill>
+                  <a:srgbClr val="333333"/>
+                </a:solidFill>
+                <a:latin typeface="+mn-ea"/>
+                <a:ea typeface="+mn-ea"/>
+              </a:rPr>
+              <a:t>论文形式实验报告</a:t>
+            </a:r>
             <a:r>
               <a:rPr lang="zh-CN" altLang="en-US" sz="2600" dirty="0">
                 <a:solidFill>
@@ -16566,7 +16667,7 @@
                 <a:latin typeface="+mn-ea"/>
                 <a:ea typeface="+mn-ea"/>
               </a:rPr>
-              <a:t>数据涉及矢量数据及遥感栅格数据。</a:t>
+              <a:t>。</a:t>
             </a:r>
             <a:endParaRPr lang="en-US" altLang="zh-CN" sz="2600" dirty="0">
               <a:solidFill>
@@ -16577,11 +16678,74 @@
             </a:endParaRPr>
           </a:p>
           <a:p>
-            <a:pPr marL="514350" indent="-514350" algn="just">
+            <a:pPr algn="just">
               <a:lnSpc>
                 <a:spcPct val="200000"/>
               </a:lnSpc>
-              <a:buAutoNum type="arabicPeriod"/>
+            </a:pPr>
+            <a:r>
+              <a:rPr lang="en-US" altLang="zh-CN" sz="2600" u="sng" dirty="0">
+                <a:solidFill>
+                  <a:srgbClr val="333333"/>
+                </a:solidFill>
+                <a:latin typeface="+mn-ea"/>
+                <a:ea typeface="+mn-ea"/>
+              </a:rPr>
+              <a:t>3. </a:t>
+            </a:r>
+            <a:r>
+              <a:rPr lang="zh-CN" altLang="en-US" sz="2600" u="sng" dirty="0">
+                <a:solidFill>
+                  <a:srgbClr val="333333"/>
+                </a:solidFill>
+                <a:latin typeface="+mn-ea"/>
+                <a:ea typeface="+mn-ea"/>
+              </a:rPr>
+              <a:t>成果</a:t>
+            </a:r>
+            <a:r>
+              <a:rPr lang="en-US" altLang="zh-CN" sz="2600" u="sng" dirty="0">
+                <a:solidFill>
+                  <a:srgbClr val="333333"/>
+                </a:solidFill>
+                <a:latin typeface="+mn-ea"/>
+                <a:ea typeface="+mn-ea"/>
+              </a:rPr>
+              <a:t>ppt</a:t>
+            </a:r>
+            <a:r>
+              <a:rPr lang="zh-CN" altLang="en-US" sz="2600" u="sng" dirty="0">
+                <a:solidFill>
+                  <a:srgbClr val="333333"/>
+                </a:solidFill>
+                <a:latin typeface="+mn-ea"/>
+                <a:ea typeface="+mn-ea"/>
+              </a:rPr>
+              <a:t>汇报</a:t>
+            </a:r>
+            <a:r>
+              <a:rPr lang="zh-CN" altLang="en-US" sz="2600" dirty="0">
+                <a:solidFill>
+                  <a:srgbClr val="333333"/>
+                </a:solidFill>
+                <a:latin typeface="+mn-ea"/>
+                <a:ea typeface="+mn-ea"/>
+              </a:rPr>
+              <a:t>（最后两次课）。</a:t>
+            </a:r>
+            <a:endParaRPr lang="en-US" altLang="zh-CN" sz="2600" dirty="0">
+              <a:solidFill>
+                <a:srgbClr val="333333"/>
+              </a:solidFill>
+              <a:latin typeface="+mn-ea"/>
+              <a:ea typeface="+mn-ea"/>
+            </a:endParaRPr>
+          </a:p>
+          <a:p>
+            <a:pPr algn="just">
+              <a:lnSpc>
+                <a:spcPct val="200000"/>
+              </a:lnSpc>
             </a:pPr>
             <a:endParaRPr lang="en-US" altLang="zh-CN" sz="2600" dirty="0">
               <a:solidFill>
@@ -16596,7 +16760,7 @@
     </p:spTree>
     <p:extLst>
       <p:ext uri="{BB962C8B-B14F-4D97-AF65-F5344CB8AC3E}">
-        <p14:creationId xmlns:p14="http://schemas.microsoft.com/office/powerpoint/2010/main" val="424262264"/>
+        <p14:creationId xmlns:p14="http://schemas.microsoft.com/office/powerpoint/2010/main" val="84020069"/>
       </p:ext>
     </p:extLst>
   </p:cSld>
@@ -16679,7 +16843,7 @@
         <p:spPr>
           <a:xfrm>
             <a:off x="382958" y="950212"/>
-            <a:ext cx="8378083" cy="4757521"/>
+            <a:ext cx="8378083" cy="3957302"/>
           </a:xfrm>
           <a:prstGeom prst="rect">
             <a:avLst/>
@@ -16705,7 +16869,7 @@
                 <a:latin typeface="+mn-ea"/>
                 <a:ea typeface="+mn-ea"/>
               </a:rPr>
-              <a:t>实践项目评分标准：</a:t>
+              <a:t>实践项目内容要求：</a:t>
             </a:r>
             <a:endParaRPr lang="en-US" altLang="zh-CN" sz="3200" b="1" dirty="0">
               <a:solidFill>
@@ -16723,7 +16887,196 @@
               <a:buAutoNum type="arabicPeriod"/>
             </a:pPr>
             <a:r>
-              <a:rPr lang="zh-CN" altLang="en-US" sz="2600" u="sng" dirty="0">
+              <a:rPr lang="zh-CN" altLang="en-US" sz="2600" dirty="0">
+                <a:solidFill>
+                  <a:srgbClr val="333333"/>
+                </a:solidFill>
+                <a:latin typeface="+mn-ea"/>
+                <a:ea typeface="+mn-ea"/>
+              </a:rPr>
+              <a:t>涉及数据及软件需为开源数据及软件。</a:t>
+            </a:r>
+            <a:endParaRPr lang="en-US" altLang="zh-CN" sz="2600" dirty="0">
+              <a:solidFill>
+                <a:srgbClr val="333333"/>
+              </a:solidFill>
+              <a:latin typeface="+mn-ea"/>
+              <a:ea typeface="+mn-ea"/>
+            </a:endParaRPr>
+          </a:p>
+          <a:p>
+            <a:pPr marL="514350" indent="-514350" algn="just">
+              <a:lnSpc>
+                <a:spcPct val="200000"/>
+              </a:lnSpc>
+              <a:buAutoNum type="arabicPeriod"/>
+            </a:pPr>
+            <a:r>
+              <a:rPr lang="zh-CN" altLang="en-US" sz="2600" dirty="0">
+                <a:solidFill>
+                  <a:srgbClr val="333333"/>
+                </a:solidFill>
+                <a:latin typeface="+mn-ea"/>
+                <a:ea typeface="+mn-ea"/>
+              </a:rPr>
+              <a:t>数据涉及矢量数据及遥感栅格数据。</a:t>
+            </a:r>
+            <a:endParaRPr lang="en-US" altLang="zh-CN" sz="2600" dirty="0">
+              <a:solidFill>
+                <a:srgbClr val="333333"/>
+              </a:solidFill>
+              <a:latin typeface="+mn-ea"/>
+              <a:ea typeface="+mn-ea"/>
+            </a:endParaRPr>
+          </a:p>
+          <a:p>
+            <a:pPr marL="514350" indent="-514350" algn="just">
+              <a:lnSpc>
+                <a:spcPct val="200000"/>
+              </a:lnSpc>
+              <a:buAutoNum type="arabicPeriod"/>
+            </a:pPr>
+            <a:endParaRPr lang="en-US" altLang="zh-CN" sz="2600" dirty="0">
+              <a:solidFill>
+                <a:srgbClr val="333333"/>
+              </a:solidFill>
+              <a:latin typeface="+mn-ea"/>
+              <a:ea typeface="+mn-ea"/>
+            </a:endParaRPr>
+          </a:p>
+        </p:txBody>
+      </p:sp>
+    </p:spTree>
+    <p:extLst>
+      <p:ext uri="{BB962C8B-B14F-4D97-AF65-F5344CB8AC3E}">
+        <p14:creationId xmlns:p14="http://schemas.microsoft.com/office/powerpoint/2010/main" val="424262264"/>
+      </p:ext>
+    </p:extLst>
+  </p:cSld>
+  <p:clrMapOvr>
+    <a:masterClrMapping/>
+  </p:clrMapOvr>
+  <p:transition>
+    <p:fade/>
+  </p:transition>
+</p:sld>
+</file>
+
+<file path=ppt/slides/slide7.xml><?xml version="1.0" encoding="utf-8"?>
+<p:sld xmlns:a="http://schemas.openxmlformats.org/drawingml/2006/main" xmlns:r="http://schemas.openxmlformats.org/officeDocument/2006/relationships" xmlns:p="http://schemas.openxmlformats.org/presentationml/2006/main">
+  <p:cSld>
+    <p:spTree>
+      <p:nvGrpSpPr>
+        <p:cNvPr id="1" name=""/>
+        <p:cNvGrpSpPr/>
+        <p:nvPr/>
+      </p:nvGrpSpPr>
+      <p:grpSpPr>
+        <a:xfrm>
+          <a:off x="0" y="0"/>
+          <a:ext cx="0" cy="0"/>
+          <a:chOff x="0" y="0"/>
+          <a:chExt cx="0" cy="0"/>
+        </a:xfrm>
+      </p:grpSpPr>
+      <p:sp>
+        <p:nvSpPr>
+          <p:cNvPr id="3" name="标题 2"/>
+          <p:cNvSpPr>
+            <a:spLocks noGrp="1"/>
+          </p:cNvSpPr>
+          <p:nvPr>
+            <p:ph type="title"/>
+          </p:nvPr>
+        </p:nvSpPr>
+        <p:spPr>
+          <a:xfrm>
+            <a:off x="0" y="8526"/>
+            <a:ext cx="9013371" cy="792162"/>
+          </a:xfrm>
+        </p:spPr>
+        <p:txBody>
+          <a:bodyPr/>
+          <a:lstStyle/>
+          <a:p>
+            <a:pPr algn="l" fontAlgn="auto">
+              <a:spcBef>
+                <a:spcPts val="0"/>
+              </a:spcBef>
+              <a:spcAft>
+                <a:spcPts val="0"/>
+              </a:spcAft>
+            </a:pPr>
+            <a:r>
+              <a:rPr lang="zh-CN" altLang="en-US" sz="3200" dirty="0">
+                <a:latin typeface="+mn-ea"/>
+              </a:rPr>
+              <a:t>实践项目要求</a:t>
+            </a:r>
+            <a:endParaRPr lang="zh-CN" altLang="en-US" sz="3200" dirty="0"/>
+          </a:p>
+        </p:txBody>
+      </p:sp>
+      <p:sp>
+        <p:nvSpPr>
+          <p:cNvPr id="10" name="TextBox 9">
+            <a:extLst>
+              <a:ext uri="{FF2B5EF4-FFF2-40B4-BE49-F238E27FC236}">
+                <a16:creationId xmlns:a16="http://schemas.microsoft.com/office/drawing/2014/main" id="{2662A235-2CC3-749B-1A7D-D9E01F241A84}"/>
+              </a:ext>
+            </a:extLst>
+          </p:cNvPr>
+          <p:cNvSpPr txBox="1"/>
+          <p:nvPr/>
+        </p:nvSpPr>
+        <p:spPr>
+          <a:xfrm>
+            <a:off x="382958" y="950212"/>
+            <a:ext cx="8378083" cy="4375557"/>
+          </a:xfrm>
+          <a:prstGeom prst="rect">
+            <a:avLst/>
+          </a:prstGeom>
+          <a:noFill/>
+        </p:spPr>
+        <p:txBody>
+          <a:bodyPr wrap="square">
+            <a:spAutoFit/>
+          </a:bodyPr>
+          <a:lstStyle/>
+          <a:p>
+            <a:pPr algn="just">
+              <a:lnSpc>
+                <a:spcPct val="200000"/>
+              </a:lnSpc>
+            </a:pPr>
+            <a:r>
+              <a:rPr lang="zh-CN" altLang="en-US" sz="3200" b="1" dirty="0">
+                <a:solidFill>
+                  <a:srgbClr val="333333"/>
+                </a:solidFill>
+                <a:latin typeface="+mn-ea"/>
+                <a:ea typeface="+mn-ea"/>
+              </a:rPr>
+              <a:t>实践项目评分标准：</a:t>
+            </a:r>
+            <a:endParaRPr lang="en-US" altLang="zh-CN" sz="3200" b="1" dirty="0">
+              <a:solidFill>
+                <a:srgbClr val="333333"/>
+              </a:solidFill>
+              <a:latin typeface="+mn-ea"/>
+              <a:ea typeface="+mn-ea"/>
+            </a:endParaRPr>
+          </a:p>
+          <a:p>
+            <a:pPr marL="514350" indent="-514350" algn="just">
+              <a:lnSpc>
+                <a:spcPct val="250000"/>
+              </a:lnSpc>
+              <a:buAutoNum type="arabicPeriod"/>
+            </a:pPr>
+            <a:r>
+              <a:rPr lang="zh-CN" altLang="en-US" sz="2500" u="sng" dirty="0">
                 <a:solidFill>
                   <a:srgbClr val="333333"/>
                 </a:solidFill>
@@ -16733,7 +17086,7 @@
               <a:t>总分</a:t>
             </a:r>
             <a:r>
-              <a:rPr lang="en-US" altLang="zh-CN" sz="2600" u="sng" dirty="0">
+              <a:rPr lang="en-US" altLang="zh-CN" sz="2500" u="sng" dirty="0">
                 <a:solidFill>
                   <a:srgbClr val="333333"/>
                 </a:solidFill>
@@ -16743,7 +17096,7 @@
               <a:t>40</a:t>
             </a:r>
             <a:r>
-              <a:rPr lang="zh-CN" altLang="en-US" sz="2600" dirty="0">
+              <a:rPr lang="zh-CN" altLang="en-US" sz="2500" dirty="0">
                 <a:solidFill>
                   <a:srgbClr val="333333"/>
                 </a:solidFill>
@@ -16752,7 +17105,7 @@
               </a:rPr>
               <a:t>；</a:t>
             </a:r>
-            <a:endParaRPr lang="en-US" altLang="zh-CN" sz="2600" dirty="0">
+            <a:endParaRPr lang="en-US" altLang="zh-CN" sz="2500" dirty="0">
               <a:solidFill>
                 <a:srgbClr val="333333"/>
               </a:solidFill>
@@ -16763,12 +17116,12 @@
           <a:p>
             <a:pPr marL="514350" indent="-514350" algn="just">
               <a:lnSpc>
-                <a:spcPct val="200000"/>
+                <a:spcPct val="250000"/>
               </a:lnSpc>
               <a:buAutoNum type="arabicPeriod"/>
             </a:pPr>
             <a:r>
-              <a:rPr lang="zh-CN" altLang="en-US" sz="2600" u="sng" dirty="0">
+              <a:rPr lang="zh-CN" altLang="en-US" sz="2500" u="sng" dirty="0">
                 <a:solidFill>
                   <a:srgbClr val="333333"/>
                 </a:solidFill>
@@ -16778,7 +17131,7 @@
               <a:t>实践项目整体分</a:t>
             </a:r>
             <a:r>
-              <a:rPr lang="zh-CN" altLang="en-US" sz="2600" dirty="0">
+              <a:rPr lang="zh-CN" altLang="en-US" sz="2500" dirty="0">
                 <a:solidFill>
                   <a:srgbClr val="333333"/>
                 </a:solidFill>
@@ -16788,7 +17141,7 @@
               <a:t>（</a:t>
             </a:r>
             <a:r>
-              <a:rPr lang="en-US" altLang="zh-CN" sz="2600" dirty="0">
+              <a:rPr lang="en-US" altLang="zh-CN" sz="2500" dirty="0">
                 <a:solidFill>
                   <a:srgbClr val="333333"/>
                 </a:solidFill>
@@ -16798,16 +17151,16 @@
               <a:t>ppt</a:t>
             </a:r>
             <a:r>
-              <a:rPr lang="zh-CN" altLang="en-US" sz="2600" dirty="0">
+              <a:rPr lang="zh-CN" altLang="en-US" sz="2500" dirty="0">
                 <a:solidFill>
                   <a:srgbClr val="333333"/>
                 </a:solidFill>
                 <a:latin typeface="+mn-ea"/>
                 <a:ea typeface="+mn-ea"/>
               </a:rPr>
-              <a:t>汇报，实验报告、技术说明文档）；</a:t>
-            </a:r>
-            <a:endParaRPr lang="en-US" altLang="zh-CN" sz="2600" dirty="0">
+              <a:t>汇报，小论文、技术说明文档）；</a:t>
+            </a:r>
+            <a:endParaRPr lang="en-US" altLang="zh-CN" sz="2500" dirty="0">
               <a:solidFill>
                 <a:srgbClr val="333333"/>
               </a:solidFill>
@@ -16818,12 +17171,12 @@
           <a:p>
             <a:pPr marL="514350" indent="-514350" algn="just">
               <a:lnSpc>
-                <a:spcPct val="200000"/>
+                <a:spcPct val="250000"/>
               </a:lnSpc>
               <a:buAutoNum type="arabicPeriod"/>
             </a:pPr>
             <a:r>
-              <a:rPr lang="zh-CN" altLang="en-US" sz="2600" u="sng" dirty="0">
+              <a:rPr lang="zh-CN" altLang="en-US" sz="2500" u="sng" dirty="0">
                 <a:solidFill>
                   <a:srgbClr val="333333"/>
                 </a:solidFill>
@@ -16833,7 +17186,7 @@
               <a:t>个人分</a:t>
             </a:r>
             <a:r>
-              <a:rPr lang="zh-CN" altLang="en-US" sz="2600" dirty="0">
+              <a:rPr lang="zh-CN" altLang="en-US" sz="2500" dirty="0">
                 <a:solidFill>
                   <a:srgbClr val="333333"/>
                 </a:solidFill>
@@ -16842,7 +17195,7 @@
               </a:rPr>
               <a:t>，根据成员具体工作量进行加分或减分。</a:t>
             </a:r>
-            <a:endParaRPr lang="en-US" altLang="zh-CN" sz="2600" dirty="0">
+            <a:endParaRPr lang="en-US" altLang="zh-CN" sz="2500" dirty="0">
               <a:solidFill>
                 <a:srgbClr val="333333"/>
               </a:solidFill>
